--- a/Assets/Class/Time Delay/PPT Data/Time Delay Example.pptx
+++ b/Assets/Class/Time Delay/PPT Data/Time Delay Example.pptx
@@ -2,20 +2,21 @@
 <file path=ppt/presentation.xml><?xml version="1.0" encoding="utf-8"?>
 <p:presentation xmlns:a="http://schemas.openxmlformats.org/drawingml/2006/main" xmlns:r="http://schemas.openxmlformats.org/officeDocument/2006/relationships" xmlns:p="http://schemas.openxmlformats.org/presentationml/2006/main" xmlns:p14="http://schemas.microsoft.com/office/powerpoint/2010/main" saveSubsetFonts="1" firstSlideNum="0">
   <p:sldMasterIdLst>
-    <p:sldMasterId id="2147485662" r:id="rId23"/>
-    <p:sldMasterId id="2147485663" r:id="rId25"/>
+    <p:sldMasterId id="2147485764" r:id="rId23"/>
+    <p:sldMasterId id="2147485765" r:id="rId25"/>
   </p:sldMasterIdLst>
   <p:notesMasterIdLst>
     <p:notesMasterId r:id="rId27"/>
   </p:notesMasterIdLst>
   <p:sldIdLst>
-    <p:sldId id="291" r:id="rId29"/>
-    <p:sldId id="284" r:id="rId30"/>
-    <p:sldId id="280" r:id="rId31"/>
-    <p:sldId id="283" r:id="rId32"/>
-    <p:sldId id="289" r:id="rId33"/>
-    <p:sldId id="292" r:id="rId34"/>
-    <p:sldId id="287" r:id="rId35"/>
+    <p:sldId id="293" r:id="rId29"/>
+    <p:sldId id="294" r:id="rId30"/>
+    <p:sldId id="295" r:id="rId31"/>
+    <p:sldId id="296" r:id="rId32"/>
+    <p:sldId id="280" r:id="rId33"/>
+    <p:sldId id="297" r:id="rId34"/>
+    <p:sldId id="298" r:id="rId35"/>
+    <p:sldId id="299" r:id="rId36"/>
   </p:sldIdLst>
   <p:sldSz cx="12192000" cy="6858000"/>
   <p:notesSz cx="6858000" cy="9144000"/>
@@ -646,7 +647,7 @@
         <p:spPr>
           <a:xfrm rot="0">
             <a:off x="685800" y="1143000"/>
-            <a:ext cx="5492750" cy="3092450"/>
+            <a:ext cx="5489575" cy="3089275"/>
           </a:xfrm>
           <a:prstGeom prst="rect"/>
           <a:noFill/>
@@ -685,7 +686,7 @@
         <p:spPr>
           <a:xfrm rot="0">
             <a:off x="685800" y="4400550"/>
-            <a:ext cx="5492750" cy="3606800"/>
+            <a:ext cx="5489575" cy="3603625"/>
           </a:xfrm>
           <a:prstGeom prst="rect"/>
         </p:spPr>
@@ -715,7 +716,7 @@
         <p:spPr>
           <a:xfrm rot="0">
             <a:off x="3884930" y="8685530"/>
-            <a:ext cx="2978150" cy="464820"/>
+            <a:ext cx="2974975" cy="461645"/>
           </a:xfrm>
           <a:prstGeom prst="rect"/>
         </p:spPr>
@@ -788,7 +789,7 @@
         <p:spPr>
           <a:xfrm rot="0">
             <a:off x="685800" y="1143000"/>
-            <a:ext cx="5488940" cy="3088640"/>
+            <a:ext cx="5489575" cy="3089275"/>
           </a:xfrm>
           <a:prstGeom prst="rect"/>
           <a:noFill/>
@@ -827,7 +828,7 @@
         <p:spPr>
           <a:xfrm rot="0">
             <a:off x="685800" y="4400550"/>
-            <a:ext cx="5488940" cy="3602990"/>
+            <a:ext cx="5489575" cy="3603625"/>
           </a:xfrm>
           <a:prstGeom prst="rect"/>
         </p:spPr>
@@ -857,7 +858,7 @@
         <p:spPr>
           <a:xfrm rot="0">
             <a:off x="3884930" y="8685530"/>
-            <a:ext cx="2974340" cy="461010"/>
+            <a:ext cx="2974975" cy="461645"/>
           </a:xfrm>
           <a:prstGeom prst="rect"/>
         </p:spPr>
@@ -930,7 +931,7 @@
         <p:spPr>
           <a:xfrm rot="0">
             <a:off x="685800" y="1143000"/>
-            <a:ext cx="5492750" cy="3092450"/>
+            <a:ext cx="5489575" cy="3089275"/>
           </a:xfrm>
           <a:prstGeom prst="rect"/>
           <a:noFill/>
@@ -969,7 +970,7 @@
         <p:spPr>
           <a:xfrm rot="0">
             <a:off x="685800" y="4400550"/>
-            <a:ext cx="5492750" cy="3606800"/>
+            <a:ext cx="5489575" cy="3603625"/>
           </a:xfrm>
           <a:prstGeom prst="rect"/>
         </p:spPr>
@@ -999,7 +1000,7 @@
         <p:spPr>
           <a:xfrm rot="0">
             <a:off x="3884930" y="8685530"/>
-            <a:ext cx="2978150" cy="464820"/>
+            <a:ext cx="2974975" cy="461645"/>
           </a:xfrm>
           <a:prstGeom prst="rect"/>
         </p:spPr>
@@ -1072,7 +1073,7 @@
         <p:spPr>
           <a:xfrm rot="0">
             <a:off x="685800" y="1143000"/>
-            <a:ext cx="5493385" cy="3093085"/>
+            <a:ext cx="5488940" cy="3088640"/>
           </a:xfrm>
           <a:prstGeom prst="rect"/>
           <a:noFill/>
@@ -1111,7 +1112,7 @@
         <p:spPr>
           <a:xfrm rot="0">
             <a:off x="685800" y="4400550"/>
-            <a:ext cx="5493385" cy="3607435"/>
+            <a:ext cx="5488940" cy="3602990"/>
           </a:xfrm>
           <a:prstGeom prst="rect"/>
         </p:spPr>
@@ -1141,7 +1142,7 @@
         <p:spPr>
           <a:xfrm rot="0">
             <a:off x="3884930" y="8685530"/>
-            <a:ext cx="2978785" cy="465455"/>
+            <a:ext cx="2974340" cy="461010"/>
           </a:xfrm>
           <a:prstGeom prst="rect"/>
         </p:spPr>
@@ -1214,7 +1215,7 @@
         <p:spPr>
           <a:xfrm rot="0">
             <a:off x="685800" y="1143000"/>
-            <a:ext cx="5494020" cy="3093720"/>
+            <a:ext cx="5489575" cy="3089275"/>
           </a:xfrm>
           <a:prstGeom prst="rect"/>
           <a:noFill/>
@@ -1253,7 +1254,7 @@
         <p:spPr>
           <a:xfrm rot="0">
             <a:off x="685800" y="4400550"/>
-            <a:ext cx="5494020" cy="3608070"/>
+            <a:ext cx="5489575" cy="3603625"/>
           </a:xfrm>
           <a:prstGeom prst="rect"/>
         </p:spPr>
@@ -1283,7 +1284,7 @@
         <p:spPr>
           <a:xfrm rot="0">
             <a:off x="3884930" y="8685530"/>
-            <a:ext cx="2979420" cy="466090"/>
+            <a:ext cx="2974975" cy="461645"/>
           </a:xfrm>
           <a:prstGeom prst="rect"/>
         </p:spPr>
@@ -1356,7 +1357,7 @@
         <p:spPr>
           <a:xfrm rot="0">
             <a:off x="685800" y="1143000"/>
-            <a:ext cx="5494020" cy="3093720"/>
+            <a:ext cx="5489575" cy="3089275"/>
           </a:xfrm>
           <a:prstGeom prst="rect"/>
           <a:noFill/>
@@ -1395,7 +1396,7 @@
         <p:spPr>
           <a:xfrm rot="0">
             <a:off x="685800" y="4400550"/>
-            <a:ext cx="5494020" cy="3608070"/>
+            <a:ext cx="5489575" cy="3603625"/>
           </a:xfrm>
           <a:prstGeom prst="rect"/>
         </p:spPr>
@@ -1425,7 +1426,149 @@
         <p:spPr>
           <a:xfrm rot="0">
             <a:off x="3884930" y="8685530"/>
-            <a:ext cx="2979420" cy="466090"/>
+            <a:ext cx="2974975" cy="461645"/>
+          </a:xfrm>
+          <a:prstGeom prst="rect"/>
+        </p:spPr>
+        <p:txBody>
+          <a:bodyPr wrap="square" lIns="91440" tIns="45720" rIns="91440" bIns="45720" numCol="1" vert="horz" anchor="b">
+            <a:noAutofit/>
+          </a:bodyPr>
+          <a:lstStyle>
+            <a:lvl1pPr marL="0" indent="0" algn="r" latinLnBrk="0">
+              <a:buFontTx/>
+              <a:buNone/>
+              <a:defRPr lang="en-GB" altLang="en-US" sz="1200"/>
+            </a:lvl1pPr>
+          </a:lstStyle>
+          <a:p>
+            <a:pPr marL="0" indent="0" latinLnBrk="0">
+              <a:buFontTx/>
+              <a:buNone/>
+            </a:pPr>
+            <a:fld id="{B9320F77-B9A0-41C5-862A-B4B631284C64}" type="slidenum">
+              <a:rPr lang="ko-KR" altLang="en-US"/>
+              <a:t>‹#›</a:t>
+            </a:fld>
+          </a:p>
+        </p:txBody>
+      </p:sp>
+    </p:spTree>
+  </p:cSld>
+  <p:clrMapOvr>
+    <a:masterClrMapping/>
+  </p:clrMapOvr>
+  <mc:AlternateContent xmlns:mc="http://schemas.openxmlformats.org/markup-compatibility/2006">
+    <mc:Choice xmlns:p14="http://schemas.microsoft.com/office/powerpoint/2010/main" Requires="p14">
+      <p:transition spd="slow" p14:dur="0"/>
+    </mc:Choice>
+    <mc:Fallback>
+      <p:transition spd="slow"/>
+    </mc:Fallback>
+  </mc:AlternateContent>
+</p:notes>
+</file>
+
+<file path=ppt/notesSlides/notesSlide8.xml><?xml version="1.0" encoding="utf-8"?>
+<p:notes xmlns:a="http://schemas.openxmlformats.org/drawingml/2006/main" xmlns:r="http://schemas.openxmlformats.org/officeDocument/2006/relationships" xmlns:p="http://schemas.openxmlformats.org/presentationml/2006/main">
+  <p:cSld>
+    <p:spTree>
+      <p:nvGrpSpPr>
+        <p:cNvPr id="1" name=""/>
+        <p:cNvGrpSpPr/>
+        <p:nvPr/>
+      </p:nvGrpSpPr>
+      <p:grpSpPr>
+        <a:xfrm>
+          <a:off x="0" y="0"/>
+          <a:ext cx="0" cy="0"/>
+          <a:chOff x="0" y="0"/>
+          <a:chExt cx="0" cy="0"/>
+        </a:xfrm>
+      </p:grpSpPr>
+      <p:sp>
+        <p:nvSpPr>
+          <p:cNvPr id="2" name="슬라이드 이미지 개체 틀 3"/>
+          <p:cNvSpPr>
+            <a:spLocks noChangeAspect="1"/>
+          </p:cNvSpPr>
+          <p:nvPr>
+            <p:ph type="sldImg" idx="2"/>
+          </p:nvPr>
+        </p:nvSpPr>
+        <p:spPr>
+          <a:xfrm rot="0">
+            <a:off x="685800" y="1143000"/>
+            <a:ext cx="5489575" cy="3089275"/>
+          </a:xfrm>
+          <a:prstGeom prst="rect"/>
+          <a:noFill/>
+          <a:ln w="12700" cap="flat" cmpd="sng">
+            <a:solidFill>
+              <a:srgbClr val="000000">
+                <a:alpha val="100000"/>
+              </a:srgbClr>
+            </a:solidFill>
+            <a:prstDash val="solid"/>
+          </a:ln>
+        </p:spPr>
+        <p:txBody>
+          <a:bodyPr wrap="square" lIns="91440" tIns="45720" rIns="91440" bIns="45720" numCol="1" vert="horz" anchor="ctr">
+            <a:noAutofit/>
+          </a:bodyPr>
+          <a:lstStyle/>
+          <a:p>
+            <a:pPr marL="0" indent="0" latinLnBrk="0">
+              <a:buFontTx/>
+              <a:buNone/>
+            </a:pPr>
+          </a:p>
+        </p:txBody>
+      </p:sp>
+      <p:sp>
+        <p:nvSpPr>
+          <p:cNvPr id="3" name="슬라이드 노트 개체 틀 4"/>
+          <p:cNvSpPr txBox="1">
+            <a:spLocks/>
+          </p:cNvSpPr>
+          <p:nvPr>
+            <p:ph type="body" idx="3"/>
+          </p:nvPr>
+        </p:nvSpPr>
+        <p:spPr>
+          <a:xfrm rot="0">
+            <a:off x="685800" y="4400550"/>
+            <a:ext cx="5489575" cy="3603625"/>
+          </a:xfrm>
+          <a:prstGeom prst="rect"/>
+        </p:spPr>
+        <p:txBody>
+          <a:bodyPr wrap="square" lIns="91440" tIns="45720" rIns="91440" bIns="45720" numCol="1" vert="horz" anchor="t">
+            <a:noAutofit/>
+          </a:bodyPr>
+          <a:lstStyle/>
+          <a:p>
+            <a:pPr marL="0" indent="0" latinLnBrk="0">
+              <a:buFontTx/>
+              <a:buNone/>
+            </a:pPr>
+          </a:p>
+        </p:txBody>
+      </p:sp>
+      <p:sp>
+        <p:nvSpPr>
+          <p:cNvPr id="4" name="슬라이드 번호 개체 틀 6"/>
+          <p:cNvSpPr txBox="1">
+            <a:spLocks/>
+          </p:cNvSpPr>
+          <p:nvPr>
+            <p:ph type="sldNum" idx="5"/>
+          </p:nvPr>
+        </p:nvSpPr>
+        <p:spPr>
+          <a:xfrm rot="0">
+            <a:off x="3884930" y="8685530"/>
+            <a:ext cx="2974975" cy="461645"/>
           </a:xfrm>
           <a:prstGeom prst="rect"/>
         </p:spPr>
@@ -9407,7 +9550,7 @@
 </file>
 
 <file path=ppt/slides/slide1.xml><?xml version="1.0" encoding="utf-8"?>
-<p:sld xmlns:a="http://schemas.openxmlformats.org/drawingml/2006/main" xmlns:r="http://schemas.openxmlformats.org/officeDocument/2006/relationships" xmlns:p="http://schemas.openxmlformats.org/presentationml/2006/main" xmlns:p14="http://schemas.microsoft.com/office/powerpoint/2010/main">
+<p:sld xmlns:a="http://schemas.openxmlformats.org/drawingml/2006/main" xmlns:r="http://schemas.openxmlformats.org/officeDocument/2006/relationships" xmlns:p="http://schemas.openxmlformats.org/presentationml/2006/main">
   <p:cSld>
     <p:spTree>
       <p:nvGrpSpPr>
@@ -9425,7 +9568,7 @@
       </p:grpSpPr>
       <p:sp>
         <p:nvSpPr>
-          <p:cNvPr id="1035" name="Rect 0"/>
+          <p:cNvPr id="1031" name="Rect 0"/>
           <p:cNvSpPr txBox="1">
             <a:spLocks/>
           </p:cNvSpPr>
@@ -9433,8 +9576,8 @@
         </p:nvSpPr>
         <p:spPr>
           <a:xfrm rot="0">
-            <a:off x="1189355" y="1280795"/>
-            <a:ext cx="4096385" cy="925195"/>
+            <a:off x="4521200" y="476250"/>
+            <a:ext cx="3150870" cy="554990"/>
           </a:xfrm>
           <a:prstGeom prst="rect"/>
           <a:noFill/>
@@ -9449,34 +9592,142 @@
           </a:bodyPr>
           <a:lstStyle/>
           <a:p>
-            <a:pPr marL="0" indent="0" algn="l" latinLnBrk="0" hangingPunct="1">
-              <a:buFontTx/>
-              <a:buNone/>
-            </a:pPr>
+            <a:pPr marL="0" indent="0" algn="l" latinLnBrk="0">
+              <a:buFontTx/>
+              <a:buNone/>
+            </a:pPr>
+            <a:r>
+              <a:rPr lang="ko-KR" sz="3000" b="1">
+                <a:solidFill>
+                  <a:schemeClr val="tx1"/>
+                </a:solidFill>
+                <a:latin typeface="맑은 고딕" charset="0"/>
+                <a:ea typeface="맑은 고딕" charset="0"/>
+              </a:rPr>
+              <a:t>첫 번째 튜토리얼</a:t>
+            </a:r>
+            <a:endParaRPr lang="ko-KR" altLang="en-US" sz="3000" b="1">
+              <a:solidFill>
+                <a:schemeClr val="tx1"/>
+              </a:solidFill>
+              <a:latin typeface="맑은 고딕" charset="0"/>
+              <a:ea typeface="맑은 고딕" charset="0"/>
+            </a:endParaRPr>
+          </a:p>
+        </p:txBody>
+      </p:sp>
+      <p:sp>
+        <p:nvSpPr>
+          <p:cNvPr id="1032" name="텍스트 상자 8"/>
+          <p:cNvSpPr txBox="1">
+            <a:spLocks/>
+          </p:cNvSpPr>
+          <p:nvPr/>
+        </p:nvSpPr>
+        <p:spPr>
+          <a:xfrm rot="0">
+            <a:off x="1366520" y="4675505"/>
+            <a:ext cx="4013835" cy="1508125"/>
+          </a:xfrm>
+          <a:prstGeom prst="rect"/>
+          <a:noFill/>
+          <a:ln w="0">
+            <a:noFill/>
+            <a:prstDash/>
+          </a:ln>
+        </p:spPr>
+        <p:txBody>
+          <a:bodyPr wrap="square" lIns="89535" tIns="46355" rIns="89535" bIns="46355" vert="horz" anchor="t">
+            <a:spAutoFit/>
+          </a:bodyPr>
+          <a:lstStyle/>
+          <a:p>
+            <a:pPr marL="0" indent="0" rtl="0" algn="l" defTabSz="914400" eaLnBrk="1" latinLnBrk="0" hangingPunct="1">
+              <a:buFontTx/>
+              <a:buNone/>
+            </a:pPr>
+            <a:r>
+              <a:rPr sz="2000" b="1">
+                <a:solidFill>
+                  <a:srgbClr val="0611F2"/>
+                </a:solidFill>
+                <a:latin typeface="맑은 고딕" charset="0"/>
+                <a:ea typeface="맑은 고딕" charset="0"/>
+              </a:rPr>
+              <a:t>1. </a:t>
+            </a:r>
+            <a:r>
+              <a:rPr sz="1800">
+                <a:latin typeface="맑은 고딕" charset="0"/>
+                <a:ea typeface="맑은 고딕" charset="0"/>
+              </a:rPr>
+              <a:t>첫 번째로</a:t>
+            </a:r>
+            <a:r>
+              <a:rPr sz="1800">
+                <a:latin typeface="맑은 고딕" charset="0"/>
+                <a:ea typeface="맑은 고딕" charset="0"/>
+              </a:rPr>
+              <a:t> </a:t>
+            </a:r>
             <a:r>
               <a:rPr lang="ko-KR" sz="1800">
                 <a:latin typeface="맑은 고딕" charset="0"/>
                 <a:ea typeface="맑은 고딕" charset="0"/>
               </a:rPr>
-              <a:t>GetKey는 keycode에 의해 지정되어 있는 키를 누를 때, 참과 거짓을 반환하는 함수입니다.</a:t>
+              <a:t>3D Object에서</a:t>
+            </a:r>
+            <a:r>
+              <a:rPr sz="1800">
+                <a:latin typeface="맑은 고딕" charset="0"/>
+                <a:ea typeface="맑은 고딕" charset="0"/>
+              </a:rPr>
+              <a:t> Capsule 오브젝트를 생성합니다.</a:t>
             </a:r>
             <a:endParaRPr lang="ko-KR" altLang="en-US" sz="1800">
               <a:latin typeface="맑은 고딕" charset="0"/>
               <a:ea typeface="맑은 고딕" charset="0"/>
             </a:endParaRPr>
           </a:p>
+          <a:p>
+            <a:pPr marL="0" indent="0" rtl="0" algn="l" defTabSz="914400" eaLnBrk="1" latinLnBrk="0" hangingPunct="1">
+              <a:buFontTx/>
+              <a:buNone/>
+            </a:pPr>
+            <a:endParaRPr lang="ko-KR" altLang="en-US" sz="1800">
+              <a:latin typeface="맑은 고딕" charset="0"/>
+              <a:ea typeface="맑은 고딕" charset="0"/>
+            </a:endParaRPr>
+          </a:p>
+          <a:p>
+            <a:pPr marL="0" indent="0" rtl="0" algn="l" defTabSz="914400" eaLnBrk="1" latinLnBrk="0" hangingPunct="1">
+              <a:buFontTx/>
+              <a:buNone/>
+            </a:pPr>
+            <a:r>
+              <a:rPr lang="ko-KR" sz="1800">
+                <a:latin typeface="맑은 고딕" charset="0"/>
+                <a:ea typeface="맑은 고딕" charset="0"/>
+              </a:rPr>
+              <a:t>그리고 Various 스크립트를 생성한 다음 Capsule 오브젝트에 넣어줍니다.</a:t>
+            </a:r>
+            <a:endParaRPr lang="ko-KR" altLang="en-US" sz="1800">
+              <a:latin typeface="맑은 고딕" charset="0"/>
+              <a:ea typeface="맑은 고딕" charset="0"/>
+            </a:endParaRPr>
+          </a:p>
         </p:txBody>
       </p:sp>
       <p:pic>
         <p:nvPicPr>
-          <p:cNvPr id="1104" name="Picture "/>
+          <p:cNvPr id="1033" name="그림 9" descr="C:/Users/Admin1/AppData/Roaming/PolarisOffice/ETemp/17076_14861856/fImage1597828341.png"/>
           <p:cNvPicPr>
             <a:picLocks noChangeAspect="1"/>
           </p:cNvPicPr>
           <p:nvPr/>
         </p:nvPicPr>
         <p:blipFill rotWithShape="1">
-          <a:blip r:embed="rId3" cstate="hqprint">
+          <a:blip r:embed="rId2" cstate="hqprint">
             <a:extLst>
               <a:ext uri="{28A0092B-C50C-407E-A947-70E740481C1C}">
                 <a14:useLocalDpi xmlns:a14="http://schemas.microsoft.com/office/drawing/2010/main"/>
@@ -9489,26 +9740,28 @@
         </p:blipFill>
         <p:spPr>
           <a:xfrm rot="0">
-            <a:off x="6857365" y="3432810"/>
-            <a:ext cx="4403725" cy="962025"/>
-          </a:xfrm>
-          <a:prstGeom prst="rect"/>
-          <a:noFill/>
+            <a:off x="1369695" y="1445895"/>
+            <a:ext cx="2445385" cy="3104515"/>
+          </a:xfrm>
+          <a:prstGeom prst="roundRect"/>
+          <a:solidFill>
+            <a:srgbClr val="EDEDED"/>
+          </a:solidFill>
         </p:spPr>
       </p:pic>
       <p:pic>
         <p:nvPicPr>
-          <p:cNvPr id="1105" name="Picture "/>
+          <p:cNvPr id="1034" name="그림 10" descr="C:/Users/Admin1/AppData/Roaming/PolarisOffice/ETemp/17076_14861856/fImage45612848467.png"/>
           <p:cNvPicPr>
             <a:picLocks noChangeAspect="1"/>
           </p:cNvPicPr>
           <p:nvPr/>
         </p:nvPicPr>
         <p:blipFill rotWithShape="1">
-          <a:blip r:embed="rId4" cstate="hqprint">
+          <a:blip r:embed="rId3" cstate="print">
             <a:extLst>
               <a:ext uri="{28A0092B-C50C-407E-A947-70E740481C1C}">
-                <a14:useLocalDpi xmlns:a14="http://schemas.microsoft.com/office/drawing/2010/main"/>
+                <a14:useLocalDpi xmlns:a14="http://schemas.microsoft.com/office/drawing/2010/main" val="0"/>
               </a:ext>
             </a:extLst>
           </a:blip>
@@ -9518,90 +9771,28 @@
         </p:blipFill>
         <p:spPr>
           <a:xfrm rot="0">
-            <a:off x="1188720" y="2450465"/>
-            <a:ext cx="1801495" cy="2388235"/>
-          </a:xfrm>
-          <a:prstGeom prst="rect"/>
-          <a:noFill/>
+            <a:off x="4021455" y="1669415"/>
+            <a:ext cx="1367155" cy="1401445"/>
+          </a:xfrm>
+          <a:prstGeom prst="roundRect"/>
+          <a:solidFill>
+            <a:srgbClr val="EDEDED"/>
+          </a:solidFill>
         </p:spPr>
       </p:pic>
-      <p:sp>
-        <p:nvSpPr>
-          <p:cNvPr id="1106" name="Rect 0"/>
-          <p:cNvSpPr txBox="1">
-            <a:spLocks/>
-          </p:cNvSpPr>
-          <p:nvPr/>
-        </p:nvSpPr>
-        <p:spPr>
-          <a:xfrm rot="0">
-            <a:off x="6855460" y="4450080"/>
-            <a:ext cx="4425950" cy="1201420"/>
-          </a:xfrm>
-          <a:prstGeom prst="rect"/>
-          <a:noFill/>
-          <a:ln w="0">
-            <a:noFill/>
-            <a:prstDash/>
-          </a:ln>
-        </p:spPr>
-        <p:txBody>
-          <a:bodyPr wrap="square" lIns="89535" tIns="46355" rIns="89535" bIns="46355" numCol="1" vert="horz" anchor="t">
-            <a:spAutoFit/>
-          </a:bodyPr>
-          <a:lstStyle/>
-          <a:p>
-            <a:pPr marL="0" indent="0" algn="l" latinLnBrk="0" hangingPunct="1">
-              <a:buFontTx/>
-              <a:buNone/>
-            </a:pPr>
-            <a:r>
-              <a:rPr lang="ko-KR" sz="1800" b="1">
-                <a:solidFill>
-                  <a:srgbClr val="0611F2"/>
-                </a:solidFill>
-                <a:latin typeface="맑은 고딕" charset="0"/>
-                <a:ea typeface="맑은 고딕" charset="0"/>
-              </a:rPr>
-              <a:t>3.</a:t>
-            </a:r>
-            <a:r>
-              <a:rPr lang="ko-KR" sz="1800" b="1">
-                <a:solidFill>
-                  <a:srgbClr val="0611F2"/>
-                </a:solidFill>
-                <a:latin typeface="맑은 고딕" charset="0"/>
-                <a:ea typeface="맑은 고딕" charset="0"/>
-              </a:rPr>
-              <a:t> </a:t>
-            </a:r>
-            <a:r>
-              <a:rPr lang="ko-KR" sz="1800">
-                <a:latin typeface="맑은 고딕" charset="0"/>
-                <a:ea typeface="맑은 고딕" charset="0"/>
-              </a:rPr>
-              <a:t>Input.GetKey( ) 함수를 통해 지정한 키를 누르는 동안 true 값을 반환하는 키 입력을 통해 자기 자신의 위치를 이동시키도록 설정합니다.</a:t>
-            </a:r>
-            <a:endParaRPr lang="ko-KR" altLang="en-US" sz="1800">
-              <a:latin typeface="맑은 고딕" charset="0"/>
-              <a:ea typeface="맑은 고딕" charset="0"/>
-            </a:endParaRPr>
-          </a:p>
-        </p:txBody>
-      </p:sp>
       <p:pic>
         <p:nvPicPr>
-          <p:cNvPr id="1107" name="Picture "/>
+          <p:cNvPr id="1035" name="그림 13" descr="C:/Users/Admin1/AppData/Roaming/PolarisOffice/ETemp/17076_14861856/fImage20282856334.png"/>
           <p:cNvPicPr>
             <a:picLocks noChangeAspect="1"/>
           </p:cNvPicPr>
           <p:nvPr/>
         </p:nvPicPr>
         <p:blipFill rotWithShape="1">
-          <a:blip r:embed="rId5" cstate="hqprint">
+          <a:blip r:embed="rId4" cstate="print">
             <a:extLst>
               <a:ext uri="{28A0092B-C50C-407E-A947-70E740481C1C}">
-                <a14:useLocalDpi xmlns:a14="http://schemas.microsoft.com/office/drawing/2010/main"/>
+                <a14:useLocalDpi xmlns:a14="http://schemas.microsoft.com/office/drawing/2010/main" val="0"/>
               </a:ext>
             </a:extLst>
           </a:blip>
@@ -9611,120 +9802,8 @@
         </p:blipFill>
         <p:spPr>
           <a:xfrm rot="0">
-            <a:off x="3138170" y="3423285"/>
-            <a:ext cx="587375" cy="421640"/>
-          </a:xfrm>
-          <a:prstGeom prst="rect"/>
-          <a:noFill/>
-        </p:spPr>
-      </p:pic>
-      <p:pic>
-        <p:nvPicPr>
-          <p:cNvPr id="1108" name="Picture "/>
-          <p:cNvPicPr>
-            <a:picLocks noChangeAspect="1"/>
-          </p:cNvPicPr>
-          <p:nvPr/>
-        </p:nvPicPr>
-        <p:blipFill rotWithShape="1">
-          <a:blip r:embed="rId6" cstate="hqprint">
-            <a:extLst>
-              <a:ext uri="{28A0092B-C50C-407E-A947-70E740481C1C}">
-                <a14:useLocalDpi xmlns:a14="http://schemas.microsoft.com/office/drawing/2010/main"/>
-              </a:ext>
-            </a:extLst>
-          </a:blip>
-          <a:stretch>
-            <a:fillRect/>
-          </a:stretch>
-        </p:blipFill>
-        <p:spPr>
-          <a:xfrm rot="0">
-            <a:off x="3874770" y="2454275"/>
-            <a:ext cx="1504315" cy="2384425"/>
-          </a:xfrm>
-          <a:prstGeom prst="rect"/>
-          <a:noFill/>
-        </p:spPr>
-      </p:pic>
-      <p:sp>
-        <p:nvSpPr>
-          <p:cNvPr id="1109" name="Rect 0"/>
-          <p:cNvSpPr txBox="1">
-            <a:spLocks/>
-          </p:cNvSpPr>
-          <p:nvPr/>
-        </p:nvSpPr>
-        <p:spPr>
-          <a:xfrm rot="0">
-            <a:off x="1186180" y="5003800"/>
-            <a:ext cx="4170045" cy="647700"/>
-          </a:xfrm>
-          <a:prstGeom prst="rect"/>
-          <a:noFill/>
-          <a:ln w="0">
-            <a:noFill/>
-            <a:prstDash/>
-          </a:ln>
-        </p:spPr>
-        <p:txBody>
-          <a:bodyPr wrap="square" lIns="89535" tIns="46355" rIns="89535" bIns="46355" numCol="1" vert="horz" anchor="t">
-            <a:spAutoFit/>
-          </a:bodyPr>
-          <a:lstStyle/>
-          <a:p>
-            <a:pPr marL="0" indent="0" algn="l" latinLnBrk="0" hangingPunct="1">
-              <a:buFontTx/>
-              <a:buNone/>
-            </a:pPr>
-            <a:r>
-              <a:rPr lang="ko-KR" sz="1800" b="1">
-                <a:solidFill>
-                  <a:srgbClr val="0611F2"/>
-                </a:solidFill>
-                <a:latin typeface="맑은 고딕" charset="0"/>
-                <a:ea typeface="맑은 고딕" charset="0"/>
-              </a:rPr>
-              <a:t>1.</a:t>
-            </a:r>
-            <a:r>
-              <a:rPr lang="ko-KR" sz="1800">
-                <a:latin typeface="맑은 고딕" charset="0"/>
-                <a:ea typeface="맑은 고딕" charset="0"/>
-              </a:rPr>
-              <a:t> 3D Object를 선택한 다음 Capsule 게임 오브젝트를 생성합니다.</a:t>
-            </a:r>
-            <a:endParaRPr lang="ko-KR" altLang="en-US" sz="1800">
-              <a:latin typeface="맑은 고딕" charset="0"/>
-              <a:ea typeface="맑은 고딕" charset="0"/>
-            </a:endParaRPr>
-          </a:p>
-        </p:txBody>
-      </p:sp>
-      <p:pic>
-        <p:nvPicPr>
-          <p:cNvPr id="1110" name="Picture "/>
-          <p:cNvPicPr>
-            <a:picLocks noChangeAspect="1"/>
-          </p:cNvPicPr>
-          <p:nvPr/>
-        </p:nvPicPr>
-        <p:blipFill rotWithShape="1">
-          <a:blip r:embed="rId7" cstate="hqprint">
-            <a:extLst>
-              <a:ext uri="{28A0092B-C50C-407E-A947-70E740481C1C}">
-                <a14:useLocalDpi xmlns:a14="http://schemas.microsoft.com/office/drawing/2010/main"/>
-              </a:ext>
-            </a:extLst>
-          </a:blip>
-          <a:stretch>
-            <a:fillRect/>
-          </a:stretch>
-        </p:blipFill>
-        <p:spPr>
-          <a:xfrm rot="0">
-            <a:off x="6867525" y="1426210"/>
-            <a:ext cx="601345" cy="782320"/>
+            <a:off x="4367530" y="3485515"/>
+            <a:ext cx="675005" cy="704215"/>
           </a:xfrm>
           <a:prstGeom prst="roundRect"/>
           <a:solidFill>
@@ -9732,51 +9811,24 @@
           </a:solidFill>
         </p:spPr>
       </p:pic>
-      <p:pic>
-        <p:nvPicPr>
-          <p:cNvPr id="1111" name="Picture "/>
-          <p:cNvPicPr>
-            <a:picLocks noChangeAspect="1"/>
-          </p:cNvPicPr>
-          <p:nvPr/>
-        </p:nvPicPr>
-        <p:blipFill rotWithShape="1">
-          <a:blip r:embed="rId8" cstate="hqprint">
-            <a:extLst>
-              <a:ext uri="{28A0092B-C50C-407E-A947-70E740481C1C}">
-                <a14:useLocalDpi xmlns:a14="http://schemas.microsoft.com/office/drawing/2010/main"/>
-              </a:ext>
-            </a:extLst>
-          </a:blip>
-          <a:stretch>
-            <a:fillRect/>
-          </a:stretch>
-        </p:blipFill>
-        <p:spPr>
-          <a:xfrm rot="0">
-            <a:off x="7965440" y="1285240"/>
-            <a:ext cx="3311525" cy="1074420"/>
-          </a:xfrm>
-          <a:prstGeom prst="rect"/>
-          <a:noFill/>
-        </p:spPr>
-      </p:pic>
       <p:cxnSp>
         <p:nvCxnSpPr>
-          <p:cNvPr id="1112" name="Rect 0"/>
+          <p:cNvPr id="1036" name="도형 16"/>
           <p:cNvCxnSpPr>
-            <a:stCxn id="1110" idx="3"/>
+            <a:stCxn id="1035" idx="0"/>
+            <a:endCxn id="1034" idx="2"/>
           </p:cNvCxnSpPr>
           <p:nvPr/>
         </p:nvCxnSpPr>
         <p:spPr>
-          <a:xfrm rot="0">
-            <a:off x="7467600" y="1816735"/>
-            <a:ext cx="669925" cy="90805"/>
+          <a:xfrm rot="0" flipV="1">
+            <a:off x="4704715" y="3070225"/>
+            <a:ext cx="635" cy="415925"/>
           </a:xfrm>
           <a:prstGeom prst="straightConnector1"/>
           <a:ln w="6350" cap="flat" cmpd="sng">
             <a:prstDash/>
+            <a:headEnd type="none" w="med" len="med"/>
             <a:tailEnd type="triangle" w="med" len="med"/>
           </a:ln>
         </p:spPr>
@@ -9797,7 +9849,7 @@
       </p:cxnSp>
       <p:sp>
         <p:nvSpPr>
-          <p:cNvPr id="1113" name="Rect 0"/>
+          <p:cNvPr id="1037" name="텍스트 상자 18"/>
           <p:cNvSpPr txBox="1">
             <a:spLocks/>
           </p:cNvSpPr>
@@ -9805,8 +9857,8 @@
         </p:nvSpPr>
         <p:spPr>
           <a:xfrm rot="0">
-            <a:off x="6855460" y="2418080"/>
-            <a:ext cx="4418330" cy="924560"/>
+            <a:off x="6831965" y="5786120"/>
+            <a:ext cx="3862705" cy="400685"/>
           </a:xfrm>
           <a:prstGeom prst="rect"/>
           <a:noFill/>
@@ -9816,31 +9868,41 @@
           </a:ln>
         </p:spPr>
         <p:txBody>
-          <a:bodyPr wrap="square" lIns="89535" tIns="46355" rIns="89535" bIns="46355" numCol="1" vert="horz" anchor="t">
+          <a:bodyPr wrap="square" lIns="89535" tIns="46355" rIns="89535" bIns="46355" vert="horz" anchor="t">
             <a:spAutoFit/>
           </a:bodyPr>
           <a:lstStyle/>
           <a:p>
-            <a:pPr marL="0" indent="0" algn="l" latinLnBrk="0" hangingPunct="1">
-              <a:buFontTx/>
-              <a:buNone/>
-            </a:pPr>
-            <a:r>
-              <a:rPr lang="ko-KR" sz="1800" b="1">
+            <a:pPr marL="0" indent="0" rtl="0" algn="l" defTabSz="914400" eaLnBrk="1" latinLnBrk="0" hangingPunct="1">
+              <a:buFontTx/>
+              <a:buNone/>
+            </a:pPr>
+            <a:r>
+              <a:rPr sz="2000" b="1">
                 <a:solidFill>
                   <a:srgbClr val="0611F2"/>
                 </a:solidFill>
                 <a:latin typeface="맑은 고딕" charset="0"/>
                 <a:ea typeface="맑은 고딕" charset="0"/>
               </a:rPr>
-              <a:t>2. </a:t>
+              <a:t>2</a:t>
+            </a:r>
+            <a:r>
+              <a:rPr sz="2000" b="1">
+                <a:solidFill>
+                  <a:srgbClr val="0611F2"/>
+                </a:solidFill>
+                <a:latin typeface="맑은 고딕" charset="0"/>
+                <a:ea typeface="맑은 고딕" charset="0"/>
+              </a:rPr>
+              <a:t>. </a:t>
             </a:r>
             <a:r>
               <a:rPr lang="ko-KR" sz="1800">
                 <a:latin typeface="맑은 고딕" charset="0"/>
                 <a:ea typeface="맑은 고딕" charset="0"/>
               </a:rPr>
-              <a:t>그리고 Keystroke 스크립트를 생성하여 Capsule 게임 오브젝트에 넣어줍니다.</a:t>
+              <a:t>그런 다음 Material을 생성합니다.</a:t>
             </a:r>
             <a:endParaRPr lang="ko-KR" altLang="en-US" sz="1800">
               <a:latin typeface="맑은 고딕" charset="0"/>
@@ -9849,6 +9911,68 @@
           </a:p>
         </p:txBody>
       </p:sp>
+      <p:pic>
+        <p:nvPicPr>
+          <p:cNvPr id="1038" name="그림 19" descr="C:/Users/Admin1/AppData/Roaming/PolarisOffice/ETemp/17076_14861856/fImage412592896500.png"/>
+          <p:cNvPicPr>
+            <a:picLocks noChangeAspect="1"/>
+          </p:cNvPicPr>
+          <p:nvPr/>
+        </p:nvPicPr>
+        <p:blipFill rotWithShape="1">
+          <a:blip r:embed="rId5" cstate="print">
+            <a:extLst>
+              <a:ext uri="{28A0092B-C50C-407E-A947-70E740481C1C}">
+                <a14:useLocalDpi xmlns:a14="http://schemas.microsoft.com/office/drawing/2010/main" val="0"/>
+              </a:ext>
+            </a:extLst>
+          </a:blip>
+          <a:stretch>
+            <a:fillRect/>
+          </a:stretch>
+        </p:blipFill>
+        <p:spPr>
+          <a:xfrm rot="0">
+            <a:off x="6832600" y="1445895"/>
+            <a:ext cx="3870960" cy="3298190"/>
+          </a:xfrm>
+          <a:prstGeom prst="roundRect"/>
+          <a:solidFill>
+            <a:srgbClr val="EDEDED"/>
+          </a:solidFill>
+        </p:spPr>
+      </p:pic>
+      <p:pic>
+        <p:nvPicPr>
+          <p:cNvPr id="1039" name="그림 22" descr="C:/Users/Admin1/AppData/Roaming/PolarisOffice/ETemp/17076_14861856/fImage67922909169.png"/>
+          <p:cNvPicPr>
+            <a:picLocks noChangeAspect="1"/>
+          </p:cNvPicPr>
+          <p:nvPr/>
+        </p:nvPicPr>
+        <p:blipFill rotWithShape="1">
+          <a:blip r:embed="rId6" cstate="print">
+            <a:extLst>
+              <a:ext uri="{28A0092B-C50C-407E-A947-70E740481C1C}">
+                <a14:useLocalDpi xmlns:a14="http://schemas.microsoft.com/office/drawing/2010/main" val="0"/>
+              </a:ext>
+            </a:extLst>
+          </a:blip>
+          <a:stretch>
+            <a:fillRect/>
+          </a:stretch>
+        </p:blipFill>
+        <p:spPr>
+          <a:xfrm rot="0">
+            <a:off x="6835775" y="4895850"/>
+            <a:ext cx="3867785" cy="810895"/>
+          </a:xfrm>
+          <a:prstGeom prst="roundRect"/>
+          <a:solidFill>
+            <a:srgbClr val="EDEDED"/>
+          </a:solidFill>
+        </p:spPr>
+      </p:pic>
     </p:spTree>
   </p:cSld>
   <p:clrMapOvr>
@@ -9873,7 +9997,7 @@
 </file>
 
 <file path=ppt/slides/slide2.xml><?xml version="1.0" encoding="utf-8"?>
-<p:sld xmlns:a="http://schemas.openxmlformats.org/drawingml/2006/main" xmlns:r="http://schemas.openxmlformats.org/officeDocument/2006/relationships" xmlns:p="http://schemas.openxmlformats.org/presentationml/2006/main" xmlns:p14="http://schemas.microsoft.com/office/powerpoint/2010/main">
+<p:sld xmlns:a="http://schemas.openxmlformats.org/drawingml/2006/main" xmlns:r="http://schemas.openxmlformats.org/officeDocument/2006/relationships" xmlns:p="http://schemas.openxmlformats.org/presentationml/2006/main">
   <p:cSld>
     <p:spTree>
       <p:nvGrpSpPr>
@@ -9899,8 +10023,8 @@
         </p:nvSpPr>
         <p:spPr>
           <a:xfrm rot="0">
-            <a:off x="8468995" y="-10795"/>
-            <a:ext cx="2708275" cy="555625"/>
+            <a:off x="4521200" y="476250"/>
+            <a:ext cx="3150870" cy="554990"/>
           </a:xfrm>
           <a:prstGeom prst="rect"/>
           <a:noFill/>
@@ -9915,19 +10039,19 @@
           </a:bodyPr>
           <a:lstStyle/>
           <a:p>
-            <a:pPr marL="0" indent="0" algn="ctr" latinLnBrk="0">
-              <a:buFontTx/>
-              <a:buNone/>
-            </a:pPr>
-            <a:r>
-              <a:rPr lang="ko-KR" altLang="en-US" sz="3000" b="1">
+            <a:pPr marL="0" indent="0" algn="l" latinLnBrk="0">
+              <a:buFontTx/>
+              <a:buNone/>
+            </a:pPr>
+            <a:r>
+              <a:rPr lang="ko-KR" sz="3000" b="1">
                 <a:solidFill>
                   <a:schemeClr val="tx1"/>
                 </a:solidFill>
                 <a:latin typeface="맑은 고딕" charset="0"/>
                 <a:ea typeface="맑은 고딕" charset="0"/>
               </a:rPr>
-              <a:t>MoveTowards</a:t>
+              <a:t>두 번째 튜토리얼</a:t>
             </a:r>
             <a:endParaRPr lang="ko-KR" altLang="en-US" sz="3000" b="1">
               <a:solidFill>
@@ -9941,7 +10065,7 @@
       </p:sp>
       <p:sp>
         <p:nvSpPr>
-          <p:cNvPr id="1035" name="Rect 0"/>
+          <p:cNvPr id="1032" name="Rect 0"/>
           <p:cNvSpPr txBox="1">
             <a:spLocks/>
           </p:cNvSpPr>
@@ -9949,8 +10073,8 @@
         </p:nvSpPr>
         <p:spPr>
           <a:xfrm rot="0">
-            <a:off x="1209675" y="1088390"/>
-            <a:ext cx="4136390" cy="924560"/>
+            <a:off x="1366520" y="4399280"/>
+            <a:ext cx="4013835" cy="1784985"/>
           </a:xfrm>
           <a:prstGeom prst="rect"/>
           <a:noFill/>
@@ -9960,32 +10084,79 @@
           </a:ln>
         </p:spPr>
         <p:txBody>
-          <a:bodyPr wrap="square" lIns="89535" tIns="46355" rIns="89535" bIns="46355" numCol="1" vert="horz" anchor="t">
+          <a:bodyPr wrap="square" lIns="89535" tIns="46355" rIns="89535" bIns="46355" vert="horz" anchor="t">
             <a:spAutoFit/>
           </a:bodyPr>
           <a:lstStyle/>
           <a:p>
-            <a:pPr marL="0" indent="0" algn="l" latinLnBrk="0" hangingPunct="1">
-              <a:buFontTx/>
-              <a:buNone/>
-            </a:pPr>
+            <a:pPr marL="0" indent="0" rtl="0" algn="l" defTabSz="914400" eaLnBrk="1" latinLnBrk="0" hangingPunct="1">
+              <a:buFontTx/>
+              <a:buNone/>
+            </a:pPr>
+            <a:r>
+              <a:rPr sz="2000" b="1">
+                <a:solidFill>
+                  <a:srgbClr val="0611F2"/>
+                </a:solidFill>
+                <a:latin typeface="맑은 고딕" charset="0"/>
+                <a:ea typeface="맑은 고딕" charset="0"/>
+              </a:rPr>
+              <a:t>3</a:t>
+            </a:r>
+            <a:r>
+              <a:rPr sz="2000" b="1">
+                <a:solidFill>
+                  <a:srgbClr val="0611F2"/>
+                </a:solidFill>
+                <a:latin typeface="맑은 고딕" charset="0"/>
+                <a:ea typeface="맑은 고딕" charset="0"/>
+              </a:rPr>
+              <a:t>. </a:t>
+            </a:r>
             <a:r>
               <a:rPr lang="ko-KR" sz="1800">
                 <a:latin typeface="맑은 고딕" charset="0"/>
                 <a:ea typeface="맑은 고딕" charset="0"/>
               </a:rPr>
-              <a:t>MoveTowards( )는 현재 위치에서 목표 위치까지 속도를 설정하여 이동하는 함수입니다. </a:t>
+              <a:t>그리고 Capsule 오브젝트를 선택한 다음 UI에서 Image를 생성합니다.</a:t>
             </a:r>
             <a:endParaRPr lang="ko-KR" altLang="en-US" sz="1800">
               <a:latin typeface="맑은 고딕" charset="0"/>
               <a:ea typeface="맑은 고딕" charset="0"/>
             </a:endParaRPr>
           </a:p>
-        </p:txBody>
-      </p:sp>
-      <p:sp>
-        <p:nvSpPr>
-          <p:cNvPr id="1107" name="텍스트 상자 238"/>
+          <a:p>
+            <a:pPr marL="0" indent="0" rtl="0" algn="l" defTabSz="914400" eaLnBrk="1" latinLnBrk="0" hangingPunct="1">
+              <a:buFontTx/>
+              <a:buNone/>
+            </a:pPr>
+            <a:endParaRPr lang="ko-KR" altLang="en-US" sz="1800">
+              <a:latin typeface="맑은 고딕" charset="0"/>
+              <a:ea typeface="맑은 고딕" charset="0"/>
+            </a:endParaRPr>
+          </a:p>
+          <a:p>
+            <a:pPr marL="0" indent="0" rtl="0" algn="l" defTabSz="914400" eaLnBrk="1" latinLnBrk="0" hangingPunct="1">
+              <a:buFontTx/>
+              <a:buNone/>
+            </a:pPr>
+            <a:r>
+              <a:rPr lang="ko-KR" sz="1800">
+                <a:latin typeface="맑은 고딕" charset="0"/>
+                <a:ea typeface="맑은 고딕" charset="0"/>
+              </a:rPr>
+              <a:t>그다음 State라는 이름으로 정의합니다.</a:t>
+            </a:r>
+            <a:endParaRPr lang="ko-KR" altLang="en-US" sz="1800">
+              <a:latin typeface="맑은 고딕" charset="0"/>
+              <a:ea typeface="맑은 고딕" charset="0"/>
+            </a:endParaRPr>
+          </a:p>
+        </p:txBody>
+      </p:sp>
+      <p:sp>
+        <p:nvSpPr>
+          <p:cNvPr id="1037" name="Rect 0"/>
           <p:cNvSpPr txBox="1">
             <a:spLocks/>
           </p:cNvSpPr>
@@ -9993,8 +10164,8 @@
         </p:nvSpPr>
         <p:spPr>
           <a:xfrm rot="0">
-            <a:off x="1203325" y="3956050"/>
-            <a:ext cx="4137660" cy="647700"/>
+            <a:off x="6821805" y="4671695"/>
+            <a:ext cx="4094480" cy="1508125"/>
           </a:xfrm>
           <a:prstGeom prst="rect"/>
           <a:noFill/>
@@ -10004,49 +10175,86 @@
           </a:ln>
         </p:spPr>
         <p:txBody>
-          <a:bodyPr wrap="square" lIns="89535" tIns="46355" rIns="89535" bIns="46355" numCol="1" vert="horz" anchor="t">
+          <a:bodyPr wrap="square" lIns="89535" tIns="46355" rIns="89535" bIns="46355" vert="horz" anchor="t">
             <a:spAutoFit/>
           </a:bodyPr>
           <a:lstStyle/>
           <a:p>
-            <a:pPr marL="0" indent="0" algn="l" latinLnBrk="0" hangingPunct="1">
-              <a:buFontTx/>
-              <a:buNone/>
-            </a:pPr>
-            <a:r>
-              <a:rPr lang="ko-KR" sz="1800" b="1">
+            <a:pPr marL="0" indent="0" rtl="0" algn="l" defTabSz="914400" eaLnBrk="1" latinLnBrk="0" hangingPunct="1">
+              <a:buFontTx/>
+              <a:buNone/>
+            </a:pPr>
+            <a:r>
+              <a:rPr lang="ko-KR" sz="2000" b="1">
                 <a:solidFill>
                   <a:srgbClr val="0611F2"/>
                 </a:solidFill>
                 <a:latin typeface="맑은 고딕" charset="0"/>
                 <a:ea typeface="맑은 고딕" charset="0"/>
               </a:rPr>
-              <a:t>4. </a:t>
+              <a:t>4</a:t>
+            </a:r>
+            <a:r>
+              <a:rPr sz="2000" b="1">
+                <a:solidFill>
+                  <a:srgbClr val="0611F2"/>
+                </a:solidFill>
+                <a:latin typeface="맑은 고딕" charset="0"/>
+                <a:ea typeface="맑은 고딕" charset="0"/>
+              </a:rPr>
+              <a:t>. </a:t>
             </a:r>
             <a:r>
               <a:rPr lang="ko-KR" sz="1800">
                 <a:latin typeface="맑은 고딕" charset="0"/>
                 <a:ea typeface="맑은 고딕" charset="0"/>
               </a:rPr>
-              <a:t>빈 게임 오브젝트를 생성하여 위치 정보를 설정합니다. </a:t>
+              <a:t>이제 Canvas의 크기와 위치를 설정합니다.</a:t>
             </a:r>
             <a:endParaRPr lang="ko-KR" altLang="en-US" sz="1800">
               <a:latin typeface="맑은 고딕" charset="0"/>
               <a:ea typeface="맑은 고딕" charset="0"/>
             </a:endParaRPr>
           </a:p>
+          <a:p>
+            <a:pPr marL="0" indent="0" rtl="0" algn="l" defTabSz="914400" eaLnBrk="1" latinLnBrk="0" hangingPunct="1">
+              <a:buFontTx/>
+              <a:buNone/>
+            </a:pPr>
+            <a:endParaRPr lang="ko-KR" altLang="en-US" sz="1800">
+              <a:latin typeface="맑은 고딕" charset="0"/>
+              <a:ea typeface="맑은 고딕" charset="0"/>
+            </a:endParaRPr>
+          </a:p>
+          <a:p>
+            <a:pPr marL="0" indent="0" rtl="0" algn="l" defTabSz="914400" eaLnBrk="1" latinLnBrk="0" hangingPunct="1">
+              <a:buFontTx/>
+              <a:buNone/>
+            </a:pPr>
+            <a:r>
+              <a:rPr lang="ko-KR" sz="1800">
+                <a:latin typeface="맑은 고딕" charset="0"/>
+                <a:ea typeface="맑은 고딕" charset="0"/>
+              </a:rPr>
+              <a:t>그런 다음 Render Mode를 World Space로 변경합니다.</a:t>
+            </a:r>
+            <a:endParaRPr lang="ko-KR" altLang="en-US" sz="1800">
+              <a:latin typeface="맑은 고딕" charset="0"/>
+              <a:ea typeface="맑은 고딕" charset="0"/>
+            </a:endParaRPr>
+          </a:p>
         </p:txBody>
       </p:sp>
       <p:pic>
         <p:nvPicPr>
-          <p:cNvPr id="1108" name="그림 16"/>
+          <p:cNvPr id="1040" name="그림 26" descr="C:/Users/Admin1/AppData/Roaming/PolarisOffice/ETemp/17076_14861856/fImage185003055724.png"/>
           <p:cNvPicPr>
             <a:picLocks noChangeAspect="1"/>
           </p:cNvPicPr>
           <p:nvPr/>
         </p:nvPicPr>
         <p:blipFill rotWithShape="1">
-          <a:blip r:embed="rId19" cstate="hqprint">
+          <a:blip r:embed="rId2" cstate="hqprint">
             <a:extLst>
               <a:ext uri="{28A0092B-C50C-407E-A947-70E740481C1C}">
                 <a14:useLocalDpi xmlns:a14="http://schemas.microsoft.com/office/drawing/2010/main"/>
@@ -10059,52 +10267,25 @@
         </p:blipFill>
         <p:spPr>
           <a:xfrm rot="0">
-            <a:off x="1212215" y="2162175"/>
-            <a:ext cx="1801495" cy="1686560"/>
-          </a:xfrm>
-          <a:prstGeom prst="rect"/>
-          <a:noFill/>
+            <a:off x="1370330" y="1533525"/>
+            <a:ext cx="2644140" cy="2781935"/>
+          </a:xfrm>
+          <a:prstGeom prst="roundRect"/>
+          <a:solidFill>
+            <a:srgbClr val="EDEDED"/>
+          </a:solidFill>
         </p:spPr>
       </p:pic>
       <p:pic>
         <p:nvPicPr>
-          <p:cNvPr id="1110" name="그림 19"/>
+          <p:cNvPr id="1041" name="그림 27" descr="C:/Users/Admin1/AppData/Roaming/PolarisOffice/ETemp/17076_14861856/fImage53103061478.png"/>
           <p:cNvPicPr>
             <a:picLocks noChangeAspect="1"/>
           </p:cNvPicPr>
           <p:nvPr/>
         </p:nvPicPr>
         <p:blipFill rotWithShape="1">
-          <a:blip r:embed="rId20" cstate="hqprint">
-            <a:extLst>
-              <a:ext uri="{28A0092B-C50C-407E-A947-70E740481C1C}">
-                <a14:useLocalDpi xmlns:a14="http://schemas.microsoft.com/office/drawing/2010/main"/>
-              </a:ext>
-            </a:extLst>
-          </a:blip>
-          <a:stretch>
-            <a:fillRect/>
-          </a:stretch>
-        </p:blipFill>
-        <p:spPr>
-          <a:xfrm rot="0">
-            <a:off x="3163570" y="2781935"/>
-            <a:ext cx="664845" cy="420370"/>
-          </a:xfrm>
-          <a:prstGeom prst="rect"/>
-          <a:noFill/>
-        </p:spPr>
-      </p:pic>
-      <p:pic>
-        <p:nvPicPr>
-          <p:cNvPr id="1111" name="그림 20"/>
-          <p:cNvPicPr>
-            <a:picLocks noChangeAspect="1"/>
-          </p:cNvPicPr>
-          <p:nvPr/>
-        </p:nvPicPr>
-        <p:blipFill rotWithShape="1">
-          <a:blip r:embed="rId21" cstate="print">
+          <a:blip r:embed="rId3" cstate="print">
             <a:extLst>
               <a:ext uri="{28A0092B-C50C-407E-A947-70E740481C1C}">
                 <a14:useLocalDpi xmlns:a14="http://schemas.microsoft.com/office/drawing/2010/main" val="0"/>
@@ -10117,8 +10298,8 @@
         </p:blipFill>
         <p:spPr>
           <a:xfrm rot="0">
-            <a:off x="3974465" y="2397760"/>
-            <a:ext cx="1369060" cy="1157605"/>
+            <a:off x="4196715" y="2075180"/>
+            <a:ext cx="1181100" cy="1725930"/>
           </a:xfrm>
           <a:prstGeom prst="roundRect"/>
           <a:solidFill>
@@ -10126,162 +10307,16 @@
           </a:solidFill>
         </p:spPr>
       </p:pic>
-      <p:sp>
-        <p:nvSpPr>
-          <p:cNvPr id="1112" name="텍스트 상자 23"/>
-          <p:cNvSpPr txBox="1">
-            <a:spLocks/>
-          </p:cNvSpPr>
-          <p:nvPr/>
-        </p:nvSpPr>
-        <p:spPr>
-          <a:xfrm rot="0">
-            <a:off x="6930390" y="1092835"/>
-            <a:ext cx="4363085" cy="647700"/>
-          </a:xfrm>
-          <a:prstGeom prst="rect"/>
-          <a:noFill/>
-          <a:ln w="0">
-            <a:noFill/>
-            <a:prstDash/>
-          </a:ln>
-        </p:spPr>
-        <p:txBody>
-          <a:bodyPr wrap="square" lIns="89535" tIns="46355" rIns="89535" bIns="46355" numCol="1" vert="horz" anchor="t">
-            <a:spAutoFit/>
-          </a:bodyPr>
-          <a:lstStyle/>
-          <a:p>
-            <a:pPr marL="0" indent="0" algn="l" latinLnBrk="0" hangingPunct="1">
-              <a:buFontTx/>
-              <a:buNone/>
-            </a:pPr>
-            <a:r>
-              <a:rPr lang="ko-KR" sz="1800" b="1">
-                <a:solidFill>
-                  <a:srgbClr val="0611F2"/>
-                </a:solidFill>
-                <a:latin typeface="맑은 고딕" charset="0"/>
-                <a:ea typeface="맑은 고딕" charset="0"/>
-              </a:rPr>
-              <a:t>5. </a:t>
-            </a:r>
-            <a:r>
-              <a:rPr lang="ko-KR" sz="1800">
-                <a:latin typeface="맑은 고딕" charset="0"/>
-                <a:ea typeface="맑은 고딕" charset="0"/>
-              </a:rPr>
-              <a:t>그다음 Cube오브젝트에 ObjectMove 스크립트 생성하여 넣어줍니다. </a:t>
-            </a:r>
-            <a:endParaRPr lang="ko-KR" altLang="en-US" sz="1800">
-              <a:latin typeface="맑은 고딕" charset="0"/>
-              <a:ea typeface="맑은 고딕" charset="0"/>
-            </a:endParaRPr>
-          </a:p>
-        </p:txBody>
-      </p:sp>
       <p:pic>
         <p:nvPicPr>
-          <p:cNvPr id="1113" name="그림 24"/>
+          <p:cNvPr id="1042" name="그림 30" descr="C:/Users/Admin1/AppData/Roaming/PolarisOffice/ETemp/17076_14861856/fImage340933079358.png"/>
           <p:cNvPicPr>
             <a:picLocks noChangeAspect="1"/>
           </p:cNvPicPr>
           <p:nvPr/>
         </p:nvPicPr>
         <p:blipFill rotWithShape="1">
-          <a:blip r:embed="rId22" cstate="hqprint">
-            <a:extLst>
-              <a:ext uri="{28A0092B-C50C-407E-A947-70E740481C1C}">
-                <a14:useLocalDpi xmlns:a14="http://schemas.microsoft.com/office/drawing/2010/main"/>
-              </a:ext>
-            </a:extLst>
-          </a:blip>
-          <a:stretch>
-            <a:fillRect/>
-          </a:stretch>
-        </p:blipFill>
-        <p:spPr>
-          <a:xfrm rot="0">
-            <a:off x="1212215" y="4763135"/>
-            <a:ext cx="902335" cy="820420"/>
-          </a:xfrm>
-          <a:prstGeom prst="roundRect"/>
-          <a:solidFill>
-            <a:srgbClr val="EDEDED"/>
-          </a:solidFill>
-        </p:spPr>
-      </p:pic>
-      <p:pic>
-        <p:nvPicPr>
-          <p:cNvPr id="1114" name="그림 25"/>
-          <p:cNvPicPr>
-            <a:picLocks noChangeAspect="1"/>
-          </p:cNvPicPr>
-          <p:nvPr/>
-        </p:nvPicPr>
-        <p:blipFill rotWithShape="1">
-          <a:blip r:embed="rId23" cstate="hqprint">
-            <a:extLst>
-              <a:ext uri="{28A0092B-C50C-407E-A947-70E740481C1C}">
-                <a14:useLocalDpi xmlns:a14="http://schemas.microsoft.com/office/drawing/2010/main"/>
-              </a:ext>
-            </a:extLst>
-          </a:blip>
-          <a:stretch>
-            <a:fillRect/>
-          </a:stretch>
-        </p:blipFill>
-        <p:spPr>
-          <a:xfrm rot="0">
-            <a:off x="2615565" y="4655820"/>
-            <a:ext cx="2719070" cy="1087120"/>
-          </a:xfrm>
-          <a:prstGeom prst="rect"/>
-          <a:noFill/>
-        </p:spPr>
-      </p:pic>
-      <p:cxnSp>
-        <p:nvCxnSpPr>
-          <p:cNvPr id="1115" name="도형 26"/>
-          <p:cNvCxnSpPr/>
-          <p:nvPr/>
-        </p:nvCxnSpPr>
-        <p:spPr>
-          <a:xfrm rot="0">
-            <a:off x="2113915" y="5172710"/>
-            <a:ext cx="694055" cy="452755"/>
-          </a:xfrm>
-          <a:prstGeom prst="straightConnector1"/>
-          <a:ln w="6350" cap="flat" cmpd="sng">
-            <a:prstDash/>
-            <a:tailEnd type="triangle" w="med" len="med"/>
-          </a:ln>
-        </p:spPr>
-        <p:style>
-          <a:lnRef idx="1">
-            <a:schemeClr val="accent1"/>
-          </a:lnRef>
-          <a:fillRef idx="0">
-            <a:schemeClr val="accent1"/>
-          </a:fillRef>
-          <a:effectRef idx="0">
-            <a:schemeClr val="accent1"/>
-          </a:effectRef>
-          <a:fontRef idx="minor">
-            <a:schemeClr val="tx1"/>
-          </a:fontRef>
-        </p:style>
-      </p:cxnSp>
-      <p:pic>
-        <p:nvPicPr>
-          <p:cNvPr id="1116" name="그림 27"/>
-          <p:cNvPicPr>
-            <a:picLocks noChangeAspect="1"/>
-          </p:cNvPicPr>
-          <p:nvPr/>
-        </p:nvPicPr>
-        <p:blipFill rotWithShape="1">
-          <a:blip r:embed="rId24" cstate="print">
+          <a:blip r:embed="rId4" cstate="print">
             <a:extLst>
               <a:ext uri="{28A0092B-C50C-407E-A947-70E740481C1C}">
                 <a14:useLocalDpi xmlns:a14="http://schemas.microsoft.com/office/drawing/2010/main" val="0"/>
@@ -10294,150 +10329,13 @@
         </p:blipFill>
         <p:spPr>
           <a:xfrm rot="0">
-            <a:off x="6936740" y="1825625"/>
-            <a:ext cx="4234180" cy="521970"/>
+            <a:off x="6829425" y="1543050"/>
+            <a:ext cx="4086860" cy="2962910"/>
           </a:xfrm>
           <a:prstGeom prst="rect"/>
           <a:noFill/>
         </p:spPr>
       </p:pic>
-      <p:sp>
-        <p:nvSpPr>
-          <p:cNvPr id="1118" name="텍스트 상자 31"/>
-          <p:cNvSpPr txBox="1">
-            <a:spLocks/>
-          </p:cNvSpPr>
-          <p:nvPr/>
-        </p:nvSpPr>
-        <p:spPr>
-          <a:xfrm rot="0">
-            <a:off x="6932295" y="2463165"/>
-            <a:ext cx="4363085" cy="924560"/>
-          </a:xfrm>
-          <a:prstGeom prst="rect"/>
-          <a:noFill/>
-          <a:ln w="0">
-            <a:noFill/>
-            <a:prstDash/>
-          </a:ln>
-        </p:spPr>
-        <p:txBody>
-          <a:bodyPr wrap="square" lIns="89535" tIns="46355" rIns="89535" bIns="46355" numCol="1" vert="horz" anchor="t">
-            <a:spAutoFit/>
-          </a:bodyPr>
-          <a:lstStyle/>
-          <a:p>
-            <a:pPr marL="0" indent="0" algn="l" latinLnBrk="0" hangingPunct="1">
-              <a:buFontTx/>
-              <a:buNone/>
-            </a:pPr>
-            <a:r>
-              <a:rPr lang="ko-KR" sz="1800" b="1">
-                <a:solidFill>
-                  <a:srgbClr val="0611F2"/>
-                </a:solidFill>
-                <a:latin typeface="맑은 고딕" charset="0"/>
-                <a:ea typeface="맑은 고딕" charset="0"/>
-              </a:rPr>
-              <a:t>6. </a:t>
-            </a:r>
-            <a:r>
-              <a:rPr lang="ko-KR" sz="1800">
-                <a:latin typeface="맑은 고딕" charset="0"/>
-                <a:ea typeface="맑은 고딕" charset="0"/>
-              </a:rPr>
-              <a:t>그리고 목표 위치를 지정할 GameObject와 속도를 조절할 float 변수를 생성합니다.</a:t>
-            </a:r>
-            <a:endParaRPr lang="ko-KR" altLang="en-US" sz="1800">
-              <a:latin typeface="맑은 고딕" charset="0"/>
-              <a:ea typeface="맑은 고딕" charset="0"/>
-            </a:endParaRPr>
-          </a:p>
-        </p:txBody>
-      </p:sp>
-      <p:pic>
-        <p:nvPicPr>
-          <p:cNvPr id="1119" name="그림 32"/>
-          <p:cNvPicPr>
-            <a:picLocks noChangeAspect="1"/>
-          </p:cNvPicPr>
-          <p:nvPr/>
-        </p:nvPicPr>
-        <p:blipFill rotWithShape="1">
-          <a:blip r:embed="rId25" cstate="hqprint">
-            <a:extLst>
-              <a:ext uri="{28A0092B-C50C-407E-A947-70E740481C1C}">
-                <a14:useLocalDpi xmlns:a14="http://schemas.microsoft.com/office/drawing/2010/main"/>
-              </a:ext>
-            </a:extLst>
-          </a:blip>
-          <a:stretch>
-            <a:fillRect/>
-          </a:stretch>
-        </p:blipFill>
-        <p:spPr>
-          <a:xfrm rot="0">
-            <a:off x="6924675" y="3503295"/>
-            <a:ext cx="4364990" cy="1198245"/>
-          </a:xfrm>
-          <a:prstGeom prst="rect"/>
-          <a:noFill/>
-        </p:spPr>
-      </p:pic>
-      <p:sp>
-        <p:nvSpPr>
-          <p:cNvPr id="1120" name="텍스트 상자 33"/>
-          <p:cNvSpPr txBox="1">
-            <a:spLocks/>
-          </p:cNvSpPr>
-          <p:nvPr/>
-        </p:nvSpPr>
-        <p:spPr>
-          <a:xfrm rot="0">
-            <a:off x="6925945" y="4820920"/>
-            <a:ext cx="4356100" cy="924560"/>
-          </a:xfrm>
-          <a:prstGeom prst="rect"/>
-          <a:noFill/>
-          <a:ln w="0">
-            <a:noFill/>
-            <a:prstDash/>
-          </a:ln>
-        </p:spPr>
-        <p:txBody>
-          <a:bodyPr wrap="square" lIns="89535" tIns="46355" rIns="89535" bIns="46355" numCol="1" vert="horz" anchor="t">
-            <a:spAutoFit/>
-          </a:bodyPr>
-          <a:lstStyle/>
-          <a:p>
-            <a:pPr marL="0" indent="0" algn="l" latinLnBrk="0" hangingPunct="1">
-              <a:buFontTx/>
-              <a:buNone/>
-            </a:pPr>
-            <a:r>
-              <a:rPr lang="ko-KR" sz="1800" b="1">
-                <a:solidFill>
-                  <a:srgbClr val="0611F2"/>
-                </a:solidFill>
-                <a:latin typeface="맑은 고딕" charset="0"/>
-                <a:ea typeface="맑은 고딕" charset="0"/>
-              </a:rPr>
-              <a:t>7. </a:t>
-            </a:r>
-            <a:r>
-              <a:rPr lang="ko-KR" sz="1800">
-                <a:latin typeface="맑은 고딕" charset="0"/>
-                <a:ea typeface="맑은 고딕" charset="0"/>
-              </a:rPr>
-              <a:t>마지막으로 업데이트 함수에  Vector3.MoveTowards함수를 설정하고 현재 자신의 위치로 설정합니다.</a:t>
-            </a:r>
-            <a:endParaRPr lang="ko-KR" altLang="en-US" sz="1800">
-              <a:latin typeface="맑은 고딕" charset="0"/>
-              <a:ea typeface="맑은 고딕" charset="0"/>
-            </a:endParaRPr>
-          </a:p>
-        </p:txBody>
-      </p:sp>
     </p:spTree>
   </p:cSld>
   <p:clrMapOvr>
@@ -10462,7 +10360,7 @@
 </file>
 
 <file path=ppt/slides/slide3.xml><?xml version="1.0" encoding="utf-8"?>
-<p:sld xmlns:a="http://schemas.openxmlformats.org/drawingml/2006/main" xmlns:r="http://schemas.openxmlformats.org/officeDocument/2006/relationships" xmlns:p="http://schemas.openxmlformats.org/presentationml/2006/main" xmlns:p14="http://schemas.microsoft.com/office/powerpoint/2010/main">
+<p:sld xmlns:a="http://schemas.openxmlformats.org/drawingml/2006/main" xmlns:r="http://schemas.openxmlformats.org/officeDocument/2006/relationships" xmlns:p="http://schemas.openxmlformats.org/presentationml/2006/main">
   <p:cSld>
     <p:spTree>
       <p:nvGrpSpPr>
@@ -10488,8 +10386,8 @@
         </p:nvSpPr>
         <p:spPr>
           <a:xfrm rot="0">
-            <a:off x="8309610" y="-8255"/>
-            <a:ext cx="2973070" cy="555625"/>
+            <a:off x="4521200" y="476250"/>
+            <a:ext cx="3150870" cy="554990"/>
           </a:xfrm>
           <a:prstGeom prst="rect"/>
           <a:noFill/>
@@ -10509,14 +10407,14 @@
               <a:buNone/>
             </a:pPr>
             <a:r>
-              <a:rPr sz="3000" b="1">
+              <a:rPr lang="ko-KR" sz="3000" b="1">
                 <a:solidFill>
                   <a:schemeClr val="tx1"/>
                 </a:solidFill>
                 <a:latin typeface="맑은 고딕" charset="0"/>
                 <a:ea typeface="맑은 고딕" charset="0"/>
               </a:rPr>
-              <a:t>GetComponent</a:t>
+              <a:t>세 번째 튜토리얼</a:t>
             </a:r>
             <a:endParaRPr lang="ko-KR" altLang="en-US" sz="3000" b="1">
               <a:solidFill>
@@ -10530,7 +10428,7 @@
       </p:sp>
       <p:sp>
         <p:nvSpPr>
-          <p:cNvPr id="1035" name="Rect 0"/>
+          <p:cNvPr id="1032" name="Rect 0"/>
           <p:cNvSpPr txBox="1">
             <a:spLocks/>
           </p:cNvSpPr>
@@ -10538,8 +10436,8 @@
         </p:nvSpPr>
         <p:spPr>
           <a:xfrm rot="0">
-            <a:off x="1189355" y="1280795"/>
-            <a:ext cx="4154805" cy="924560"/>
+            <a:off x="1366520" y="3094355"/>
+            <a:ext cx="4013835" cy="677545"/>
           </a:xfrm>
           <a:prstGeom prst="rect"/>
           <a:noFill/>
@@ -10549,7 +10447,7 @@
           </a:ln>
         </p:spPr>
         <p:txBody>
-          <a:bodyPr wrap="square" lIns="89535" tIns="46355" rIns="89535" bIns="46355" numCol="1" vert="horz" anchor="t">
+          <a:bodyPr wrap="square" lIns="89535" tIns="46355" rIns="89535" bIns="46355" vert="horz" anchor="t">
             <a:spAutoFit/>
           </a:bodyPr>
           <a:lstStyle/>
@@ -10559,11 +10457,31 @@
               <a:buNone/>
             </a:pPr>
             <a:r>
-              <a:rPr sz="1800">
-                <a:latin typeface="맑은 고딕" charset="0"/>
-                <a:ea typeface="맑은 고딕" charset="0"/>
-              </a:rPr>
-              <a:t>GetComponent&lt;Type&gt;() 함수는 게임 오브젝트의 컴포넌트를 가져오는 함수입니다.</a:t>
+              <a:rPr lang="ko-KR" sz="2000" b="1">
+                <a:solidFill>
+                  <a:srgbClr val="0611F2"/>
+                </a:solidFill>
+                <a:latin typeface="맑은 고딕" charset="0"/>
+                <a:ea typeface="맑은 고딕" charset="0"/>
+              </a:rPr>
+              <a:t>5</a:t>
+            </a:r>
+            <a:r>
+              <a:rPr sz="2000" b="1">
+                <a:solidFill>
+                  <a:srgbClr val="0611F2"/>
+                </a:solidFill>
+                <a:latin typeface="맑은 고딕" charset="0"/>
+                <a:ea typeface="맑은 고딕" charset="0"/>
+              </a:rPr>
+              <a:t>. </a:t>
+            </a:r>
+            <a:r>
+              <a:rPr lang="ko-KR" sz="1800">
+                <a:latin typeface="맑은 고딕" charset="0"/>
+                <a:ea typeface="맑은 고딕" charset="0"/>
+              </a:rPr>
+              <a:t>그리고 State 오브젝트의 크기와 회전 방향을 설정합니다.</a:t>
             </a:r>
             <a:endParaRPr lang="ko-KR" altLang="en-US" sz="1800">
               <a:latin typeface="맑은 고딕" charset="0"/>
@@ -10574,7 +10492,7 @@
       </p:sp>
       <p:sp>
         <p:nvSpPr>
-          <p:cNvPr id="1041" name="Rect 0"/>
+          <p:cNvPr id="1037" name="Rect 0"/>
           <p:cNvSpPr txBox="1">
             <a:spLocks/>
           </p:cNvSpPr>
@@ -10582,8 +10500,8 @@
         </p:nvSpPr>
         <p:spPr>
           <a:xfrm rot="0">
-            <a:off x="6848475" y="4726940"/>
-            <a:ext cx="4325620" cy="924560"/>
+            <a:off x="6821805" y="5214620"/>
+            <a:ext cx="4094480" cy="954405"/>
           </a:xfrm>
           <a:prstGeom prst="rect"/>
           <a:noFill/>
@@ -10593,7 +10511,7 @@
           </a:ln>
         </p:spPr>
         <p:txBody>
-          <a:bodyPr wrap="square" lIns="89535" tIns="46355" rIns="89535" bIns="46355" numCol="1" vert="horz" anchor="t">
+          <a:bodyPr wrap="square" lIns="89535" tIns="46355" rIns="89535" bIns="46355" vert="horz" anchor="t">
             <a:spAutoFit/>
           </a:bodyPr>
           <a:lstStyle/>
@@ -10603,11 +10521,31 @@
               <a:buNone/>
             </a:pPr>
             <a:r>
-              <a:rPr sz="1800">
-                <a:latin typeface="맑은 고딕" charset="0"/>
-                <a:ea typeface="맑은 고딕" charset="0"/>
-              </a:rPr>
-              <a:t>원하는 컴포넌트의 기능을 사용하기 위해 해당 스크립트에서 컴포넌트를 가져와야 합니다.</a:t>
+              <a:rPr lang="ko-KR" sz="2000" b="1">
+                <a:solidFill>
+                  <a:srgbClr val="0611F2"/>
+                </a:solidFill>
+                <a:latin typeface="맑은 고딕" charset="0"/>
+                <a:ea typeface="맑은 고딕" charset="0"/>
+              </a:rPr>
+              <a:t>7</a:t>
+            </a:r>
+            <a:r>
+              <a:rPr sz="2000" b="1">
+                <a:solidFill>
+                  <a:srgbClr val="0611F2"/>
+                </a:solidFill>
+                <a:latin typeface="맑은 고딕" charset="0"/>
+                <a:ea typeface="맑은 고딕" charset="0"/>
+              </a:rPr>
+              <a:t>. </a:t>
+            </a:r>
+            <a:r>
+              <a:rPr lang="ko-KR" sz="1800">
+                <a:latin typeface="맑은 고딕" charset="0"/>
+                <a:ea typeface="맑은 고딕" charset="0"/>
+              </a:rPr>
+              <a:t>이제 UI에서 Button을 생성한 다음 Pause Button이라는 이름으로 정의합니다.</a:t>
             </a:r>
             <a:endParaRPr lang="ko-KR" altLang="en-US" sz="1800">
               <a:latin typeface="맑은 고딕" charset="0"/>
@@ -10616,60 +10554,206 @@
           </a:p>
         </p:txBody>
       </p:sp>
-      <p:sp>
-        <p:nvSpPr>
-          <p:cNvPr id="1044" name="텍스트 상자 5"/>
-          <p:cNvSpPr txBox="1">
-            <a:spLocks/>
-          </p:cNvSpPr>
-          <p:nvPr/>
-        </p:nvSpPr>
-        <p:spPr>
-          <a:xfrm rot="0">
-            <a:off x="1193165" y="4726940"/>
-            <a:ext cx="4161155" cy="924560"/>
-          </a:xfrm>
-          <a:prstGeom prst="rect"/>
-          <a:noFill/>
-          <a:ln w="0">
-            <a:noFill/>
-            <a:prstDash/>
-          </a:ln>
-        </p:spPr>
-        <p:txBody>
-          <a:bodyPr wrap="square" lIns="89535" tIns="46355" rIns="89535" bIns="46355" numCol="1" vert="horz" anchor="t">
-            <a:spAutoFit/>
-          </a:bodyPr>
-          <a:lstStyle/>
-          <a:p>
-            <a:pPr marL="0" indent="0" algn="l" latinLnBrk="0" hangingPunct="1">
-              <a:buFontTx/>
-              <a:buNone/>
-            </a:pPr>
-            <a:r>
-              <a:rPr lang="ko-KR" sz="1800">
-                <a:latin typeface="맑은 고딕" charset="0"/>
-                <a:ea typeface="맑은 고딕" charset="0"/>
-              </a:rPr>
-              <a:t>원하는 컴포넌트를 사용하기 위해서는 해당 컴포넌트의 타입이랑 일치해야 합니다. </a:t>
-            </a:r>
-            <a:endParaRPr lang="ko-KR" altLang="en-US" sz="1800">
-              <a:latin typeface="맑은 고딕" charset="0"/>
-              <a:ea typeface="맑은 고딕" charset="0"/>
-            </a:endParaRPr>
-          </a:p>
-        </p:txBody>
-      </p:sp>
       <p:pic>
         <p:nvPicPr>
-          <p:cNvPr id="1057" name="그림 1"/>
+          <p:cNvPr id="1043" name="그림 35" descr="C:/Users/Admin1/AppData/Roaming/PolarisOffice/ETemp/17076_14861856/fImage181873176962.png"/>
           <p:cNvPicPr>
             <a:picLocks noChangeAspect="1"/>
           </p:cNvPicPr>
           <p:nvPr/>
         </p:nvPicPr>
         <p:blipFill rotWithShape="1">
-          <a:blip r:embed="rId25" cstate="hqprint">
+          <a:blip r:embed="rId2" cstate="print">
+            <a:extLst>
+              <a:ext uri="{28A0092B-C50C-407E-A947-70E740481C1C}">
+                <a14:useLocalDpi xmlns:a14="http://schemas.microsoft.com/office/drawing/2010/main" val="0"/>
+              </a:ext>
+            </a:extLst>
+          </a:blip>
+          <a:stretch>
+            <a:fillRect/>
+          </a:stretch>
+        </p:blipFill>
+        <p:spPr>
+          <a:xfrm rot="0">
+            <a:off x="1366520" y="1518920"/>
+            <a:ext cx="4006215" cy="1491615"/>
+          </a:xfrm>
+          <a:prstGeom prst="roundRect"/>
+          <a:solidFill>
+            <a:srgbClr val="EDEDED"/>
+          </a:solidFill>
+        </p:spPr>
+      </p:pic>
+      <p:pic>
+        <p:nvPicPr>
+          <p:cNvPr id="1044" name="그림 38" descr="C:/Users/Admin1/AppData/Roaming/PolarisOffice/ETemp/17076_14861856/fImage67923184464.png"/>
+          <p:cNvPicPr>
+            <a:picLocks noChangeAspect="1"/>
+          </p:cNvPicPr>
+          <p:nvPr/>
+        </p:nvPicPr>
+        <p:blipFill rotWithShape="1">
+          <a:blip r:embed="rId3" cstate="print">
+            <a:extLst>
+              <a:ext uri="{28A0092B-C50C-407E-A947-70E740481C1C}">
+                <a14:useLocalDpi xmlns:a14="http://schemas.microsoft.com/office/drawing/2010/main" val="0"/>
+              </a:ext>
+            </a:extLst>
+          </a:blip>
+          <a:stretch>
+            <a:fillRect/>
+          </a:stretch>
+        </p:blipFill>
+        <p:spPr>
+          <a:xfrm rot="0">
+            <a:off x="2886075" y="3905250"/>
+            <a:ext cx="2493010" cy="1172210"/>
+          </a:xfrm>
+          <a:prstGeom prst="roundRect"/>
+          <a:solidFill>
+            <a:srgbClr val="EDEDED"/>
+          </a:solidFill>
+        </p:spPr>
+      </p:pic>
+      <p:pic>
+        <p:nvPicPr>
+          <p:cNvPr id="1045" name="그림 39" descr="C:/Users/Admin1/AppData/Roaming/PolarisOffice/ETemp/17076_14861856/fImage54943195705.png"/>
+          <p:cNvPicPr>
+            <a:picLocks noChangeAspect="1"/>
+          </p:cNvPicPr>
+          <p:nvPr/>
+        </p:nvPicPr>
+        <p:blipFill rotWithShape="1">
+          <a:blip r:embed="rId4" cstate="print">
+            <a:extLst>
+              <a:ext uri="{28A0092B-C50C-407E-A947-70E740481C1C}">
+                <a14:useLocalDpi xmlns:a14="http://schemas.microsoft.com/office/drawing/2010/main" val="0"/>
+              </a:ext>
+            </a:extLst>
+          </a:blip>
+          <a:stretch>
+            <a:fillRect/>
+          </a:stretch>
+        </p:blipFill>
+        <p:spPr>
+          <a:xfrm rot="0">
+            <a:off x="1366520" y="3919220"/>
+            <a:ext cx="1234440" cy="1184275"/>
+          </a:xfrm>
+          <a:prstGeom prst="roundRect"/>
+          <a:solidFill>
+            <a:srgbClr val="EDEDED"/>
+          </a:solidFill>
+        </p:spPr>
+      </p:pic>
+      <p:cxnSp>
+        <p:nvCxnSpPr>
+          <p:cNvPr id="1046" name="도형 42"/>
+          <p:cNvCxnSpPr/>
+          <p:nvPr/>
+        </p:nvCxnSpPr>
+        <p:spPr>
+          <a:xfrm rot="0" flipH="1">
+            <a:off x="2095500" y="4629150"/>
+            <a:ext cx="886460" cy="635"/>
+          </a:xfrm>
+          <a:prstGeom prst="straightConnector1"/>
+          <a:ln w="6350" cap="flat" cmpd="sng">
+            <a:prstDash/>
+            <a:headEnd type="none" w="med" len="med"/>
+            <a:tailEnd type="triangle" w="med" len="med"/>
+          </a:ln>
+        </p:spPr>
+        <p:style>
+          <a:lnRef idx="1">
+            <a:schemeClr val="accent1"/>
+          </a:lnRef>
+          <a:fillRef idx="0">
+            <a:schemeClr val="accent1"/>
+          </a:fillRef>
+          <a:effectRef idx="0">
+            <a:schemeClr val="accent1"/>
+          </a:effectRef>
+          <a:fontRef idx="minor">
+            <a:schemeClr val="tx1"/>
+          </a:fontRef>
+        </p:style>
+      </p:cxnSp>
+      <p:sp>
+        <p:nvSpPr>
+          <p:cNvPr id="1047" name="텍스트 상자 43"/>
+          <p:cNvSpPr txBox="1">
+            <a:spLocks/>
+          </p:cNvSpPr>
+          <p:nvPr/>
+        </p:nvSpPr>
+        <p:spPr>
+          <a:xfrm rot="0">
+            <a:off x="1371600" y="5213985"/>
+            <a:ext cx="4013835" cy="954405"/>
+          </a:xfrm>
+          <a:prstGeom prst="rect"/>
+          <a:noFill/>
+          <a:ln w="0">
+            <a:noFill/>
+            <a:prstDash/>
+          </a:ln>
+        </p:spPr>
+        <p:txBody>
+          <a:bodyPr wrap="square" lIns="89535" tIns="46355" rIns="89535" bIns="46355" vert="horz" anchor="t">
+            <a:spAutoFit/>
+          </a:bodyPr>
+          <a:lstStyle/>
+          <a:p>
+            <a:pPr marL="0" indent="0" rtl="0" algn="l" defTabSz="914400" eaLnBrk="1" latinLnBrk="0" hangingPunct="1">
+              <a:buFontTx/>
+              <a:buNone/>
+            </a:pPr>
+            <a:r>
+              <a:rPr lang="ko-KR" sz="2000" b="1">
+                <a:solidFill>
+                  <a:srgbClr val="0611F2"/>
+                </a:solidFill>
+                <a:latin typeface="맑은 고딕" charset="0"/>
+                <a:ea typeface="맑은 고딕" charset="0"/>
+              </a:rPr>
+              <a:t>6</a:t>
+            </a:r>
+            <a:r>
+              <a:rPr sz="2000" b="1">
+                <a:solidFill>
+                  <a:srgbClr val="0611F2"/>
+                </a:solidFill>
+                <a:latin typeface="맑은 고딕" charset="0"/>
+                <a:ea typeface="맑은 고딕" charset="0"/>
+              </a:rPr>
+              <a:t>. </a:t>
+            </a:r>
+            <a:r>
+              <a:rPr lang="ko-KR" sz="1800">
+                <a:latin typeface="맑은 고딕" charset="0"/>
+                <a:ea typeface="맑은 고딕" charset="0"/>
+              </a:rPr>
+              <a:t>그다음으로 Project 폴더에 있는 Material 폴더에 Color 머티리얼을 Capsule 오브젝트에 넣어줍니다.</a:t>
+            </a:r>
+            <a:endParaRPr lang="ko-KR" altLang="en-US" sz="1800">
+              <a:latin typeface="맑은 고딕" charset="0"/>
+              <a:ea typeface="맑은 고딕" charset="0"/>
+            </a:endParaRPr>
+          </a:p>
+        </p:txBody>
+      </p:sp>
+      <p:pic>
+        <p:nvPicPr>
+          <p:cNvPr id="1048" name="그림 45" descr="C:/Users/Admin1/AppData/Roaming/PolarisOffice/ETemp/17076_14861856/fImage191383248145.png"/>
+          <p:cNvPicPr>
+            <a:picLocks noChangeAspect="1"/>
+          </p:cNvPicPr>
+          <p:nvPr/>
+        </p:nvPicPr>
+        <p:blipFill rotWithShape="1">
+          <a:blip r:embed="rId5" cstate="hqprint">
             <a:extLst>
               <a:ext uri="{28A0092B-C50C-407E-A947-70E740481C1C}">
                 <a14:useLocalDpi xmlns:a14="http://schemas.microsoft.com/office/drawing/2010/main"/>
@@ -10682,26 +10766,28 @@
         </p:blipFill>
         <p:spPr>
           <a:xfrm rot="0">
-            <a:off x="1190625" y="2228850"/>
-            <a:ext cx="4152900" cy="2401570"/>
-          </a:xfrm>
-          <a:prstGeom prst="rect"/>
-          <a:noFill/>
+            <a:off x="6819900" y="1514475"/>
+            <a:ext cx="2772410" cy="3553460"/>
+          </a:xfrm>
+          <a:prstGeom prst="roundRect"/>
+          <a:solidFill>
+            <a:srgbClr val="EDEDED"/>
+          </a:solidFill>
         </p:spPr>
       </p:pic>
       <p:pic>
         <p:nvPicPr>
-          <p:cNvPr id="1061" name="그림 229"/>
+          <p:cNvPr id="1049" name="그림 46" descr="C:/Users/Admin1/AppData/Roaming/PolarisOffice/ETemp/17076_14861856/fImage73883253281.png"/>
           <p:cNvPicPr>
             <a:picLocks noChangeAspect="1"/>
           </p:cNvPicPr>
           <p:nvPr/>
         </p:nvPicPr>
         <p:blipFill rotWithShape="1">
-          <a:blip r:embed="rId28" cstate="hqprint">
+          <a:blip r:embed="rId6" cstate="print">
             <a:extLst>
               <a:ext uri="{28A0092B-C50C-407E-A947-70E740481C1C}">
-                <a14:useLocalDpi xmlns:a14="http://schemas.microsoft.com/office/drawing/2010/main"/>
+                <a14:useLocalDpi xmlns:a14="http://schemas.microsoft.com/office/drawing/2010/main" val="0"/>
               </a:ext>
             </a:extLst>
           </a:blip>
@@ -10711,11 +10797,13 @@
         </p:blipFill>
         <p:spPr>
           <a:xfrm rot="0">
-            <a:off x="6849745" y="1290320"/>
-            <a:ext cx="4326890" cy="3299460"/>
-          </a:xfrm>
-          <a:prstGeom prst="rect"/>
-          <a:noFill/>
+            <a:off x="9753600" y="2057400"/>
+            <a:ext cx="1162685" cy="2439035"/>
+          </a:xfrm>
+          <a:prstGeom prst="roundRect"/>
+          <a:solidFill>
+            <a:srgbClr val="EDEDED"/>
+          </a:solidFill>
         </p:spPr>
       </p:pic>
     </p:spTree>
@@ -10742,7 +10830,7 @@
 </file>
 
 <file path=ppt/slides/slide4.xml><?xml version="1.0" encoding="utf-8"?>
-<p:sld xmlns:a="http://schemas.openxmlformats.org/drawingml/2006/main" xmlns:r="http://schemas.openxmlformats.org/officeDocument/2006/relationships" xmlns:p="http://schemas.openxmlformats.org/presentationml/2006/main" xmlns:p14="http://schemas.microsoft.com/office/powerpoint/2010/main">
+<p:sld xmlns:a="http://schemas.openxmlformats.org/drawingml/2006/main" xmlns:r="http://schemas.openxmlformats.org/officeDocument/2006/relationships" xmlns:p="http://schemas.openxmlformats.org/presentationml/2006/main">
   <p:cSld>
     <p:spTree>
       <p:nvGrpSpPr>
@@ -10768,8 +10856,8 @@
         </p:nvSpPr>
         <p:spPr>
           <a:xfrm rot="0">
-            <a:off x="9105900" y="0"/>
-            <a:ext cx="1437005" cy="555625"/>
+            <a:off x="4521200" y="476250"/>
+            <a:ext cx="3150870" cy="554990"/>
           </a:xfrm>
           <a:prstGeom prst="rect"/>
           <a:noFill/>
@@ -10784,19 +10872,19 @@
           </a:bodyPr>
           <a:lstStyle/>
           <a:p>
-            <a:pPr marL="0" indent="0" algn="ctr" latinLnBrk="0">
-              <a:buFontTx/>
-              <a:buNone/>
-            </a:pPr>
-            <a:r>
-              <a:rPr lang="ko-KR" altLang="en-US" sz="3000" b="1">
+            <a:pPr marL="0" indent="0" algn="l" latinLnBrk="0">
+              <a:buFontTx/>
+              <a:buNone/>
+            </a:pPr>
+            <a:r>
+              <a:rPr lang="ko-KR" sz="3000" b="1">
                 <a:solidFill>
                   <a:schemeClr val="tx1"/>
                 </a:solidFill>
                 <a:latin typeface="맑은 고딕" charset="0"/>
                 <a:ea typeface="맑은 고딕" charset="0"/>
               </a:rPr>
-              <a:t>Invoke</a:t>
+              <a:t>네 번째 튜토리얼</a:t>
             </a:r>
             <a:endParaRPr lang="ko-KR" altLang="en-US" sz="3000" b="1">
               <a:solidFill>
@@ -10810,7 +10898,7 @@
       </p:sp>
       <p:sp>
         <p:nvSpPr>
-          <p:cNvPr id="1035" name="Rect 0"/>
+          <p:cNvPr id="1032" name="Rect 0"/>
           <p:cNvSpPr txBox="1">
             <a:spLocks/>
           </p:cNvSpPr>
@@ -10818,8 +10906,8 @@
         </p:nvSpPr>
         <p:spPr>
           <a:xfrm rot="0">
-            <a:off x="1212215" y="1251585"/>
-            <a:ext cx="4144010" cy="647700"/>
+            <a:off x="1366520" y="2676525"/>
+            <a:ext cx="4013835" cy="954405"/>
           </a:xfrm>
           <a:prstGeom prst="rect"/>
           <a:noFill/>
@@ -10829,21 +10917,41 @@
           </a:ln>
         </p:spPr>
         <p:txBody>
-          <a:bodyPr wrap="square" lIns="89535" tIns="46355" rIns="89535" bIns="46355" numCol="1" vert="horz" anchor="t">
+          <a:bodyPr wrap="square" lIns="89535" tIns="46355" rIns="89535" bIns="46355" vert="horz" anchor="t">
             <a:spAutoFit/>
           </a:bodyPr>
           <a:lstStyle/>
           <a:p>
-            <a:pPr marL="0" indent="0" algn="l" latinLnBrk="0" hangingPunct="1">
-              <a:buFontTx/>
-              <a:buNone/>
-            </a:pPr>
+            <a:pPr marL="0" indent="0" rtl="0" algn="l" defTabSz="914400" eaLnBrk="1" latinLnBrk="0" hangingPunct="1">
+              <a:buFontTx/>
+              <a:buNone/>
+            </a:pPr>
+            <a:r>
+              <a:rPr lang="ko-KR" sz="2000" b="1">
+                <a:solidFill>
+                  <a:srgbClr val="0611F2"/>
+                </a:solidFill>
+                <a:latin typeface="맑은 고딕" charset="0"/>
+                <a:ea typeface="맑은 고딕" charset="0"/>
+              </a:rPr>
+              <a:t>8</a:t>
+            </a:r>
+            <a:r>
+              <a:rPr sz="2000" b="1">
+                <a:solidFill>
+                  <a:srgbClr val="0611F2"/>
+                </a:solidFill>
+                <a:latin typeface="맑은 고딕" charset="0"/>
+                <a:ea typeface="맑은 고딕" charset="0"/>
+              </a:rPr>
+              <a:t>. </a:t>
+            </a:r>
             <a:r>
               <a:rPr lang="ko-KR" sz="1800">
                 <a:latin typeface="맑은 고딕" charset="0"/>
                 <a:ea typeface="맑은 고딕" charset="0"/>
               </a:rPr>
-              <a:t>인보크 함수는 원하는 함수를 일정 시간 후에 호출하는 함수입니다.</a:t>
+              <a:t>그런 다음 Pause Button 오브젝트의 크기와 앵커의 위치를 설정합니다.</a:t>
             </a:r>
             <a:endParaRPr lang="ko-KR" altLang="en-US" sz="1800">
               <a:latin typeface="맑은 고딕" charset="0"/>
@@ -10854,7 +10962,7 @@
       </p:sp>
       <p:sp>
         <p:nvSpPr>
-          <p:cNvPr id="1045" name="Rect 0"/>
+          <p:cNvPr id="1037" name="Rect 0"/>
           <p:cNvSpPr txBox="1">
             <a:spLocks/>
           </p:cNvSpPr>
@@ -10862,8 +10970,8 @@
         </p:nvSpPr>
         <p:spPr>
           <a:xfrm rot="0">
-            <a:off x="1208405" y="4743450"/>
-            <a:ext cx="4159885" cy="924560"/>
+            <a:off x="6811010" y="5225415"/>
+            <a:ext cx="4094480" cy="954405"/>
           </a:xfrm>
           <a:prstGeom prst="rect"/>
           <a:noFill/>
@@ -10873,58 +10981,41 @@
           </a:ln>
         </p:spPr>
         <p:txBody>
-          <a:bodyPr wrap="square" lIns="89535" tIns="46355" rIns="89535" bIns="46355" numCol="1" vert="horz" anchor="t">
+          <a:bodyPr wrap="square" lIns="89535" tIns="46355" rIns="89535" bIns="46355" vert="horz" anchor="t">
             <a:spAutoFit/>
           </a:bodyPr>
           <a:lstStyle/>
           <a:p>
-            <a:pPr marL="0" indent="0" algn="l" latinLnBrk="0" hangingPunct="1">
-              <a:buFontTx/>
-              <a:buNone/>
-            </a:pPr>
-            <a:r>
-              <a:rPr lang="ko-KR" sz="1800" b="1">
+            <a:pPr marL="0" indent="0" rtl="0" algn="l" defTabSz="914400" eaLnBrk="1" latinLnBrk="0" hangingPunct="1">
+              <a:buFontTx/>
+              <a:buNone/>
+            </a:pPr>
+            <a:r>
+              <a:rPr lang="ko-KR" sz="2000" b="1">
                 <a:solidFill>
                   <a:srgbClr val="0611F2"/>
                 </a:solidFill>
                 <a:latin typeface="맑은 고딕" charset="0"/>
                 <a:ea typeface="맑은 고딕" charset="0"/>
               </a:rPr>
-              <a:t>8.</a:t>
+              <a:t>10</a:t>
+            </a:r>
+            <a:r>
+              <a:rPr sz="2000" b="1">
+                <a:solidFill>
+                  <a:srgbClr val="0611F2"/>
+                </a:solidFill>
+                <a:latin typeface="맑은 고딕" charset="0"/>
+                <a:ea typeface="맑은 고딕" charset="0"/>
+              </a:rPr>
+              <a:t>. </a:t>
             </a:r>
             <a:r>
               <a:rPr lang="ko-KR" sz="1800">
                 <a:latin typeface="맑은 고딕" charset="0"/>
                 <a:ea typeface="맑은 고딕" charset="0"/>
               </a:rPr>
-              <a:t> Cube오브젝트에 머티리얼을 적용하려면 컴포넌트</a:t>
-            </a:r>
-            <a:r>
-              <a:rPr lang="ko-KR" sz="1800">
-                <a:solidFill>
-                  <a:schemeClr val="tx1"/>
-                </a:solidFill>
-                <a:latin typeface="맑은 고딕" charset="0"/>
-                <a:ea typeface="맑은 고딕" charset="0"/>
-              </a:rPr>
-              <a:t> </a:t>
-            </a:r>
-            <a:r>
-              <a:rPr lang="ko-KR" sz="1800">
-                <a:solidFill>
-                  <a:schemeClr val="tx1"/>
-                </a:solidFill>
-                <a:latin typeface="맑은 고딕" charset="0"/>
-                <a:ea typeface="맑은 고딕" charset="0"/>
-              </a:rPr>
-              <a:t>[Mesh Renderer] 에 현재 생성한 머티리얼을 </a:t>
-            </a:r>
-            <a:r>
-              <a:rPr lang="ko-KR" sz="1800">
-                <a:latin typeface="맑은 고딕" charset="0"/>
-                <a:ea typeface="맑은 고딕" charset="0"/>
-              </a:rPr>
-              <a:t>넣어줍니다.</a:t>
+              <a:t>그다음 Various 스크립트에서 float 변수와 Image 그리고 Spirte 이미지 변수를 선언합니다.</a:t>
             </a:r>
             <a:endParaRPr lang="ko-KR" altLang="en-US" sz="1800">
               <a:latin typeface="맑은 고딕" charset="0"/>
@@ -10935,43 +11026,14 @@
       </p:sp>
       <p:pic>
         <p:nvPicPr>
-          <p:cNvPr id="1080" name="그림 11"/>
+          <p:cNvPr id="1050" name="그림 49" descr="C:/Users/Admin1/AppData/Roaming/PolarisOffice/ETemp/17076_14861856/fImage123893396827.png"/>
           <p:cNvPicPr>
             <a:picLocks noChangeAspect="1"/>
           </p:cNvPicPr>
           <p:nvPr/>
         </p:nvPicPr>
         <p:blipFill rotWithShape="1">
-          <a:blip r:embed="rId17" cstate="hqprint">
-            <a:extLst>
-              <a:ext uri="{28A0092B-C50C-407E-A947-70E740481C1C}">
-                <a14:useLocalDpi xmlns:a14="http://schemas.microsoft.com/office/drawing/2010/main"/>
-              </a:ext>
-            </a:extLst>
-          </a:blip>
-          <a:stretch>
-            <a:fillRect/>
-          </a:stretch>
-        </p:blipFill>
-        <p:spPr>
-          <a:xfrm rot="0">
-            <a:off x="1212850" y="2035810"/>
-            <a:ext cx="4139565" cy="2571750"/>
-          </a:xfrm>
-          <a:prstGeom prst="rect"/>
-          <a:noFill/>
-        </p:spPr>
-      </p:pic>
-      <p:pic>
-        <p:nvPicPr>
-          <p:cNvPr id="1081" name="그림 12"/>
-          <p:cNvPicPr>
-            <a:picLocks noChangeAspect="1"/>
-          </p:cNvPicPr>
-          <p:nvPr/>
-        </p:nvPicPr>
-        <p:blipFill rotWithShape="1">
-          <a:blip r:embed="rId18" cstate="print">
+          <a:blip r:embed="rId2" cstate="print">
             <a:extLst>
               <a:ext uri="{28A0092B-C50C-407E-A947-70E740481C1C}">
                 <a14:useLocalDpi xmlns:a14="http://schemas.microsoft.com/office/drawing/2010/main" val="0"/>
@@ -10984,23 +11046,25 @@
         </p:blipFill>
         <p:spPr>
           <a:xfrm rot="0">
-            <a:off x="6819900" y="3798570"/>
-            <a:ext cx="4143375" cy="921385"/>
-          </a:xfrm>
-          <a:prstGeom prst="rect"/>
-          <a:noFill/>
+            <a:off x="1366520" y="1504950"/>
+            <a:ext cx="4006215" cy="1099185"/>
+          </a:xfrm>
+          <a:prstGeom prst="roundRect"/>
+          <a:solidFill>
+            <a:srgbClr val="EDEDED"/>
+          </a:solidFill>
         </p:spPr>
       </p:pic>
       <p:pic>
         <p:nvPicPr>
-          <p:cNvPr id="1082" name="그림 13"/>
+          <p:cNvPr id="1051" name="그림 52" descr="C:/Users/Admin1/AppData/Roaming/PolarisOffice/ETemp/17076_14861856/fImage22403409961.png"/>
           <p:cNvPicPr>
             <a:picLocks noChangeAspect="1"/>
           </p:cNvPicPr>
           <p:nvPr/>
         </p:nvPicPr>
         <p:blipFill rotWithShape="1">
-          <a:blip r:embed="rId19" cstate="print">
+          <a:blip r:embed="rId3" cstate="print">
             <a:extLst>
               <a:ext uri="{28A0092B-C50C-407E-A947-70E740481C1C}">
                 <a14:useLocalDpi xmlns:a14="http://schemas.microsoft.com/office/drawing/2010/main" val="0"/>
@@ -11013,16 +11077,49 @@
         </p:blipFill>
         <p:spPr>
           <a:xfrm rot="0">
-            <a:off x="6824345" y="1257300"/>
-            <a:ext cx="4147820" cy="1393190"/>
-          </a:xfrm>
-          <a:prstGeom prst="rect"/>
-          <a:noFill/>
+            <a:off x="4513580" y="4013200"/>
+            <a:ext cx="867410" cy="848360"/>
+          </a:xfrm>
+          <a:prstGeom prst="roundRect"/>
+          <a:solidFill>
+            <a:srgbClr val="EDEDED"/>
+          </a:solidFill>
         </p:spPr>
       </p:pic>
-      <p:sp>
-        <p:nvSpPr>
-          <p:cNvPr id="1083" name="텍스트 상자 14"/>
+      <p:pic>
+        <p:nvPicPr>
+          <p:cNvPr id="1052" name="그림 55" descr="C:/Users/Admin1/AppData/Roaming/PolarisOffice/ETemp/17076_14861856/fImage7388341491.png"/>
+          <p:cNvPicPr>
+            <a:picLocks noChangeAspect="1"/>
+          </p:cNvPicPr>
+          <p:nvPr/>
+        </p:nvPicPr>
+        <p:blipFill rotWithShape="1">
+          <a:blip r:embed="rId4" cstate="print">
+            <a:extLst>
+              <a:ext uri="{28A0092B-C50C-407E-A947-70E740481C1C}">
+                <a14:useLocalDpi xmlns:a14="http://schemas.microsoft.com/office/drawing/2010/main" val="0"/>
+              </a:ext>
+            </a:extLst>
+          </a:blip>
+          <a:stretch>
+            <a:fillRect/>
+          </a:stretch>
+        </p:blipFill>
+        <p:spPr>
+          <a:xfrm rot="0">
+            <a:off x="1362075" y="3752215"/>
+            <a:ext cx="2572385" cy="1360170"/>
+          </a:xfrm>
+          <a:prstGeom prst="roundRect"/>
+          <a:solidFill>
+            <a:srgbClr val="EDEDED"/>
+          </a:solidFill>
+        </p:spPr>
+      </p:pic>
+      <p:sp>
+        <p:nvSpPr>
+          <p:cNvPr id="1053" name="텍스트 상자 56"/>
           <p:cNvSpPr txBox="1">
             <a:spLocks/>
           </p:cNvSpPr>
@@ -11030,8 +11127,8 @@
         </p:nvSpPr>
         <p:spPr>
           <a:xfrm rot="0">
-            <a:off x="6821805" y="2762885"/>
-            <a:ext cx="4159885" cy="924560"/>
+            <a:off x="1352550" y="5224780"/>
+            <a:ext cx="4025265" cy="954405"/>
           </a:xfrm>
           <a:prstGeom prst="rect"/>
           <a:noFill/>
@@ -11041,31 +11138,41 @@
           </a:ln>
         </p:spPr>
         <p:txBody>
-          <a:bodyPr wrap="square" lIns="89535" tIns="46355" rIns="89535" bIns="46355" numCol="1" vert="horz" anchor="t">
+          <a:bodyPr wrap="square" lIns="89535" tIns="46355" rIns="89535" bIns="46355" vert="horz" anchor="t">
             <a:spAutoFit/>
           </a:bodyPr>
           <a:lstStyle/>
           <a:p>
-            <a:pPr marL="0" indent="0" algn="l" latinLnBrk="0" hangingPunct="1">
-              <a:buFontTx/>
-              <a:buNone/>
-            </a:pPr>
-            <a:r>
-              <a:rPr lang="ko-KR" sz="1800" b="1">
+            <a:pPr marL="0" indent="0" rtl="0" algn="l" defTabSz="914400" eaLnBrk="1" latinLnBrk="0" hangingPunct="1">
+              <a:buFontTx/>
+              <a:buNone/>
+            </a:pPr>
+            <a:r>
+              <a:rPr lang="ko-KR" sz="2000" b="1">
                 <a:solidFill>
                   <a:srgbClr val="0611F2"/>
                 </a:solidFill>
                 <a:latin typeface="맑은 고딕" charset="0"/>
                 <a:ea typeface="맑은 고딕" charset="0"/>
               </a:rPr>
-              <a:t>9. </a:t>
+              <a:t>9</a:t>
+            </a:r>
+            <a:r>
+              <a:rPr sz="2000" b="1">
+                <a:solidFill>
+                  <a:srgbClr val="0611F2"/>
+                </a:solidFill>
+                <a:latin typeface="맑은 고딕" charset="0"/>
+                <a:ea typeface="맑은 고딕" charset="0"/>
+              </a:rPr>
+              <a:t>. </a:t>
             </a:r>
             <a:r>
               <a:rPr lang="ko-KR" sz="1800">
                 <a:latin typeface="맑은 고딕" charset="0"/>
                 <a:ea typeface="맑은 고딕" charset="0"/>
               </a:rPr>
-              <a:t>그다음 0 ~ 2 사이의 난수 값으로 현재 지정되어 있는 색상이 변경되도록 설정합니다.</a:t>
+              <a:t>그리고 Switching 스크립트를 생성한 다음 Pause Button 오브젝트에 넣어줍니다.</a:t>
             </a:r>
             <a:endParaRPr lang="ko-KR" altLang="en-US" sz="1800">
               <a:latin typeface="맑은 고딕" charset="0"/>
@@ -11074,60 +11181,72 @@
           </a:p>
         </p:txBody>
       </p:sp>
-      <p:sp>
-        <p:nvSpPr>
-          <p:cNvPr id="1084" name="텍스트 상자 15"/>
-          <p:cNvSpPr txBox="1">
-            <a:spLocks/>
-          </p:cNvSpPr>
+      <p:cxnSp>
+        <p:nvCxnSpPr>
+          <p:cNvPr id="1054" name="도형 57"/>
+          <p:cNvCxnSpPr>
+            <a:stCxn id="1051" idx="1"/>
+          </p:cNvCxnSpPr>
           <p:nvPr/>
-        </p:nvSpPr>
-        <p:spPr>
-          <a:xfrm rot="0">
-            <a:off x="6833235" y="4739640"/>
-            <a:ext cx="4161155" cy="924560"/>
-          </a:xfrm>
-          <a:prstGeom prst="rect"/>
-          <a:noFill/>
-          <a:ln w="0">
-            <a:noFill/>
+        </p:nvCxnSpPr>
+        <p:spPr>
+          <a:xfrm rot="0" flipH="1">
+            <a:off x="3449955" y="4436745"/>
+            <a:ext cx="1064260" cy="410845"/>
+          </a:xfrm>
+          <a:prstGeom prst="straightConnector1"/>
+          <a:ln w="6350" cap="flat" cmpd="sng">
             <a:prstDash/>
+            <a:headEnd type="none" w="med" len="med"/>
+            <a:tailEnd type="triangle" w="med" len="med"/>
           </a:ln>
         </p:spPr>
-        <p:txBody>
-          <a:bodyPr wrap="square" lIns="89535" tIns="46355" rIns="89535" bIns="46355" numCol="1" vert="horz" anchor="t">
-            <a:spAutoFit/>
-          </a:bodyPr>
-          <a:lstStyle/>
-          <a:p>
-            <a:pPr marL="0" indent="0" algn="l" latinLnBrk="0" hangingPunct="1">
-              <a:buFontTx/>
-              <a:buNone/>
-            </a:pPr>
-            <a:r>
-              <a:rPr lang="ko-KR" sz="1800" b="1">
-                <a:solidFill>
-                  <a:srgbClr val="0611F2"/>
-                </a:solidFill>
-                <a:latin typeface="맑은 고딕" charset="0"/>
-                <a:ea typeface="맑은 고딕" charset="0"/>
-              </a:rPr>
-              <a:t>10. </a:t>
-            </a:r>
-            <a:r>
-              <a:rPr lang="ko-KR" sz="1800">
-                <a:latin typeface="맑은 고딕" charset="0"/>
-                <a:ea typeface="맑은 고딕" charset="0"/>
-              </a:rPr>
-              <a:t>Enter Key를 입력하는 순간 Paint라는 함수가 3초 후에 실행되도록 설정합니다.</a:t>
-            </a:r>
-            <a:endParaRPr lang="ko-KR" altLang="en-US" sz="1800">
-              <a:latin typeface="맑은 고딕" charset="0"/>
-              <a:ea typeface="맑은 고딕" charset="0"/>
-            </a:endParaRPr>
-          </a:p>
-        </p:txBody>
-      </p:sp>
+        <p:style>
+          <a:lnRef idx="1">
+            <a:schemeClr val="accent1"/>
+          </a:lnRef>
+          <a:fillRef idx="0">
+            <a:schemeClr val="accent1"/>
+          </a:fillRef>
+          <a:effectRef idx="0">
+            <a:schemeClr val="accent1"/>
+          </a:effectRef>
+          <a:fontRef idx="minor">
+            <a:schemeClr val="tx1"/>
+          </a:fontRef>
+        </p:style>
+      </p:cxnSp>
+      <p:pic>
+        <p:nvPicPr>
+          <p:cNvPr id="1055" name="그림 58" descr="C:/Users/Admin1/AppData/Roaming/PolarisOffice/ETemp/17076_14861856/fImage81203442995.png"/>
+          <p:cNvPicPr>
+            <a:picLocks noChangeAspect="1"/>
+          </p:cNvPicPr>
+          <p:nvPr/>
+        </p:nvPicPr>
+        <p:blipFill rotWithShape="1">
+          <a:blip r:embed="rId5" cstate="print">
+            <a:extLst>
+              <a:ext uri="{28A0092B-C50C-407E-A947-70E740481C1C}">
+                <a14:useLocalDpi xmlns:a14="http://schemas.microsoft.com/office/drawing/2010/main" val="0"/>
+              </a:ext>
+            </a:extLst>
+          </a:blip>
+          <a:stretch>
+            <a:fillRect/>
+          </a:stretch>
+        </p:blipFill>
+        <p:spPr>
+          <a:xfrm rot="0">
+            <a:off x="6815455" y="1513205"/>
+            <a:ext cx="4096385" cy="3535680"/>
+          </a:xfrm>
+          <a:prstGeom prst="roundRect"/>
+          <a:solidFill>
+            <a:srgbClr val="EDEDED"/>
+          </a:solidFill>
+        </p:spPr>
+      </p:pic>
     </p:spTree>
   </p:cSld>
   <p:clrMapOvr>
@@ -11178,8 +11297,8 @@
         </p:nvSpPr>
         <p:spPr>
           <a:xfrm rot="0">
-            <a:off x="8244205" y="0"/>
-            <a:ext cx="3271520" cy="555625"/>
+            <a:off x="4333240" y="476250"/>
+            <a:ext cx="3541395" cy="554990"/>
           </a:xfrm>
           <a:prstGeom prst="rect"/>
           <a:noFill/>
@@ -11194,19 +11313,29 @@
           </a:bodyPr>
           <a:lstStyle/>
           <a:p>
-            <a:pPr marL="0" indent="0" algn="ctr" latinLnBrk="0">
-              <a:buFontTx/>
-              <a:buNone/>
-            </a:pPr>
-            <a:r>
-              <a:rPr lang="ko-KR" altLang="en-US" sz="3000" b="1">
+            <a:pPr marL="0" indent="0" algn="l" latinLnBrk="0">
+              <a:buFontTx/>
+              <a:buNone/>
+            </a:pPr>
+            <a:r>
+              <a:rPr sz="3000" b="1">
                 <a:solidFill>
                   <a:schemeClr val="tx1"/>
                 </a:solidFill>
                 <a:latin typeface="맑은 고딕" charset="0"/>
                 <a:ea typeface="맑은 고딕" charset="0"/>
               </a:rPr>
-              <a:t>InvokeRepeating</a:t>
+              <a:t>다</a:t>
+            </a:r>
+            <a:r>
+              <a:rPr lang="ko-KR" sz="3000" b="1">
+                <a:solidFill>
+                  <a:schemeClr val="tx1"/>
+                </a:solidFill>
+                <a:latin typeface="맑은 고딕" charset="0"/>
+                <a:ea typeface="맑은 고딕" charset="0"/>
+              </a:rPr>
+              <a:t>섯 번째 튜토리얼</a:t>
             </a:r>
             <a:endParaRPr lang="ko-KR" altLang="en-US" sz="3000" b="1">
               <a:solidFill>
@@ -11218,168 +11347,16 @@
           </a:p>
         </p:txBody>
       </p:sp>
-      <p:sp>
-        <p:nvSpPr>
-          <p:cNvPr id="1035" name="Rect 0"/>
-          <p:cNvSpPr txBox="1">
-            <a:spLocks/>
-          </p:cNvSpPr>
-          <p:nvPr/>
-        </p:nvSpPr>
-        <p:spPr>
-          <a:xfrm rot="0">
-            <a:off x="1209675" y="1251585"/>
-            <a:ext cx="4146550" cy="924560"/>
-          </a:xfrm>
-          <a:prstGeom prst="rect"/>
-          <a:noFill/>
-          <a:ln w="0">
-            <a:noFill/>
-            <a:prstDash/>
-          </a:ln>
-        </p:spPr>
-        <p:txBody>
-          <a:bodyPr wrap="square" lIns="89535" tIns="46355" rIns="89535" bIns="46355" numCol="1" vert="horz" anchor="t">
-            <a:spAutoFit/>
-          </a:bodyPr>
-          <a:lstStyle/>
-          <a:p>
-            <a:pPr marL="0" indent="0" algn="l" latinLnBrk="0" hangingPunct="1">
-              <a:buFontTx/>
-              <a:buNone/>
-            </a:pPr>
-            <a:r>
-              <a:rPr lang="ko-KR" sz="1800">
-                <a:latin typeface="맑은 고딕" charset="0"/>
-                <a:ea typeface="맑은 고딕" charset="0"/>
-              </a:rPr>
-              <a:t>인보크 반복 함수는 원하는 함수를 일정 시간 후에 일정한 시간 만큼 반복적으로 호출하는 함수입니다.</a:t>
-            </a:r>
-            <a:endParaRPr lang="ko-KR" altLang="en-US" sz="1800">
-              <a:latin typeface="맑은 고딕" charset="0"/>
-              <a:ea typeface="맑은 고딕" charset="0"/>
-            </a:endParaRPr>
-          </a:p>
-        </p:txBody>
-      </p:sp>
-      <p:sp>
-        <p:nvSpPr>
-          <p:cNvPr id="1045" name="Rect 0"/>
-          <p:cNvSpPr txBox="1">
-            <a:spLocks/>
-          </p:cNvSpPr>
-          <p:nvPr/>
-        </p:nvSpPr>
-        <p:spPr>
-          <a:xfrm rot="0">
-            <a:off x="1210310" y="4999355"/>
-            <a:ext cx="4136390" cy="647700"/>
-          </a:xfrm>
-          <a:prstGeom prst="rect"/>
-          <a:noFill/>
-          <a:ln w="0">
-            <a:noFill/>
-            <a:prstDash/>
-          </a:ln>
-        </p:spPr>
-        <p:txBody>
-          <a:bodyPr wrap="square" lIns="89535" tIns="46355" rIns="89535" bIns="46355" numCol="1" vert="horz" anchor="t">
-            <a:spAutoFit/>
-          </a:bodyPr>
-          <a:lstStyle/>
-          <a:p>
-            <a:pPr marL="0" indent="0" algn="l" latinLnBrk="0" hangingPunct="1">
-              <a:buFontTx/>
-              <a:buNone/>
-            </a:pPr>
-            <a:r>
-              <a:rPr lang="ko-KR" sz="1800" b="1">
-                <a:solidFill>
-                  <a:srgbClr val="0611F2"/>
-                </a:solidFill>
-                <a:latin typeface="맑은 고딕" charset="0"/>
-                <a:ea typeface="맑은 고딕" charset="0"/>
-              </a:rPr>
-              <a:t>11.</a:t>
-            </a:r>
-            <a:r>
-              <a:rPr lang="ko-KR" sz="1800">
-                <a:latin typeface="맑은 고딕" charset="0"/>
-                <a:ea typeface="맑은 고딕" charset="0"/>
-              </a:rPr>
-              <a:t> 빈 게임 오브젝트를 생성하여 원하는 위치를 설정합니다.</a:t>
-            </a:r>
-            <a:endParaRPr lang="ko-KR" altLang="en-US" sz="1800">
-              <a:latin typeface="맑은 고딕" charset="0"/>
-              <a:ea typeface="맑은 고딕" charset="0"/>
-            </a:endParaRPr>
-          </a:p>
-        </p:txBody>
-      </p:sp>
-      <p:sp>
-        <p:nvSpPr>
-          <p:cNvPr id="1076" name="Rect 0"/>
-          <p:cNvSpPr txBox="1">
-            <a:spLocks/>
-          </p:cNvSpPr>
-          <p:nvPr/>
-        </p:nvSpPr>
-        <p:spPr>
-          <a:xfrm rot="0">
-            <a:off x="6794500" y="2280285"/>
-            <a:ext cx="4446905" cy="924560"/>
-          </a:xfrm>
-          <a:prstGeom prst="rect"/>
-          <a:noFill/>
-          <a:ln w="0">
-            <a:noFill/>
-            <a:prstDash/>
-          </a:ln>
-        </p:spPr>
-        <p:txBody>
-          <a:bodyPr wrap="square" lIns="89535" tIns="46355" rIns="89535" bIns="46355" numCol="1" vert="horz" anchor="t">
-            <a:spAutoFit/>
-          </a:bodyPr>
-          <a:lstStyle/>
-          <a:p>
-            <a:pPr marL="0" indent="0" algn="l" latinLnBrk="0" hangingPunct="1">
-              <a:buFontTx/>
-              <a:buNone/>
-            </a:pPr>
-            <a:r>
-              <a:rPr lang="ko-KR" sz="1800" b="1">
-                <a:solidFill>
-                  <a:srgbClr val="0611F2"/>
-                </a:solidFill>
-                <a:latin typeface="맑은 고딕" charset="0"/>
-                <a:ea typeface="맑은 고딕" charset="0"/>
-              </a:rPr>
-              <a:t>12.</a:t>
-            </a:r>
-            <a:r>
-              <a:rPr lang="ko-KR" sz="1800">
-                <a:latin typeface="맑은 고딕" charset="0"/>
-                <a:ea typeface="맑은 고딕" charset="0"/>
-              </a:rPr>
-              <a:t> 그다음 빈 게임 오브젝트(target)가 랜덤으로 X축과 Z축을 이동할 수 있도록 설정합니다.</a:t>
-            </a:r>
-            <a:endParaRPr lang="ko-KR" altLang="en-US" sz="1800">
-              <a:latin typeface="맑은 고딕" charset="0"/>
-              <a:ea typeface="맑은 고딕" charset="0"/>
-            </a:endParaRPr>
-          </a:p>
-        </p:txBody>
-      </p:sp>
       <p:pic>
         <p:nvPicPr>
-          <p:cNvPr id="1078" name="Picture "/>
+          <p:cNvPr id="1046" name="그림 61" descr="C:/Users/Admin1/AppData/Roaming/PolarisOffice/ETemp/17076_14861856/fImage75183451942.png"/>
           <p:cNvPicPr>
             <a:picLocks noChangeAspect="1"/>
           </p:cNvPicPr>
           <p:nvPr/>
         </p:nvPicPr>
         <p:blipFill rotWithShape="1">
-          <a:blip r:embed="rId3" cstate="print">
+          <a:blip r:embed="rId29" cstate="print">
             <a:extLst>
               <a:ext uri="{28A0092B-C50C-407E-A947-70E740481C1C}">
                 <a14:useLocalDpi xmlns:a14="http://schemas.microsoft.com/office/drawing/2010/main" val="0"/>
@@ -11392,23 +11369,141 @@
         </p:blipFill>
         <p:spPr>
           <a:xfrm rot="0">
-            <a:off x="6805295" y="1246505"/>
-            <a:ext cx="4413885" cy="902335"/>
+            <a:off x="1301750" y="1513205"/>
+            <a:ext cx="4075430" cy="2254885"/>
           </a:xfrm>
           <a:prstGeom prst="rect"/>
           <a:noFill/>
         </p:spPr>
       </p:pic>
+      <p:sp>
+        <p:nvSpPr>
+          <p:cNvPr id="1047" name="텍스트 상자 63"/>
+          <p:cNvSpPr txBox="1">
+            <a:spLocks/>
+          </p:cNvSpPr>
+          <p:nvPr/>
+        </p:nvSpPr>
+        <p:spPr>
+          <a:xfrm rot="0">
+            <a:off x="1286510" y="3870960"/>
+            <a:ext cx="4094480" cy="2338705"/>
+          </a:xfrm>
+          <a:prstGeom prst="rect"/>
+          <a:noFill/>
+          <a:ln w="0">
+            <a:noFill/>
+            <a:prstDash/>
+          </a:ln>
+        </p:spPr>
+        <p:txBody>
+          <a:bodyPr wrap="square" lIns="89535" tIns="46355" rIns="89535" bIns="46355" vert="horz" anchor="t">
+            <a:spAutoFit/>
+          </a:bodyPr>
+          <a:lstStyle/>
+          <a:p>
+            <a:pPr marL="0" indent="0" rtl="0" algn="l" defTabSz="914400" eaLnBrk="1" latinLnBrk="0" hangingPunct="1">
+              <a:buFontTx/>
+              <a:buNone/>
+            </a:pPr>
+            <a:r>
+              <a:rPr lang="ko-KR" sz="2000" b="1">
+                <a:solidFill>
+                  <a:srgbClr val="0611F2"/>
+                </a:solidFill>
+                <a:latin typeface="맑은 고딕" charset="0"/>
+                <a:ea typeface="맑은 고딕" charset="0"/>
+              </a:rPr>
+              <a:t>11</a:t>
+            </a:r>
+            <a:r>
+              <a:rPr sz="2000" b="1">
+                <a:solidFill>
+                  <a:srgbClr val="0611F2"/>
+                </a:solidFill>
+                <a:latin typeface="맑은 고딕" charset="0"/>
+                <a:ea typeface="맑은 고딕" charset="0"/>
+              </a:rPr>
+              <a:t>. </a:t>
+            </a:r>
+            <a:r>
+              <a:rPr lang="ko-KR" sz="1800">
+                <a:latin typeface="맑은 고딕" charset="0"/>
+                <a:ea typeface="맑은 고딕" charset="0"/>
+              </a:rPr>
+              <a:t>이제 ChangeSprite( ) 함수를 선언합니다.</a:t>
+            </a:r>
+            <a:endParaRPr lang="ko-KR" altLang="en-US" sz="1800">
+              <a:latin typeface="맑은 고딕" charset="0"/>
+              <a:ea typeface="맑은 고딕" charset="0"/>
+            </a:endParaRPr>
+          </a:p>
+          <a:p>
+            <a:pPr marL="0" indent="0" rtl="0" algn="l" defTabSz="914400" eaLnBrk="1" latinLnBrk="0" hangingPunct="1">
+              <a:buFontTx/>
+              <a:buNone/>
+            </a:pPr>
+            <a:endParaRPr lang="ko-KR" altLang="en-US" sz="1800">
+              <a:latin typeface="맑은 고딕" charset="0"/>
+              <a:ea typeface="맑은 고딕" charset="0"/>
+            </a:endParaRPr>
+          </a:p>
+          <a:p>
+            <a:pPr marL="0" indent="0" rtl="0" algn="l" defTabSz="914400" eaLnBrk="1" latinLnBrk="0" hangingPunct="1">
+              <a:buFontTx/>
+              <a:buNone/>
+            </a:pPr>
+            <a:r>
+              <a:rPr lang="ko-KR" sz="1800">
+                <a:latin typeface="맑은 고딕" charset="0"/>
+                <a:ea typeface="맑은 고딕" charset="0"/>
+              </a:rPr>
+              <a:t>그런 다음 조건문으로 0~3 사이의 랜덤한 값을 받도록 설정합니다.</a:t>
+            </a:r>
+            <a:endParaRPr lang="ko-KR" altLang="en-US" sz="1800">
+              <a:latin typeface="맑은 고딕" charset="0"/>
+              <a:ea typeface="맑은 고딕" charset="0"/>
+            </a:endParaRPr>
+          </a:p>
+          <a:p>
+            <a:pPr marL="0" indent="0" rtl="0" algn="l" defTabSz="914400" eaLnBrk="1" latinLnBrk="0" hangingPunct="1">
+              <a:buFontTx/>
+              <a:buNone/>
+            </a:pPr>
+            <a:endParaRPr lang="ko-KR" altLang="en-US" sz="1800">
+              <a:latin typeface="맑은 고딕" charset="0"/>
+              <a:ea typeface="맑은 고딕" charset="0"/>
+            </a:endParaRPr>
+          </a:p>
+          <a:p>
+            <a:pPr marL="0" indent="0" rtl="0" algn="l" defTabSz="914400" eaLnBrk="1" latinLnBrk="0" hangingPunct="1">
+              <a:buFontTx/>
+              <a:buNone/>
+            </a:pPr>
+            <a:r>
+              <a:rPr lang="ko-KR" sz="1800">
+                <a:latin typeface="맑은 고딕" charset="0"/>
+                <a:ea typeface="맑은 고딕" charset="0"/>
+              </a:rPr>
+              <a:t>그리고 랜덤한 값에 따라 이미지에 각각의 스프라이트를 넣어줍니다.</a:t>
+            </a:r>
+            <a:endParaRPr lang="ko-KR" altLang="en-US" sz="1800">
+              <a:latin typeface="맑은 고딕" charset="0"/>
+              <a:ea typeface="맑은 고딕" charset="0"/>
+            </a:endParaRPr>
+          </a:p>
+        </p:txBody>
+      </p:sp>
       <p:pic>
         <p:nvPicPr>
-          <p:cNvPr id="1079" name="Picture "/>
+          <p:cNvPr id="1048" name="그림 103" descr="C:/Users/Admin1/AppData/Roaming/PolarisOffice/ETemp/17076_14861856/fImage163173934827.png"/>
           <p:cNvPicPr>
             <a:picLocks noChangeAspect="1"/>
           </p:cNvPicPr>
           <p:nvPr/>
         </p:nvPicPr>
         <p:blipFill rotWithShape="1">
-          <a:blip r:embed="rId4" cstate="print">
+          <a:blip r:embed="rId30" cstate="print">
             <a:extLst>
               <a:ext uri="{28A0092B-C50C-407E-A947-70E740481C1C}">
                 <a14:useLocalDpi xmlns:a14="http://schemas.microsoft.com/office/drawing/2010/main" val="0"/>
@@ -11421,8 +11516,8 @@
         </p:blipFill>
         <p:spPr>
           <a:xfrm rot="0">
-            <a:off x="1200785" y="2317115"/>
-            <a:ext cx="4144010" cy="2562225"/>
+            <a:off x="6826250" y="1512570"/>
+            <a:ext cx="4180840" cy="2202815"/>
           </a:xfrm>
           <a:prstGeom prst="roundRect"/>
           <a:solidFill>
@@ -11432,14 +11527,14 @@
       </p:pic>
       <p:pic>
         <p:nvPicPr>
-          <p:cNvPr id="1080" name="그림 7"/>
+          <p:cNvPr id="1049" name="그림 106" descr="C:/Users/Admin1/AppData/Roaming/PolarisOffice/ETemp/17076_14861856/fImage333103945436.png"/>
           <p:cNvPicPr>
             <a:picLocks noChangeAspect="1"/>
           </p:cNvPicPr>
           <p:nvPr/>
         </p:nvPicPr>
         <p:blipFill rotWithShape="1">
-          <a:blip r:embed="rId5" cstate="print">
+          <a:blip r:embed="rId31" cstate="print">
             <a:extLst>
               <a:ext uri="{28A0092B-C50C-407E-A947-70E740481C1C}">
                 <a14:useLocalDpi xmlns:a14="http://schemas.microsoft.com/office/drawing/2010/main" val="0"/>
@@ -11452,16 +11547,51 @@
         </p:blipFill>
         <p:spPr>
           <a:xfrm rot="0">
-            <a:off x="6794500" y="3280410"/>
-            <a:ext cx="4403090" cy="1122680"/>
-          </a:xfrm>
-          <a:prstGeom prst="rect"/>
-          <a:noFill/>
+            <a:off x="6821170" y="3894455"/>
+            <a:ext cx="4175760" cy="1238885"/>
+          </a:xfrm>
+          <a:prstGeom prst="roundRect"/>
+          <a:solidFill>
+            <a:srgbClr val="EDEDED"/>
+          </a:solidFill>
         </p:spPr>
       </p:pic>
-      <p:sp>
-        <p:nvSpPr>
-          <p:cNvPr id="1081" name="텍스트 상자 8"/>
+      <p:cxnSp>
+        <p:nvCxnSpPr>
+          <p:cNvPr id="1050" name="도형 110"/>
+          <p:cNvCxnSpPr/>
+          <p:nvPr/>
+        </p:nvCxnSpPr>
+        <p:spPr>
+          <a:xfrm rot="0" flipV="1">
+            <a:off x="8509000" y="1873250"/>
+            <a:ext cx="2392680" cy="2297430"/>
+          </a:xfrm>
+          <a:prstGeom prst="straightConnector1"/>
+          <a:ln w="6350" cap="flat" cmpd="sng">
+            <a:prstDash/>
+            <a:headEnd type="none" w="med" len="med"/>
+            <a:tailEnd type="triangle" w="med" len="med"/>
+          </a:ln>
+        </p:spPr>
+        <p:style>
+          <a:lnRef idx="1">
+            <a:schemeClr val="accent1"/>
+          </a:lnRef>
+          <a:fillRef idx="0">
+            <a:schemeClr val="accent1"/>
+          </a:fillRef>
+          <a:effectRef idx="0">
+            <a:schemeClr val="accent1"/>
+          </a:effectRef>
+          <a:fontRef idx="minor">
+            <a:schemeClr val="tx1"/>
+          </a:fontRef>
+        </p:style>
+      </p:cxnSp>
+      <p:sp>
+        <p:nvSpPr>
+          <p:cNvPr id="1051" name="텍스트 상자 111"/>
           <p:cNvSpPr txBox="1">
             <a:spLocks/>
           </p:cNvSpPr>
@@ -11469,8 +11599,8 @@
         </p:nvSpPr>
         <p:spPr>
           <a:xfrm rot="0">
-            <a:off x="6794500" y="4447540"/>
-            <a:ext cx="4412615" cy="1201420"/>
+            <a:off x="6829425" y="5254625"/>
+            <a:ext cx="4178300" cy="954405"/>
           </a:xfrm>
           <a:prstGeom prst="rect"/>
           <a:noFill/>
@@ -11480,31 +11610,41 @@
           </a:ln>
         </p:spPr>
         <p:txBody>
-          <a:bodyPr wrap="square" lIns="89535" tIns="46355" rIns="89535" bIns="46355" numCol="1" vert="horz" anchor="t">
+          <a:bodyPr wrap="square" lIns="89535" tIns="46355" rIns="89535" bIns="46355" vert="horz" anchor="t">
             <a:spAutoFit/>
           </a:bodyPr>
           <a:lstStyle/>
           <a:p>
-            <a:pPr marL="0" indent="0" algn="l" latinLnBrk="0" hangingPunct="1">
-              <a:buFontTx/>
-              <a:buNone/>
-            </a:pPr>
-            <a:r>
-              <a:rPr lang="ko-KR" sz="1800" b="1">
+            <a:pPr marL="0" indent="0" rtl="0" algn="l" defTabSz="914400" eaLnBrk="1" latinLnBrk="0" hangingPunct="1">
+              <a:buFontTx/>
+              <a:buNone/>
+            </a:pPr>
+            <a:r>
+              <a:rPr lang="ko-KR" sz="2000" b="1">
                 <a:solidFill>
                   <a:srgbClr val="0611F2"/>
                 </a:solidFill>
                 <a:latin typeface="맑은 고딕" charset="0"/>
                 <a:ea typeface="맑은 고딕" charset="0"/>
               </a:rPr>
-              <a:t>13.</a:t>
+              <a:t>12</a:t>
+            </a:r>
+            <a:r>
+              <a:rPr sz="2000" b="1">
+                <a:solidFill>
+                  <a:srgbClr val="0611F2"/>
+                </a:solidFill>
+                <a:latin typeface="맑은 고딕" charset="0"/>
+                <a:ea typeface="맑은 고딕" charset="0"/>
+              </a:rPr>
+              <a:t>. </a:t>
             </a:r>
             <a:r>
               <a:rPr lang="ko-KR" sz="1800">
                 <a:latin typeface="맑은 고딕" charset="0"/>
                 <a:ea typeface="맑은 고딕" charset="0"/>
               </a:rPr>
-              <a:t> 그리고 Start( )함수에서 특정한 시간이 지난 후 반복적으로 빈 게임 오브젝트(target)가 이동할 수 있도록 설정하였습니다.</a:t>
+              <a:t>그다음으로 Project 폴더에 있는 Texture에 Pause 텍스처를 선택하고 Pause Button 이미지에 넣어줍니다.</a:t>
             </a:r>
             <a:endParaRPr lang="ko-KR" altLang="en-US" sz="1800">
               <a:latin typeface="맑은 고딕" charset="0"/>
@@ -11537,7 +11677,7 @@
 </file>
 
 <file path=ppt/slides/slide6.xml><?xml version="1.0" encoding="utf-8"?>
-<p:sld xmlns:a="http://schemas.openxmlformats.org/drawingml/2006/main" xmlns:r="http://schemas.openxmlformats.org/officeDocument/2006/relationships" xmlns:p="http://schemas.openxmlformats.org/presentationml/2006/main" xmlns:p14="http://schemas.microsoft.com/office/powerpoint/2010/main">
+<p:sld xmlns:a="http://schemas.openxmlformats.org/drawingml/2006/main" xmlns:r="http://schemas.openxmlformats.org/officeDocument/2006/relationships" xmlns:p="http://schemas.openxmlformats.org/presentationml/2006/main">
   <p:cSld>
     <p:spTree>
       <p:nvGrpSpPr>
@@ -11563,8 +11703,8 @@
         </p:nvSpPr>
         <p:spPr>
           <a:xfrm rot="0">
-            <a:off x="8501380" y="9525"/>
-            <a:ext cx="2596515" cy="555625"/>
+            <a:off x="4333240" y="476250"/>
+            <a:ext cx="3541395" cy="554990"/>
           </a:xfrm>
           <a:prstGeom prst="rect"/>
           <a:noFill/>
@@ -11579,19 +11719,19 @@
           </a:bodyPr>
           <a:lstStyle/>
           <a:p>
-            <a:pPr marL="0" indent="0" algn="ctr" latinLnBrk="0">
-              <a:buFontTx/>
-              <a:buNone/>
-            </a:pPr>
-            <a:r>
-              <a:rPr lang="ko-KR" altLang="en-US" sz="3000" b="1">
+            <a:pPr marL="0" indent="0" algn="l" latinLnBrk="0">
+              <a:buFontTx/>
+              <a:buNone/>
+            </a:pPr>
+            <a:r>
+              <a:rPr lang="ko-KR" sz="3000" b="1">
                 <a:solidFill>
                   <a:schemeClr val="tx1"/>
                 </a:solidFill>
                 <a:latin typeface="맑은 고딕" charset="0"/>
                 <a:ea typeface="맑은 고딕" charset="0"/>
               </a:rPr>
-              <a:t>CancelInvoke</a:t>
+              <a:t>여섯 번째 튜토리얼</a:t>
             </a:r>
             <a:endParaRPr lang="ko-KR" altLang="en-US" sz="3000" b="1">
               <a:solidFill>
@@ -11605,7 +11745,7 @@
       </p:sp>
       <p:sp>
         <p:nvSpPr>
-          <p:cNvPr id="1035" name="Rect 0"/>
+          <p:cNvPr id="1044" name="Rect 0"/>
           <p:cNvSpPr txBox="1">
             <a:spLocks/>
           </p:cNvSpPr>
@@ -11613,8 +11753,8 @@
         </p:nvSpPr>
         <p:spPr>
           <a:xfrm rot="0">
-            <a:off x="1209675" y="1251585"/>
-            <a:ext cx="4147185" cy="647700"/>
+            <a:off x="6833235" y="4087495"/>
+            <a:ext cx="4216400" cy="2061845"/>
           </a:xfrm>
           <a:prstGeom prst="rect"/>
           <a:noFill/>
@@ -11629,27 +11769,84 @@
           </a:bodyPr>
           <a:lstStyle/>
           <a:p>
-            <a:pPr marL="0" indent="0" algn="l" latinLnBrk="0" hangingPunct="1">
-              <a:buFontTx/>
-              <a:buNone/>
-            </a:pPr>
+            <a:pPr marL="0" indent="0" rtl="0" algn="l" defTabSz="914400" eaLnBrk="1" latinLnBrk="0" hangingPunct="1">
+              <a:buFontTx/>
+              <a:buNone/>
+            </a:pPr>
+            <a:r>
+              <a:rPr lang="ko-KR" sz="2000" b="1">
+                <a:solidFill>
+                  <a:srgbClr val="0611F2"/>
+                </a:solidFill>
+                <a:latin typeface="맑은 고딕" charset="0"/>
+                <a:ea typeface="맑은 고딕" charset="0"/>
+              </a:rPr>
+              <a:t>14</a:t>
+            </a:r>
+            <a:r>
+              <a:rPr sz="2000" b="1">
+                <a:solidFill>
+                  <a:srgbClr val="0611F2"/>
+                </a:solidFill>
+                <a:latin typeface="맑은 고딕" charset="0"/>
+                <a:ea typeface="맑은 고딕" charset="0"/>
+              </a:rPr>
+              <a:t>.</a:t>
+            </a:r>
+            <a:r>
+              <a:rPr sz="2000" b="1">
+                <a:solidFill>
+                  <a:srgbClr val="0611F2"/>
+                </a:solidFill>
+                <a:latin typeface="맑은 고딕" charset="0"/>
+                <a:ea typeface="맑은 고딕" charset="0"/>
+              </a:rPr>
+              <a:t> </a:t>
+            </a:r>
             <a:r>
               <a:rPr lang="ko-KR" sz="1800">
                 <a:latin typeface="맑은 고딕" charset="0"/>
                 <a:ea typeface="맑은 고딕" charset="0"/>
               </a:rPr>
-              <a:t>인보크 취소 함수는 실행 중인 특정한 인보크 함수를 중지하는 함수입니다.</a:t>
+              <a:t>이제 Update( )함수에서 timer 변수의 값에 프레임이 완료되는 시간을 계속 더해줍니다.</a:t>
             </a:r>
             <a:endParaRPr lang="ko-KR" altLang="en-US" sz="1800">
               <a:latin typeface="맑은 고딕" charset="0"/>
               <a:ea typeface="맑은 고딕" charset="0"/>
             </a:endParaRPr>
           </a:p>
-        </p:txBody>
-      </p:sp>
-      <p:sp>
-        <p:nvSpPr>
-          <p:cNvPr id="1045" name="Rect 0"/>
+          <a:p>
+            <a:pPr marL="0" indent="0" rtl="0" algn="l" defTabSz="914400" eaLnBrk="1" latinLnBrk="0" hangingPunct="1">
+              <a:buFontTx/>
+              <a:buNone/>
+            </a:pPr>
+            <a:endParaRPr lang="ko-KR" altLang="en-US" sz="1800">
+              <a:latin typeface="맑은 고딕" charset="0"/>
+              <a:ea typeface="맑은 고딕" charset="0"/>
+            </a:endParaRPr>
+          </a:p>
+          <a:p>
+            <a:pPr marL="0" indent="0" rtl="0" algn="l" defTabSz="914400" eaLnBrk="1" latinLnBrk="0" hangingPunct="1">
+              <a:buFontTx/>
+              <a:buNone/>
+            </a:pPr>
+            <a:r>
+              <a:rPr lang="ko-KR" sz="1800">
+                <a:latin typeface="맑은 고딕" charset="0"/>
+                <a:ea typeface="맑은 고딕" charset="0"/>
+              </a:rPr>
+              <a:t>그런 다음 5.0 보다 값이 커지면 인보크 함수를 실행시키고 timer 변수의 값을 0으로 초기화합니다.</a:t>
+            </a:r>
+            <a:endParaRPr lang="ko-KR" altLang="en-US" sz="1800">
+              <a:latin typeface="맑은 고딕" charset="0"/>
+              <a:ea typeface="맑은 고딕" charset="0"/>
+            </a:endParaRPr>
+          </a:p>
+        </p:txBody>
+      </p:sp>
+      <p:sp>
+        <p:nvSpPr>
+          <p:cNvPr id="1047" name="Rect 0"/>
           <p:cNvSpPr txBox="1">
             <a:spLocks/>
           </p:cNvSpPr>
@@ -11657,8 +11854,8 @@
         </p:nvSpPr>
         <p:spPr>
           <a:xfrm rot="0">
-            <a:off x="1219835" y="3256280"/>
-            <a:ext cx="4135120" cy="2308860"/>
+            <a:off x="1290955" y="4367530"/>
+            <a:ext cx="4096385" cy="1784985"/>
           </a:xfrm>
           <a:prstGeom prst="rect"/>
           <a:noFill/>
@@ -11668,21 +11865,41 @@
           </a:ln>
         </p:spPr>
         <p:txBody>
-          <a:bodyPr wrap="square" lIns="89535" tIns="46355" rIns="89535" bIns="46355" numCol="1" vert="horz" anchor="t">
+          <a:bodyPr wrap="square" lIns="89535" tIns="46355" rIns="89535" bIns="46355" vert="horz" anchor="t">
             <a:spAutoFit/>
           </a:bodyPr>
           <a:lstStyle/>
           <a:p>
-            <a:pPr marL="0" indent="0" algn="l" latinLnBrk="0" hangingPunct="1">
-              <a:buFontTx/>
-              <a:buNone/>
-            </a:pPr>
+            <a:pPr marL="0" indent="0" rtl="0" algn="l" defTabSz="914400" eaLnBrk="1" latinLnBrk="0" hangingPunct="1">
+              <a:buFontTx/>
+              <a:buNone/>
+            </a:pPr>
+            <a:r>
+              <a:rPr lang="ko-KR" sz="2000" b="1">
+                <a:solidFill>
+                  <a:srgbClr val="0611F2"/>
+                </a:solidFill>
+                <a:latin typeface="맑은 고딕" charset="0"/>
+                <a:ea typeface="맑은 고딕" charset="0"/>
+              </a:rPr>
+              <a:t>13</a:t>
+            </a:r>
+            <a:r>
+              <a:rPr sz="2000" b="1">
+                <a:solidFill>
+                  <a:srgbClr val="0611F2"/>
+                </a:solidFill>
+                <a:latin typeface="맑은 고딕" charset="0"/>
+                <a:ea typeface="맑은 고딕" charset="0"/>
+              </a:rPr>
+              <a:t>. </a:t>
+            </a:r>
             <a:r>
               <a:rPr lang="ko-KR" sz="1800">
                 <a:latin typeface="맑은 고딕" charset="0"/>
                 <a:ea typeface="맑은 고딕" charset="0"/>
               </a:rPr>
-              <a:t>스페이스 키를 누르는 순간 반복적으로 호출되는 인보크 함수가 더 이상 반복되지 않고 중지됩니다.</a:t>
+              <a:t>그다음 Position( )함수를 선언합니다.</a:t>
             </a:r>
             <a:endParaRPr lang="ko-KR" altLang="en-US" sz="1800">
               <a:latin typeface="맑은 고딕" charset="0"/>
@@ -11690,7 +11907,7 @@
             </a:endParaRPr>
           </a:p>
           <a:p>
-            <a:pPr marL="0" indent="0" algn="l" latinLnBrk="0" hangingPunct="1">
+            <a:pPr marL="0" indent="0" rtl="0" algn="l" defTabSz="914400" eaLnBrk="1" latinLnBrk="0" hangingPunct="1">
               <a:buFontTx/>
               <a:buNone/>
             </a:pPr>
@@ -11700,7 +11917,7 @@
             </a:endParaRPr>
           </a:p>
           <a:p>
-            <a:pPr marL="0" indent="0" algn="l" latinLnBrk="0" hangingPunct="1">
+            <a:pPr marL="0" indent="0" rtl="0" algn="l" defTabSz="914400" eaLnBrk="1" latinLnBrk="0" hangingPunct="1">
               <a:buFontTx/>
               <a:buNone/>
             </a:pPr>
@@ -11709,7 +11926,7 @@
                 <a:latin typeface="맑은 고딕" charset="0"/>
                 <a:ea typeface="맑은 고딕" charset="0"/>
               </a:rPr>
-              <a:t>만약 인보크 함수의 매개변수에 아무 값도 넣지 않고 호출하게 되면 인보크 함수로 되어 있는 전체 인보크 함수가 동작을 정지합니다.</a:t>
+              <a:t>그리고 자신의 X 좌표와 Z 좌표를 -2.5 ~ 2.5 사이의 랜덤한 값으로 받도록 설정합니다.</a:t>
             </a:r>
             <a:endParaRPr lang="ko-KR" altLang="en-US" sz="1800">
               <a:latin typeface="맑은 고딕" charset="0"/>
@@ -11720,7 +11937,38 @@
       </p:sp>
       <p:pic>
         <p:nvPicPr>
-          <p:cNvPr id="1082" name="그림 14"/>
+          <p:cNvPr id="1048" name="그림 68" descr="C:/Users/Admin1/AppData/Roaming/PolarisOffice/ETemp/17076_14861856/fImage45123572391.png"/>
+          <p:cNvPicPr>
+            <a:picLocks noChangeAspect="1"/>
+          </p:cNvPicPr>
+          <p:nvPr/>
+        </p:nvPicPr>
+        <p:blipFill rotWithShape="1">
+          <a:blip r:embed="rId2" cstate="print">
+            <a:extLst>
+              <a:ext uri="{28A0092B-C50C-407E-A947-70E740481C1C}">
+                <a14:useLocalDpi xmlns:a14="http://schemas.microsoft.com/office/drawing/2010/main" val="0"/>
+              </a:ext>
+            </a:extLst>
+          </a:blip>
+          <a:stretch>
+            <a:fillRect/>
+          </a:stretch>
+        </p:blipFill>
+        <p:spPr>
+          <a:xfrm rot="0">
+            <a:off x="1290955" y="1498600"/>
+            <a:ext cx="4107180" cy="2767330"/>
+          </a:xfrm>
+          <a:prstGeom prst="roundRect"/>
+          <a:solidFill>
+            <a:srgbClr val="EDEDED"/>
+          </a:solidFill>
+        </p:spPr>
+      </p:pic>
+      <p:pic>
+        <p:nvPicPr>
+          <p:cNvPr id="1049" name="그림 72" descr="C:/Users/Admin1/AppData/Roaming/PolarisOffice/ETemp/17076_14861856/fImage56073604604.png"/>
           <p:cNvPicPr>
             <a:picLocks noChangeAspect="1"/>
           </p:cNvPicPr>
@@ -11740,140 +11988,13 @@
         </p:blipFill>
         <p:spPr>
           <a:xfrm rot="0">
-            <a:off x="1209675" y="2076450"/>
-            <a:ext cx="4144010" cy="1105535"/>
-          </a:xfrm>
-          <a:prstGeom prst="rect"/>
-          <a:noFill/>
-        </p:spPr>
-      </p:pic>
-      <p:sp>
-        <p:nvSpPr>
-          <p:cNvPr id="1083" name="텍스트 상자 2"/>
-          <p:cNvSpPr txBox="1">
-            <a:spLocks/>
-          </p:cNvSpPr>
-          <p:nvPr/>
-        </p:nvSpPr>
-        <p:spPr>
-          <a:xfrm rot="0">
-            <a:off x="6869430" y="3539490"/>
-            <a:ext cx="4135755" cy="2032000"/>
-          </a:xfrm>
-          <a:prstGeom prst="rect"/>
-          <a:noFill/>
-          <a:ln w="0">
-            <a:noFill/>
-            <a:prstDash/>
-          </a:ln>
-        </p:spPr>
-        <p:txBody>
-          <a:bodyPr wrap="square" lIns="89535" tIns="46355" rIns="89535" bIns="46355" numCol="1" vert="horz" anchor="t">
-            <a:spAutoFit/>
-          </a:bodyPr>
-          <a:lstStyle/>
-          <a:p>
-            <a:pPr marL="0" indent="0" algn="l" latinLnBrk="0" hangingPunct="1">
-              <a:buFontTx/>
-              <a:buNone/>
-            </a:pPr>
-            <a:r>
-              <a:rPr lang="ko-KR" sz="1800">
-                <a:latin typeface="맑은 고딕" charset="0"/>
-                <a:ea typeface="맑은 고딕" charset="0"/>
-              </a:rPr>
-              <a:t>반복적으로 호출되는 인보크 함수는 스크립트를 비활성화했을 때도 동작합니다.</a:t>
-            </a:r>
-            <a:endParaRPr lang="ko-KR" altLang="en-US" sz="1800">
-              <a:latin typeface="맑은 고딕" charset="0"/>
-              <a:ea typeface="맑은 고딕" charset="0"/>
-            </a:endParaRPr>
-          </a:p>
-          <a:p>
-            <a:pPr marL="0" indent="0" algn="l" latinLnBrk="0" hangingPunct="1">
-              <a:buFontTx/>
-              <a:buNone/>
-            </a:pPr>
-            <a:endParaRPr lang="ko-KR" altLang="en-US" sz="1800">
-              <a:latin typeface="맑은 고딕" charset="0"/>
-              <a:ea typeface="맑은 고딕" charset="0"/>
-            </a:endParaRPr>
-          </a:p>
-          <a:p>
-            <a:pPr marL="0" indent="0" algn="l" latinLnBrk="0" hangingPunct="1">
-              <a:buFontTx/>
-              <a:buNone/>
-            </a:pPr>
-            <a:r>
-              <a:rPr lang="ko-KR" sz="1800">
-                <a:latin typeface="맑은 고딕" charset="0"/>
-                <a:ea typeface="맑은 고딕" charset="0"/>
-              </a:rPr>
-              <a:t>그러므로 인보크 함수의 경우 CancleInvoke를 통해 강제적으로 중지시켜야 합니다.</a:t>
-            </a:r>
-            <a:endParaRPr lang="ko-KR" altLang="en-US" sz="1800">
-              <a:latin typeface="맑은 고딕" charset="0"/>
-              <a:ea typeface="맑은 고딕" charset="0"/>
-            </a:endParaRPr>
-          </a:p>
-        </p:txBody>
-      </p:sp>
-      <p:pic>
-        <p:nvPicPr>
-          <p:cNvPr id="1084" name="그림 3"/>
-          <p:cNvPicPr>
-            <a:picLocks noChangeAspect="1"/>
-          </p:cNvPicPr>
-          <p:nvPr/>
-        </p:nvPicPr>
-        <p:blipFill rotWithShape="1">
-          <a:blip r:embed="rId5" cstate="print">
-            <a:extLst>
-              <a:ext uri="{28A0092B-C50C-407E-A947-70E740481C1C}">
-                <a14:useLocalDpi xmlns:a14="http://schemas.microsoft.com/office/drawing/2010/main" val="0"/>
-              </a:ext>
-            </a:extLst>
-          </a:blip>
-          <a:stretch>
-            <a:fillRect/>
-          </a:stretch>
-        </p:blipFill>
-        <p:spPr>
-          <a:xfrm rot="0">
-            <a:off x="6852920" y="1247775"/>
-            <a:ext cx="4154170" cy="1419860"/>
-          </a:xfrm>
-          <a:prstGeom prst="rect"/>
-          <a:noFill/>
-        </p:spPr>
-      </p:pic>
-      <p:pic>
-        <p:nvPicPr>
-          <p:cNvPr id="1085" name="그림 4"/>
-          <p:cNvPicPr>
-            <a:picLocks noChangeAspect="1"/>
-          </p:cNvPicPr>
-          <p:nvPr/>
-        </p:nvPicPr>
-        <p:blipFill rotWithShape="1">
-          <a:blip r:embed="rId6" cstate="print">
-            <a:extLst>
-              <a:ext uri="{28A0092B-C50C-407E-A947-70E740481C1C}">
-                <a14:useLocalDpi xmlns:a14="http://schemas.microsoft.com/office/drawing/2010/main" val="0"/>
-              </a:ext>
-            </a:extLst>
-          </a:blip>
-          <a:stretch>
-            <a:fillRect/>
-          </a:stretch>
-        </p:blipFill>
-        <p:spPr>
-          <a:xfrm rot="0">
-            <a:off x="6849745" y="2741930"/>
-            <a:ext cx="4157345" cy="667385"/>
-          </a:xfrm>
-          <a:prstGeom prst="rect"/>
-          <a:noFill/>
+            <a:off x="6837045" y="1501140"/>
+            <a:ext cx="4212590" cy="2489200"/>
+          </a:xfrm>
+          <a:prstGeom prst="roundRect"/>
+          <a:solidFill>
+            <a:srgbClr val="EDEDED"/>
+          </a:solidFill>
         </p:spPr>
       </p:pic>
     </p:spTree>
@@ -11900,7 +12021,7 @@
 </file>
 
 <file path=ppt/slides/slide7.xml><?xml version="1.0" encoding="utf-8"?>
-<p:sld xmlns:a="http://schemas.openxmlformats.org/drawingml/2006/main" xmlns:r="http://schemas.openxmlformats.org/officeDocument/2006/relationships" xmlns:p="http://schemas.openxmlformats.org/presentationml/2006/main" xmlns:p14="http://schemas.microsoft.com/office/powerpoint/2010/main">
+<p:sld xmlns:a="http://schemas.openxmlformats.org/drawingml/2006/main" xmlns:r="http://schemas.openxmlformats.org/officeDocument/2006/relationships" xmlns:p="http://schemas.openxmlformats.org/presentationml/2006/main">
   <p:cSld>
     <p:spTree>
       <p:nvGrpSpPr>
@@ -11918,7 +12039,7 @@
       </p:grpSpPr>
       <p:sp>
         <p:nvSpPr>
-          <p:cNvPr id="4" name="텍스트 상자 25"/>
+          <p:cNvPr id="1031" name="Rect 0"/>
           <p:cNvSpPr txBox="1">
             <a:spLocks/>
           </p:cNvSpPr>
@@ -11926,8 +12047,8 @@
         </p:nvSpPr>
         <p:spPr>
           <a:xfrm rot="0">
-            <a:off x="1125855" y="4479290"/>
-            <a:ext cx="4244975" cy="1201420"/>
+            <a:off x="4333240" y="476250"/>
+            <a:ext cx="3541395" cy="554990"/>
           </a:xfrm>
           <a:prstGeom prst="rect"/>
           <a:noFill/>
@@ -11942,207 +12063,19 @@
           </a:bodyPr>
           <a:lstStyle/>
           <a:p>
-            <a:pPr marL="0" indent="0" rtl="0" algn="l" defTabSz="914400" eaLnBrk="1" latinLnBrk="0" hangingPunct="1">
-              <a:buFontTx/>
-              <a:buNone/>
-            </a:pPr>
-            <a:r>
-              <a:rPr lang="ko-KR" sz="1800">
-                <a:latin typeface="맑은 고딕" charset="0"/>
-                <a:ea typeface="맑은 고딕" charset="0"/>
-              </a:rPr>
-              <a:t>서로 프레임이 다를 때 이동하게 되면 같은 위치에서 이동하더라도 프레임 단위로 계산되기 때문에 서로 다른 이동거리를 가지게 됩니다.</a:t>
-            </a:r>
-            <a:endParaRPr lang="ko-KR" altLang="en-US" sz="1800">
-              <a:latin typeface="맑은 고딕" charset="0"/>
-              <a:ea typeface="맑은 고딕" charset="0"/>
-            </a:endParaRPr>
-          </a:p>
-        </p:txBody>
-      </p:sp>
-      <p:pic>
-        <p:nvPicPr>
-          <p:cNvPr id="6" name="그림 27"/>
-          <p:cNvPicPr>
-            <a:picLocks noChangeAspect="1"/>
-          </p:cNvPicPr>
-          <p:nvPr/>
-        </p:nvPicPr>
-        <p:blipFill rotWithShape="1">
-          <a:blip r:embed="rId16" cstate="hqprint">
-            <a:extLst>
-              <a:ext uri="{28A0092B-C50C-407E-A947-70E740481C1C}">
-                <a14:useLocalDpi xmlns:a14="http://schemas.microsoft.com/office/drawing/2010/main"/>
-              </a:ext>
-            </a:extLst>
-          </a:blip>
-          <a:stretch>
-            <a:fillRect/>
-          </a:stretch>
-        </p:blipFill>
-        <p:spPr>
-          <a:xfrm rot="0">
-            <a:off x="6841490" y="1925955"/>
-            <a:ext cx="4542790" cy="1459230"/>
-          </a:xfrm>
-          <a:prstGeom prst="rect"/>
-          <a:noFill/>
-        </p:spPr>
-      </p:pic>
-      <p:sp>
-        <p:nvSpPr>
-          <p:cNvPr id="7" name="텍스트 상자 28"/>
-          <p:cNvSpPr txBox="1">
-            <a:spLocks/>
-          </p:cNvSpPr>
-          <p:nvPr/>
-        </p:nvSpPr>
-        <p:spPr>
-          <a:xfrm rot="0">
-            <a:off x="6849745" y="1167130"/>
-            <a:ext cx="4556760" cy="647700"/>
-          </a:xfrm>
-          <a:prstGeom prst="rect"/>
-          <a:noFill/>
-          <a:ln w="0">
-            <a:noFill/>
-            <a:prstDash/>
-          </a:ln>
-        </p:spPr>
-        <p:txBody>
-          <a:bodyPr wrap="square" lIns="89535" tIns="46355" rIns="89535" bIns="46355" numCol="1" vert="horz" anchor="t">
-            <a:spAutoFit/>
-          </a:bodyPr>
-          <a:lstStyle/>
-          <a:p>
-            <a:pPr marL="0" indent="0" rtl="0" algn="l" defTabSz="914400" eaLnBrk="1" latinLnBrk="0" hangingPunct="1">
-              <a:buFontTx/>
-              <a:buNone/>
-            </a:pPr>
-            <a:r>
-              <a:rPr sz="1800">
-                <a:latin typeface="맑은 고딕" charset="0"/>
-                <a:ea typeface="맑은 고딕" charset="0"/>
-              </a:rPr>
-              <a:t>Time.deltatime은 마지막 프레임을 완료하는 데 걸린 시간입니다.</a:t>
-            </a:r>
-            <a:endParaRPr lang="ko-KR" altLang="en-US" sz="1800">
-              <a:latin typeface="맑은 고딕" charset="0"/>
-              <a:ea typeface="맑은 고딕" charset="0"/>
-            </a:endParaRPr>
-          </a:p>
-        </p:txBody>
-      </p:sp>
-      <p:sp>
-        <p:nvSpPr>
-          <p:cNvPr id="8" name="텍스트 상자 29"/>
-          <p:cNvSpPr txBox="1">
-            <a:spLocks/>
-          </p:cNvSpPr>
-          <p:nvPr/>
-        </p:nvSpPr>
-        <p:spPr>
-          <a:xfrm rot="0">
-            <a:off x="6849745" y="3648075"/>
-            <a:ext cx="4548505" cy="2032000"/>
-          </a:xfrm>
-          <a:prstGeom prst="rect"/>
-          <a:noFill/>
-          <a:ln w="0">
-            <a:noFill/>
-            <a:prstDash/>
-          </a:ln>
-        </p:spPr>
-        <p:txBody>
-          <a:bodyPr wrap="square" lIns="89535" tIns="46355" rIns="89535" bIns="46355" numCol="1" vert="horz" anchor="t">
-            <a:spAutoFit/>
-          </a:bodyPr>
-          <a:lstStyle/>
-          <a:p>
-            <a:pPr marL="0" indent="0" rtl="0" algn="l" defTabSz="914400" eaLnBrk="1" latinLnBrk="0" hangingPunct="1">
-              <a:buFontTx/>
-              <a:buNone/>
-            </a:pPr>
-            <a:r>
-              <a:rPr sz="1800">
-                <a:latin typeface="맑은 고딕" charset="0"/>
-                <a:ea typeface="맑은 고딕" charset="0"/>
-              </a:rPr>
-              <a:t>컴퓨터의 성능에 따라 게임의 속도에 영향을 끼칠 수 있습니다.</a:t>
-            </a:r>
-            <a:endParaRPr lang="ko-KR" altLang="en-US" sz="1800">
-              <a:latin typeface="맑은 고딕" charset="0"/>
-              <a:ea typeface="맑은 고딕" charset="0"/>
-            </a:endParaRPr>
-          </a:p>
-          <a:p>
-            <a:pPr marL="0" indent="0" rtl="0" algn="l" defTabSz="914400" eaLnBrk="1" latinLnBrk="0" hangingPunct="1">
-              <a:buFontTx/>
-              <a:buNone/>
-            </a:pPr>
-            <a:endParaRPr lang="ko-KR" altLang="en-US" sz="1800">
-              <a:latin typeface="맑은 고딕" charset="0"/>
-              <a:ea typeface="맑은 고딕" charset="0"/>
-            </a:endParaRPr>
-          </a:p>
-          <a:p>
-            <a:pPr marL="0" indent="0" rtl="0" algn="l" defTabSz="914400" eaLnBrk="1" latinLnBrk="0" hangingPunct="1">
-              <a:buFontTx/>
-              <a:buNone/>
-            </a:pPr>
-            <a:r>
-              <a:rPr sz="1800">
-                <a:latin typeface="맑은 고딕" charset="0"/>
-                <a:ea typeface="맑은 고딕" charset="0"/>
-              </a:rPr>
-              <a:t>하지만, Time.deltatime을 사용하여 곱해주면 프레임에 따른 변화 없이 다른 환경에서도 똑같은 속도를 유지할 수 있습니다.</a:t>
-            </a:r>
-            <a:endParaRPr lang="ko-KR" altLang="en-US" sz="1800">
-              <a:latin typeface="맑은 고딕" charset="0"/>
-              <a:ea typeface="맑은 고딕" charset="0"/>
-            </a:endParaRPr>
-          </a:p>
-        </p:txBody>
-      </p:sp>
-      <p:sp>
-        <p:nvSpPr>
-          <p:cNvPr id="9" name="텍스트 상자 30"/>
-          <p:cNvSpPr txBox="1">
-            <a:spLocks/>
-          </p:cNvSpPr>
-          <p:nvPr/>
-        </p:nvSpPr>
-        <p:spPr>
-          <a:xfrm rot="0">
-            <a:off x="8373745" y="0"/>
-            <a:ext cx="2891790" cy="555625"/>
-          </a:xfrm>
-          <a:prstGeom prst="rect"/>
-          <a:noFill/>
-          <a:ln w="0">
-            <a:noFill/>
-            <a:prstDash/>
-          </a:ln>
-        </p:spPr>
-        <p:txBody>
-          <a:bodyPr wrap="square" lIns="89535" tIns="46355" rIns="89535" bIns="46355" numCol="1" vert="horz" anchor="t">
-            <a:spAutoFit/>
-          </a:bodyPr>
-          <a:lstStyle/>
-          <a:p>
-            <a:pPr marL="0" indent="0" algn="ctr" latinLnBrk="0">
-              <a:buFontTx/>
-              <a:buNone/>
-            </a:pPr>
-            <a:r>
-              <a:rPr lang="ko-KR" altLang="en-US" sz="3000" b="1">
+            <a:pPr marL="0" indent="0" algn="l" latinLnBrk="0">
+              <a:buFontTx/>
+              <a:buNone/>
+            </a:pPr>
+            <a:r>
+              <a:rPr lang="ko-KR" sz="3000" b="1">
                 <a:solidFill>
                   <a:schemeClr val="tx1"/>
                 </a:solidFill>
                 <a:latin typeface="맑은 고딕" charset="0"/>
                 <a:ea typeface="맑은 고딕" charset="0"/>
               </a:rPr>
-              <a:t>Time.deltatime</a:t>
+              <a:t>일곱 번째 튜토리얼</a:t>
             </a:r>
             <a:endParaRPr lang="ko-KR" altLang="en-US" sz="3000" b="1">
               <a:solidFill>
@@ -12154,78 +12087,205 @@
           </a:p>
         </p:txBody>
       </p:sp>
+      <p:sp>
+        <p:nvSpPr>
+          <p:cNvPr id="1044" name="Rect 0"/>
+          <p:cNvSpPr txBox="1">
+            <a:spLocks/>
+          </p:cNvSpPr>
+          <p:nvPr/>
+        </p:nvSpPr>
+        <p:spPr>
+          <a:xfrm rot="0">
+            <a:off x="6844030" y="4140200"/>
+            <a:ext cx="4258310" cy="2061845"/>
+          </a:xfrm>
+          <a:prstGeom prst="rect"/>
+          <a:noFill/>
+          <a:ln w="0">
+            <a:noFill/>
+            <a:prstDash/>
+          </a:ln>
+        </p:spPr>
+        <p:txBody>
+          <a:bodyPr wrap="square" lIns="89535" tIns="46355" rIns="89535" bIns="46355" numCol="1" vert="horz" anchor="t">
+            <a:spAutoFit/>
+          </a:bodyPr>
+          <a:lstStyle/>
+          <a:p>
+            <a:pPr marL="0" indent="0" rtl="0" algn="l" defTabSz="914400" eaLnBrk="1" latinLnBrk="0" hangingPunct="1">
+              <a:buFontTx/>
+              <a:buNone/>
+            </a:pPr>
+            <a:r>
+              <a:rPr lang="ko-KR" sz="2000" b="1">
+                <a:solidFill>
+                  <a:srgbClr val="0611F2"/>
+                </a:solidFill>
+                <a:latin typeface="맑은 고딕" charset="0"/>
+                <a:ea typeface="맑은 고딕" charset="0"/>
+              </a:rPr>
+              <a:t>15</a:t>
+            </a:r>
+            <a:r>
+              <a:rPr sz="2000" b="1">
+                <a:solidFill>
+                  <a:srgbClr val="0611F2"/>
+                </a:solidFill>
+                <a:latin typeface="맑은 고딕" charset="0"/>
+                <a:ea typeface="맑은 고딕" charset="0"/>
+              </a:rPr>
+              <a:t>.</a:t>
+            </a:r>
+            <a:r>
+              <a:rPr sz="2000" b="1">
+                <a:solidFill>
+                  <a:srgbClr val="0611F2"/>
+                </a:solidFill>
+                <a:latin typeface="맑은 고딕" charset="0"/>
+                <a:ea typeface="맑은 고딕" charset="0"/>
+              </a:rPr>
+              <a:t> </a:t>
+            </a:r>
+            <a:r>
+              <a:rPr lang="ko-KR" sz="1800">
+                <a:latin typeface="맑은 고딕" charset="0"/>
+                <a:ea typeface="맑은 고딕" charset="0"/>
+              </a:rPr>
+              <a:t>그리고 Paint( ) 코루틴 함수를 선언합니다.</a:t>
+            </a:r>
+            <a:endParaRPr lang="ko-KR" altLang="en-US" sz="1800">
+              <a:latin typeface="맑은 고딕" charset="0"/>
+              <a:ea typeface="맑은 고딕" charset="0"/>
+            </a:endParaRPr>
+          </a:p>
+          <a:p>
+            <a:pPr marL="0" indent="0" rtl="0" algn="l" defTabSz="914400" eaLnBrk="1" latinLnBrk="0" hangingPunct="1">
+              <a:buFontTx/>
+              <a:buNone/>
+            </a:pPr>
+            <a:endParaRPr lang="ko-KR" altLang="en-US" sz="1800">
+              <a:latin typeface="맑은 고딕" charset="0"/>
+              <a:ea typeface="맑은 고딕" charset="0"/>
+            </a:endParaRPr>
+          </a:p>
+          <a:p>
+            <a:pPr marL="0" indent="0" rtl="0" algn="l" defTabSz="914400" eaLnBrk="1" latinLnBrk="0" hangingPunct="1">
+              <a:buFontTx/>
+              <a:buNone/>
+            </a:pPr>
+            <a:r>
+              <a:rPr lang="ko-KR" sz="1800">
+                <a:latin typeface="맑은 고딕" charset="0"/>
+                <a:ea typeface="맑은 고딕" charset="0"/>
+              </a:rPr>
+              <a:t>그다음 3초 마다 게임 오브젝트의 Renderer 컴포넌트를 가져와서 RGB 색상에 각각 0~2 사이의 랜덤한 값을 받도록 설정합니다.</a:t>
+            </a:r>
+            <a:endParaRPr lang="ko-KR" altLang="en-US" sz="1800">
+              <a:latin typeface="맑은 고딕" charset="0"/>
+              <a:ea typeface="맑은 고딕" charset="0"/>
+            </a:endParaRPr>
+          </a:p>
+        </p:txBody>
+      </p:sp>
+      <p:sp>
+        <p:nvSpPr>
+          <p:cNvPr id="1051" name="텍스트 상자 78"/>
+          <p:cNvSpPr txBox="1">
+            <a:spLocks/>
+          </p:cNvSpPr>
+          <p:nvPr/>
+        </p:nvSpPr>
+        <p:spPr>
+          <a:xfrm rot="0">
+            <a:off x="1534795" y="4170045"/>
+            <a:ext cx="3820795" cy="2031365"/>
+          </a:xfrm>
+          <a:prstGeom prst="rect"/>
+          <a:noFill/>
+          <a:ln w="0">
+            <a:noFill/>
+            <a:prstDash/>
+          </a:ln>
+        </p:spPr>
+        <p:txBody>
+          <a:bodyPr wrap="square" lIns="89535" tIns="46355" rIns="89535" bIns="46355" numCol="1" vert="horz" anchor="t">
+            <a:spAutoFit/>
+          </a:bodyPr>
+          <a:lstStyle/>
+          <a:p>
+            <a:pPr marL="0" indent="0" rtl="0" algn="l" defTabSz="914400" eaLnBrk="1" latinLnBrk="0" hangingPunct="1">
+              <a:buFontTx/>
+              <a:buNone/>
+            </a:pPr>
+            <a:r>
+              <a:rPr lang="ko-KR" sz="1800">
+                <a:latin typeface="맑은 고딕" charset="0"/>
+                <a:ea typeface="맑은 고딕" charset="0"/>
+              </a:rPr>
+              <a:t>인보크 함수란?</a:t>
+            </a:r>
+            <a:endParaRPr lang="ko-KR" altLang="en-US" sz="1800">
+              <a:latin typeface="맑은 고딕" charset="0"/>
+              <a:ea typeface="맑은 고딕" charset="0"/>
+            </a:endParaRPr>
+          </a:p>
+          <a:p>
+            <a:pPr marL="0" indent="0" rtl="0" algn="l" defTabSz="914400" eaLnBrk="1" latinLnBrk="0" hangingPunct="1">
+              <a:buFontTx/>
+              <a:buNone/>
+            </a:pPr>
+            <a:r>
+              <a:rPr lang="ko-KR" sz="1800">
+                <a:latin typeface="맑은 고딕" charset="0"/>
+                <a:ea typeface="맑은 고딕" charset="0"/>
+              </a:rPr>
+              <a:t>함수를 지정한 시간 뒤에 호출하는 함수입니다.</a:t>
+            </a:r>
+            <a:endParaRPr lang="ko-KR" altLang="en-US" sz="1800">
+              <a:latin typeface="맑은 고딕" charset="0"/>
+              <a:ea typeface="맑은 고딕" charset="0"/>
+            </a:endParaRPr>
+          </a:p>
+          <a:p>
+            <a:pPr marL="0" indent="0" rtl="0" algn="l" defTabSz="914400" eaLnBrk="1" latinLnBrk="0" hangingPunct="1">
+              <a:buFontTx/>
+              <a:buNone/>
+            </a:pPr>
+            <a:endParaRPr lang="ko-KR" altLang="en-US" sz="1800">
+              <a:latin typeface="맑은 고딕" charset="0"/>
+              <a:ea typeface="맑은 고딕" charset="0"/>
+            </a:endParaRPr>
+          </a:p>
+          <a:p>
+            <a:pPr marL="0" indent="0" rtl="0" algn="l" defTabSz="914400" eaLnBrk="1" latinLnBrk="0" hangingPunct="1">
+              <a:buFontTx/>
+              <a:buNone/>
+            </a:pPr>
+            <a:r>
+              <a:rPr lang="ko-KR" sz="1800">
+                <a:latin typeface="맑은 고딕" charset="0"/>
+                <a:ea typeface="맑은 고딕" charset="0"/>
+              </a:rPr>
+              <a:t>인보크 함수의 경우 호출할 함수의 이름과 호출하기 위한 시간을 지정할 수 있습니다.</a:t>
+            </a:r>
+            <a:endParaRPr lang="ko-KR" altLang="en-US" sz="1800">
+              <a:latin typeface="맑은 고딕" charset="0"/>
+              <a:ea typeface="맑은 고딕" charset="0"/>
+            </a:endParaRPr>
+          </a:p>
+        </p:txBody>
+      </p:sp>
       <p:pic>
         <p:nvPicPr>
-          <p:cNvPr id="10" name="그림 15"/>
+          <p:cNvPr id="1054" name="그림 86" descr="C:/Users/Admin1/AppData/Roaming/PolarisOffice/ETemp/17076_14861856/fImage87813833902.png"/>
           <p:cNvPicPr>
             <a:picLocks noChangeAspect="1"/>
           </p:cNvPicPr>
           <p:nvPr/>
         </p:nvPicPr>
         <p:blipFill rotWithShape="1">
-          <a:blip r:embed="rId17" cstate="hqprint">
-            <a:extLst>
-              <a:ext uri="{28A0092B-C50C-407E-A947-70E740481C1C}">
-                <a14:useLocalDpi xmlns:a14="http://schemas.microsoft.com/office/drawing/2010/main"/>
-              </a:ext>
-            </a:extLst>
-          </a:blip>
-          <a:stretch>
-            <a:fillRect/>
-          </a:stretch>
-        </p:blipFill>
-        <p:spPr>
-          <a:xfrm rot="0">
-            <a:off x="1125855" y="1172845"/>
-            <a:ext cx="4225290" cy="722630"/>
-          </a:xfrm>
-          <a:prstGeom prst="roundRect"/>
-          <a:solidFill>
-            <a:srgbClr val="EDEDED"/>
-          </a:solidFill>
-        </p:spPr>
-      </p:pic>
-      <p:pic>
-        <p:nvPicPr>
-          <p:cNvPr id="11" name="그림 18"/>
-          <p:cNvPicPr>
-            <a:picLocks noChangeAspect="1"/>
-          </p:cNvPicPr>
-          <p:nvPr/>
-        </p:nvPicPr>
-        <p:blipFill rotWithShape="1">
-          <a:blip r:embed="rId18" cstate="hqprint">
-            <a:extLst>
-              <a:ext uri="{28A0092B-C50C-407E-A947-70E740481C1C}">
-                <a14:useLocalDpi xmlns:a14="http://schemas.microsoft.com/office/drawing/2010/main"/>
-              </a:ext>
-            </a:extLst>
-          </a:blip>
-          <a:stretch>
-            <a:fillRect/>
-          </a:stretch>
-        </p:blipFill>
-        <p:spPr>
-          <a:xfrm rot="0">
-            <a:off x="1125855" y="2033270"/>
-            <a:ext cx="4234180" cy="719455"/>
-          </a:xfrm>
-          <a:prstGeom prst="roundRect"/>
-          <a:solidFill>
-            <a:srgbClr val="EDEDED"/>
-          </a:solidFill>
-        </p:spPr>
-      </p:pic>
-      <p:pic>
-        <p:nvPicPr>
-          <p:cNvPr id="13" name="그림 2"/>
-          <p:cNvPicPr>
-            <a:picLocks noChangeAspect="1"/>
-          </p:cNvPicPr>
-          <p:nvPr/>
-        </p:nvPicPr>
-        <p:blipFill rotWithShape="1">
-          <a:blip r:embed="rId19" cstate="print">
+          <a:blip r:embed="rId2" cstate="print">
             <a:extLst>
               <a:ext uri="{28A0092B-C50C-407E-A947-70E740481C1C}">
                 <a14:useLocalDpi xmlns:a14="http://schemas.microsoft.com/office/drawing/2010/main" val="0"/>
@@ -12238,8 +12298,8 @@
         </p:blipFill>
         <p:spPr>
           <a:xfrm rot="0">
-            <a:off x="3449955" y="3665855"/>
-            <a:ext cx="790575" cy="699135"/>
+            <a:off x="6845300" y="1546225"/>
+            <a:ext cx="4267835" cy="2475865"/>
           </a:xfrm>
           <a:prstGeom prst="rect"/>
           <a:noFill/>
@@ -12247,14 +12307,14 @@
       </p:pic>
       <p:pic>
         <p:nvPicPr>
-          <p:cNvPr id="14" name="그림 3"/>
+          <p:cNvPr id="1055" name="그림 88" descr="C:/Users/Admin1/AppData/Roaming/PolarisOffice/ETemp/17076_14861856/fImage258719385153.png"/>
           <p:cNvPicPr>
             <a:picLocks noChangeAspect="1"/>
           </p:cNvPicPr>
           <p:nvPr/>
         </p:nvPicPr>
         <p:blipFill rotWithShape="1">
-          <a:blip r:embed="rId20" cstate="print">
+          <a:blip r:embed="rId3" cstate="print">
             <a:extLst>
               <a:ext uri="{28A0092B-C50C-407E-A947-70E740481C1C}">
                 <a14:useLocalDpi xmlns:a14="http://schemas.microsoft.com/office/drawing/2010/main" val="0"/>
@@ -12267,8 +12327,8 @@
         </p:blipFill>
         <p:spPr>
           <a:xfrm rot="0">
-            <a:off x="1226820" y="3175000"/>
-            <a:ext cx="1433830" cy="1236980"/>
+            <a:off x="3333750" y="1544955"/>
+            <a:ext cx="2159635" cy="2254885"/>
           </a:xfrm>
           <a:prstGeom prst="rect"/>
           <a:noFill/>
@@ -12276,14 +12336,14 @@
       </p:pic>
       <p:pic>
         <p:nvPicPr>
-          <p:cNvPr id="15" name="그림 4"/>
+          <p:cNvPr id="1056" name="그림 89" descr="C:/Users/Admin1/AppData/Roaming/PolarisOffice/ETemp/17076_14861856/fImage409818386292.png"/>
           <p:cNvPicPr>
             <a:picLocks noChangeAspect="1"/>
           </p:cNvPicPr>
           <p:nvPr/>
         </p:nvPicPr>
         <p:blipFill rotWithShape="1">
-          <a:blip r:embed="rId21" cstate="print">
+          <a:blip r:embed="rId4" cstate="print">
             <a:extLst>
               <a:ext uri="{28A0092B-C50C-407E-A947-70E740481C1C}">
                 <a14:useLocalDpi xmlns:a14="http://schemas.microsoft.com/office/drawing/2010/main" val="0"/>
@@ -12295,24 +12355,220 @@
           </a:stretch>
         </p:blipFill>
         <p:spPr>
-          <a:xfrm rot="0">
-            <a:off x="2557145" y="2908935"/>
-            <a:ext cx="777240" cy="446405"/>
+          <a:xfrm rot="20520000">
+            <a:off x="1753235" y="2004695"/>
+            <a:ext cx="1075055" cy="1620520"/>
           </a:xfrm>
           <a:prstGeom prst="rect"/>
           <a:noFill/>
         </p:spPr>
       </p:pic>
+    </p:spTree>
+  </p:cSld>
+  <p:clrMapOvr>
+    <a:masterClrMapping/>
+  </p:clrMapOvr>
+  <mc:AlternateContent xmlns:mc="http://schemas.openxmlformats.org/markup-compatibility/2006">
+    <mc:Choice xmlns:p14="http://schemas.microsoft.com/office/powerpoint/2010/main" Requires="p14">
+      <p:transition spd="slow" p14:dur="2000"/>
+    </mc:Choice>
+    <mc:Fallback>
+      <p:transition spd="slow"/>
+    </mc:Fallback>
+  </mc:AlternateContent>
+  <p:timing>
+    <p:tnLst>
+      <p:par>
+        <p:cTn id="1" dur="indefinite" restart="never" nodeType="tmRoot"/>
+      </p:par>
+    </p:tnLst>
+  </p:timing>
+</p:sld>
+</file>
+
+<file path=ppt/slides/slide8.xml><?xml version="1.0" encoding="utf-8"?>
+<p:sld xmlns:a="http://schemas.openxmlformats.org/drawingml/2006/main" xmlns:r="http://schemas.openxmlformats.org/officeDocument/2006/relationships" xmlns:p="http://schemas.openxmlformats.org/presentationml/2006/main">
+  <p:cSld>
+    <p:spTree>
+      <p:nvGrpSpPr>
+        <p:cNvPr id="1" name=""/>
+        <p:cNvGrpSpPr/>
+        <p:nvPr/>
+      </p:nvGrpSpPr>
+      <p:grpSpPr>
+        <a:xfrm>
+          <a:off x="0" y="0"/>
+          <a:ext cx="0" cy="0"/>
+          <a:chOff x="0" y="0"/>
+          <a:chExt cx="0" cy="0"/>
+        </a:xfrm>
+      </p:grpSpPr>
+      <p:sp>
+        <p:nvSpPr>
+          <p:cNvPr id="1031" name="Rect 0"/>
+          <p:cNvSpPr txBox="1">
+            <a:spLocks/>
+          </p:cNvSpPr>
+          <p:nvPr/>
+        </p:nvSpPr>
+        <p:spPr>
+          <a:xfrm rot="0">
+            <a:off x="4333240" y="476250"/>
+            <a:ext cx="3541395" cy="554990"/>
+          </a:xfrm>
+          <a:prstGeom prst="rect"/>
+          <a:noFill/>
+          <a:ln w="0">
+            <a:noFill/>
+            <a:prstDash/>
+          </a:ln>
+        </p:spPr>
+        <p:txBody>
+          <a:bodyPr wrap="square" lIns="89535" tIns="46355" rIns="89535" bIns="46355" numCol="1" vert="horz" anchor="t">
+            <a:spAutoFit/>
+          </a:bodyPr>
+          <a:lstStyle/>
+          <a:p>
+            <a:pPr marL="0" indent="0" algn="l" latinLnBrk="0">
+              <a:buFontTx/>
+              <a:buNone/>
+            </a:pPr>
+            <a:r>
+              <a:rPr lang="ko-KR" sz="3000" b="1">
+                <a:solidFill>
+                  <a:schemeClr val="tx1"/>
+                </a:solidFill>
+                <a:latin typeface="맑은 고딕" charset="0"/>
+                <a:ea typeface="맑은 고딕" charset="0"/>
+              </a:rPr>
+              <a:t>여덟 번째 튜토리얼</a:t>
+            </a:r>
+            <a:endParaRPr lang="ko-KR" altLang="en-US" sz="3000" b="1">
+              <a:solidFill>
+                <a:schemeClr val="tx1"/>
+              </a:solidFill>
+              <a:latin typeface="맑은 고딕" charset="0"/>
+              <a:ea typeface="맑은 고딕" charset="0"/>
+            </a:endParaRPr>
+          </a:p>
+        </p:txBody>
+      </p:sp>
+      <p:sp>
+        <p:nvSpPr>
+          <p:cNvPr id="1053" name="텍스트 상자 81"/>
+          <p:cNvSpPr txBox="1">
+            <a:spLocks/>
+          </p:cNvSpPr>
+          <p:nvPr/>
+        </p:nvSpPr>
+        <p:spPr>
+          <a:xfrm rot="0">
+            <a:off x="1404620" y="4150995"/>
+            <a:ext cx="3928110" cy="2031365"/>
+          </a:xfrm>
+          <a:prstGeom prst="rect"/>
+          <a:noFill/>
+          <a:ln w="0">
+            <a:noFill/>
+            <a:prstDash/>
+          </a:ln>
+        </p:spPr>
+        <p:txBody>
+          <a:bodyPr wrap="square" lIns="89535" tIns="46355" rIns="89535" bIns="46355" numCol="1" vert="horz" anchor="t">
+            <a:spAutoFit/>
+          </a:bodyPr>
+          <a:lstStyle/>
+          <a:p>
+            <a:pPr marL="0" indent="0" rtl="0" algn="l" defTabSz="914400" eaLnBrk="1" latinLnBrk="0" hangingPunct="1">
+              <a:buFontTx/>
+              <a:buNone/>
+            </a:pPr>
+            <a:r>
+              <a:rPr sz="1800">
+                <a:latin typeface="맑은 고딕" charset="0"/>
+                <a:ea typeface="맑은 고딕" charset="0"/>
+              </a:rPr>
+              <a:t>GetComponent&lt;Type&gt;(</a:t>
+            </a:r>
+            <a:r>
+              <a:rPr sz="1800">
+                <a:latin typeface="맑은 고딕" charset="0"/>
+                <a:ea typeface="맑은 고딕" charset="0"/>
+              </a:rPr>
+              <a:t> </a:t>
+            </a:r>
+            <a:r>
+              <a:rPr sz="1800">
+                <a:latin typeface="맑은 고딕" charset="0"/>
+                <a:ea typeface="맑은 고딕" charset="0"/>
+              </a:rPr>
+              <a:t>)는 게임 오브젝트의 컴포넌트를 가져오는 함수입니다.</a:t>
+            </a:r>
+            <a:endParaRPr lang="ko-KR" altLang="en-US" sz="1800">
+              <a:latin typeface="맑은 고딕" charset="0"/>
+              <a:ea typeface="맑은 고딕" charset="0"/>
+            </a:endParaRPr>
+          </a:p>
+          <a:p>
+            <a:pPr marL="0" indent="0" rtl="0" algn="l" defTabSz="914400" eaLnBrk="1" latinLnBrk="0" hangingPunct="1">
+              <a:buFontTx/>
+              <a:buNone/>
+            </a:pPr>
+            <a:endParaRPr lang="ko-KR" altLang="en-US" sz="1800">
+              <a:latin typeface="맑은 고딕" charset="0"/>
+              <a:ea typeface="맑은 고딕" charset="0"/>
+            </a:endParaRPr>
+          </a:p>
+          <a:p>
+            <a:pPr marL="0" indent="0" algn="l" latinLnBrk="0" hangingPunct="1">
+              <a:buFontTx/>
+              <a:buNone/>
+            </a:pPr>
+            <a:r>
+              <a:rPr lang="ko-KR" sz="1800">
+                <a:latin typeface="맑은 고딕" charset="0"/>
+                <a:ea typeface="맑은 고딕" charset="0"/>
+              </a:rPr>
+              <a:t>원하는 컴포넌트</a:t>
+            </a:r>
+            <a:r>
+              <a:rPr lang="ko-KR" sz="1800">
+                <a:latin typeface="맑은 고딕" charset="0"/>
+                <a:ea typeface="맑은 고딕" charset="0"/>
+              </a:rPr>
+              <a:t>에 있는 속성을 사용하려면</a:t>
+            </a:r>
+            <a:r>
+              <a:rPr lang="ko-KR" sz="1800">
+                <a:latin typeface="맑은 고딕" charset="0"/>
+                <a:ea typeface="맑은 고딕" charset="0"/>
+              </a:rPr>
+              <a:t> </a:t>
+            </a:r>
+            <a:r>
+              <a:rPr lang="ko-KR" sz="1800">
+                <a:latin typeface="맑은 고딕" charset="0"/>
+                <a:ea typeface="맑은 고딕" charset="0"/>
+              </a:rPr>
+              <a:t>게임 오브젝트에 컴포넌트가 들어가 있어야 합니다.</a:t>
+            </a:r>
+            <a:endParaRPr lang="ko-KR" altLang="en-US" sz="1800">
+              <a:latin typeface="맑은 고딕" charset="0"/>
+              <a:ea typeface="맑은 고딕" charset="0"/>
+            </a:endParaRPr>
+          </a:p>
+        </p:txBody>
+      </p:sp>
       <p:pic>
         <p:nvPicPr>
-          <p:cNvPr id="16" name="그림 5"/>
+          <p:cNvPr id="1055" name="그림 93" descr="C:/Users/Admin1/AppData/Roaming/PolarisOffice/ETemp/17076_14861856/fImage41813882382.png"/>
           <p:cNvPicPr>
             <a:picLocks noChangeAspect="1"/>
           </p:cNvPicPr>
           <p:nvPr/>
         </p:nvPicPr>
         <p:blipFill rotWithShape="1">
-          <a:blip r:embed="rId22" cstate="print">
+          <a:blip r:embed="rId2" cstate="print">
             <a:extLst>
               <a:ext uri="{28A0092B-C50C-407E-A947-70E740481C1C}">
                 <a14:useLocalDpi xmlns:a14="http://schemas.microsoft.com/office/drawing/2010/main" val="0"/>
@@ -12325,133 +12581,104 @@
         </p:blipFill>
         <p:spPr>
           <a:xfrm rot="0">
-            <a:off x="4283710" y="3532505"/>
-            <a:ext cx="613410" cy="359410"/>
+            <a:off x="6826250" y="1479550"/>
+            <a:ext cx="4032885" cy="1230630"/>
+          </a:xfrm>
+          <a:prstGeom prst="roundRect"/>
+          <a:solidFill>
+            <a:srgbClr val="EDEDED"/>
+          </a:solidFill>
+        </p:spPr>
+      </p:pic>
+      <p:pic>
+        <p:nvPicPr>
+          <p:cNvPr id="1056" name="그림 97" descr="C:/Users/Admin1/AppData/Roaming/PolarisOffice/ETemp/17076_14861856/fImage521513897421.png"/>
+          <p:cNvPicPr>
+            <a:picLocks noChangeAspect="1"/>
+          </p:cNvPicPr>
+          <p:nvPr/>
+        </p:nvPicPr>
+        <p:blipFill rotWithShape="1">
+          <a:blip r:embed="rId3" cstate="print">
+            <a:extLst>
+              <a:ext uri="{28A0092B-C50C-407E-A947-70E740481C1C}">
+                <a14:useLocalDpi xmlns:a14="http://schemas.microsoft.com/office/drawing/2010/main" val="0"/>
+              </a:ext>
+            </a:extLst>
+          </a:blip>
+          <a:stretch>
+            <a:fillRect/>
+          </a:stretch>
+        </p:blipFill>
+        <p:spPr>
+          <a:xfrm rot="0">
+            <a:off x="1409700" y="1470660"/>
+            <a:ext cx="1977390" cy="2413635"/>
+          </a:xfrm>
+          <a:prstGeom prst="roundRect"/>
+          <a:solidFill>
+            <a:srgbClr val="EDEDED"/>
+          </a:solidFill>
+        </p:spPr>
+      </p:pic>
+      <p:pic>
+        <p:nvPicPr>
+          <p:cNvPr id="1057" name="그림 100" descr="C:/Users/Admin1/AppData/Roaming/PolarisOffice/ETemp/17076_14861856/fImage4088163908716.png"/>
+          <p:cNvPicPr>
+            <a:picLocks noChangeAspect="1"/>
+          </p:cNvPicPr>
+          <p:nvPr/>
+        </p:nvPicPr>
+        <p:blipFill rotWithShape="1">
+          <a:blip r:embed="rId4" cstate="print">
+            <a:extLst>
+              <a:ext uri="{28A0092B-C50C-407E-A947-70E740481C1C}">
+                <a14:useLocalDpi xmlns:a14="http://schemas.microsoft.com/office/drawing/2010/main" val="0"/>
+              </a:ext>
+            </a:extLst>
+          </a:blip>
+          <a:stretch>
+            <a:fillRect/>
+          </a:stretch>
+        </p:blipFill>
+        <p:spPr>
+          <a:xfrm rot="0">
+            <a:off x="3937000" y="2042795"/>
+            <a:ext cx="1397635" cy="751840"/>
           </a:xfrm>
           <a:prstGeom prst="rect"/>
           <a:noFill/>
         </p:spPr>
       </p:pic>
-      <p:sp>
-        <p:nvSpPr>
-          <p:cNvPr id="17" name="텍스트 상자 6"/>
-          <p:cNvSpPr txBox="1">
-            <a:spLocks/>
-          </p:cNvSpPr>
+      <p:pic>
+        <p:nvPicPr>
+          <p:cNvPr id="1058" name="그림 101" descr="C:/Users/Admin1/AppData/Roaming/PolarisOffice/ETemp/17076_14861856/fImage1437533919718.png"/>
+          <p:cNvPicPr>
+            <a:picLocks noChangeAspect="1"/>
+          </p:cNvPicPr>
           <p:nvPr/>
-        </p:nvSpPr>
-        <p:spPr>
-          <a:xfrm rot="0">
-            <a:off x="4091305" y="3095625"/>
-            <a:ext cx="1014730" cy="401320"/>
+        </p:nvPicPr>
+        <p:blipFill rotWithShape="1">
+          <a:blip r:embed="rId5" cstate="print">
+            <a:extLst>
+              <a:ext uri="{28A0092B-C50C-407E-A947-70E740481C1C}">
+                <a14:useLocalDpi xmlns:a14="http://schemas.microsoft.com/office/drawing/2010/main" val="0"/>
+              </a:ext>
+            </a:extLst>
+          </a:blip>
+          <a:stretch>
+            <a:fillRect/>
+          </a:stretch>
+        </p:blipFill>
+        <p:spPr>
+          <a:xfrm rot="0">
+            <a:off x="3164205" y="2317750"/>
+            <a:ext cx="688975" cy="392430"/>
           </a:xfrm>
           <a:prstGeom prst="rect"/>
           <a:noFill/>
-          <a:ln w="0">
-            <a:noFill/>
-            <a:prstDash/>
-          </a:ln>
-        </p:spPr>
-        <p:txBody>
-          <a:bodyPr wrap="square" lIns="89535" tIns="46355" rIns="89535" bIns="46355" numCol="1" vert="horz" anchor="t">
-            <a:spAutoFit/>
-          </a:bodyPr>
-          <a:lstStyle/>
-          <a:p>
-            <a:pPr marL="0" indent="0" rtl="0" algn="ctr" defTabSz="914400" eaLnBrk="1" latinLnBrk="0" hangingPunct="1">
-              <a:buFontTx/>
-              <a:buNone/>
-            </a:pPr>
-            <a:r>
-              <a:rPr lang="ko-KR" sz="2000" b="1">
-                <a:solidFill>
-                  <a:srgbClr val="009900"/>
-                </a:solidFill>
-                <a:latin typeface="맑은 고딕" charset="0"/>
-                <a:ea typeface="맑은 고딕" charset="0"/>
-              </a:rPr>
-              <a:t>10</a:t>
-            </a:r>
-            <a:r>
-              <a:rPr lang="ko-KR" sz="2000" b="1">
-                <a:solidFill>
-                  <a:srgbClr val="009900"/>
-                </a:solidFill>
-                <a:latin typeface="맑은 고딕" charset="0"/>
-                <a:ea typeface="맑은 고딕" charset="0"/>
-              </a:rPr>
-              <a:t> </a:t>
-            </a:r>
-            <a:r>
-              <a:rPr lang="ko-KR" sz="2000" b="1">
-                <a:solidFill>
-                  <a:srgbClr val="009900"/>
-                </a:solidFill>
-                <a:latin typeface="맑은 고딕" charset="0"/>
-                <a:ea typeface="맑은 고딕" charset="0"/>
-              </a:rPr>
-              <a:t>FPS</a:t>
-            </a:r>
-            <a:endParaRPr lang="ko-KR" altLang="en-US" sz="2000" b="1">
-              <a:solidFill>
-                <a:srgbClr val="009900"/>
-              </a:solidFill>
-              <a:latin typeface="맑은 고딕" charset="0"/>
-              <a:ea typeface="맑은 고딕" charset="0"/>
-            </a:endParaRPr>
-          </a:p>
-        </p:txBody>
-      </p:sp>
-      <p:sp>
-        <p:nvSpPr>
-          <p:cNvPr id="18" name="텍스트 상자 7"/>
-          <p:cNvSpPr txBox="1">
-            <a:spLocks/>
-          </p:cNvSpPr>
-          <p:nvPr/>
-        </p:nvSpPr>
-        <p:spPr>
-          <a:xfrm rot="0">
-            <a:off x="1153795" y="3101340"/>
-            <a:ext cx="1014730" cy="401320"/>
-          </a:xfrm>
-          <a:prstGeom prst="rect"/>
-          <a:noFill/>
-          <a:ln w="0">
-            <a:noFill/>
-            <a:prstDash/>
-          </a:ln>
-        </p:spPr>
-        <p:txBody>
-          <a:bodyPr wrap="square" lIns="89535" tIns="46355" rIns="89535" bIns="46355" numCol="1" vert="horz" anchor="t">
-            <a:spAutoFit/>
-          </a:bodyPr>
-          <a:lstStyle/>
-          <a:p>
-            <a:pPr marL="0" indent="0" rtl="0" algn="ctr" defTabSz="914400" eaLnBrk="1" latinLnBrk="0" hangingPunct="1">
-              <a:buFontTx/>
-              <a:buNone/>
-            </a:pPr>
-            <a:r>
-              <a:rPr lang="ko-KR" sz="2000" b="1">
-                <a:solidFill>
-                  <a:srgbClr val="009900"/>
-                </a:solidFill>
-                <a:latin typeface="맑은 고딕" charset="0"/>
-                <a:ea typeface="맑은 고딕" charset="0"/>
-              </a:rPr>
-              <a:t>60 FPS</a:t>
-            </a:r>
-            <a:endParaRPr lang="ko-KR" altLang="en-US" sz="2000" b="1">
-              <a:solidFill>
-                <a:srgbClr val="009900"/>
-              </a:solidFill>
-              <a:latin typeface="맑은 고딕" charset="0"/>
-              <a:ea typeface="맑은 고딕" charset="0"/>
-            </a:endParaRPr>
-          </a:p>
-        </p:txBody>
-      </p:sp>
+        </p:spPr>
+      </p:pic>
     </p:spTree>
   </p:cSld>
   <p:clrMapOvr>

--- a/Assets/Class/Time Delay/PPT Data/Time Delay Example.pptx
+++ b/Assets/Class/Time Delay/PPT Data/Time Delay Example.pptx
@@ -2,8 +2,8 @@
 <file path=ppt/presentation.xml><?xml version="1.0" encoding="utf-8"?>
 <p:presentation xmlns:a="http://schemas.openxmlformats.org/drawingml/2006/main" xmlns:r="http://schemas.openxmlformats.org/officeDocument/2006/relationships" xmlns:p="http://schemas.openxmlformats.org/presentationml/2006/main" xmlns:p14="http://schemas.microsoft.com/office/powerpoint/2010/main" saveSubsetFonts="1" firstSlideNum="0">
   <p:sldMasterIdLst>
-    <p:sldMasterId id="2147485764" r:id="rId23"/>
-    <p:sldMasterId id="2147485765" r:id="rId25"/>
+    <p:sldMasterId id="2147485812" r:id="rId23"/>
+    <p:sldMasterId id="2147485813" r:id="rId25"/>
   </p:sldMasterIdLst>
   <p:notesMasterIdLst>
     <p:notesMasterId r:id="rId27"/>
@@ -17,6 +17,9 @@
     <p:sldId id="297" r:id="rId34"/>
     <p:sldId id="298" r:id="rId35"/>
     <p:sldId id="299" r:id="rId36"/>
+    <p:sldId id="300" r:id="rId37"/>
+    <p:sldId id="301" r:id="rId38"/>
+    <p:sldId id="302" r:id="rId39"/>
   </p:sldIdLst>
   <p:sldSz cx="12192000" cy="6858000"/>
   <p:notesSz cx="6858000" cy="9144000"/>
@@ -617,6 +620,290 @@
 </p:notes>
 </file>
 
+<file path=ppt/notesSlides/notesSlide10.xml><?xml version="1.0" encoding="utf-8"?>
+<p:notes xmlns:a="http://schemas.openxmlformats.org/drawingml/2006/main" xmlns:r="http://schemas.openxmlformats.org/officeDocument/2006/relationships" xmlns:p="http://schemas.openxmlformats.org/presentationml/2006/main">
+  <p:cSld>
+    <p:spTree>
+      <p:nvGrpSpPr>
+        <p:cNvPr id="1" name=""/>
+        <p:cNvGrpSpPr/>
+        <p:nvPr/>
+      </p:nvGrpSpPr>
+      <p:grpSpPr>
+        <a:xfrm>
+          <a:off x="0" y="0"/>
+          <a:ext cx="0" cy="0"/>
+          <a:chOff x="0" y="0"/>
+          <a:chExt cx="0" cy="0"/>
+        </a:xfrm>
+      </p:grpSpPr>
+      <p:sp>
+        <p:nvSpPr>
+          <p:cNvPr id="2" name="슬라이드 이미지 개체 틀 3"/>
+          <p:cNvSpPr>
+            <a:spLocks noChangeAspect="1"/>
+          </p:cNvSpPr>
+          <p:nvPr>
+            <p:ph type="sldImg" idx="2"/>
+          </p:nvPr>
+        </p:nvSpPr>
+        <p:spPr>
+          <a:xfrm rot="0">
+            <a:off x="685800" y="1143000"/>
+            <a:ext cx="5490210" cy="3089910"/>
+          </a:xfrm>
+          <a:prstGeom prst="rect"/>
+          <a:noFill/>
+          <a:ln w="12700" cap="flat" cmpd="sng">
+            <a:solidFill>
+              <a:srgbClr val="000000">
+                <a:alpha val="100000"/>
+              </a:srgbClr>
+            </a:solidFill>
+            <a:prstDash val="solid"/>
+          </a:ln>
+        </p:spPr>
+        <p:txBody>
+          <a:bodyPr wrap="square" lIns="91440" tIns="45720" rIns="91440" bIns="45720" numCol="1" vert="horz" anchor="ctr">
+            <a:noAutofit/>
+          </a:bodyPr>
+          <a:lstStyle/>
+          <a:p>
+            <a:pPr marL="0" indent="0" latinLnBrk="0">
+              <a:buFontTx/>
+              <a:buNone/>
+            </a:pPr>
+          </a:p>
+        </p:txBody>
+      </p:sp>
+      <p:sp>
+        <p:nvSpPr>
+          <p:cNvPr id="3" name="슬라이드 노트 개체 틀 4"/>
+          <p:cNvSpPr txBox="1">
+            <a:spLocks/>
+          </p:cNvSpPr>
+          <p:nvPr>
+            <p:ph type="body" idx="3"/>
+          </p:nvPr>
+        </p:nvSpPr>
+        <p:spPr>
+          <a:xfrm rot="0">
+            <a:off x="685800" y="4400550"/>
+            <a:ext cx="5490210" cy="3604260"/>
+          </a:xfrm>
+          <a:prstGeom prst="rect"/>
+        </p:spPr>
+        <p:txBody>
+          <a:bodyPr wrap="square" lIns="91440" tIns="45720" rIns="91440" bIns="45720" numCol="1" vert="horz" anchor="t">
+            <a:noAutofit/>
+          </a:bodyPr>
+          <a:lstStyle/>
+          <a:p>
+            <a:pPr marL="0" indent="0" latinLnBrk="0">
+              <a:buFontTx/>
+              <a:buNone/>
+            </a:pPr>
+          </a:p>
+        </p:txBody>
+      </p:sp>
+      <p:sp>
+        <p:nvSpPr>
+          <p:cNvPr id="4" name="슬라이드 번호 개체 틀 6"/>
+          <p:cNvSpPr txBox="1">
+            <a:spLocks/>
+          </p:cNvSpPr>
+          <p:nvPr>
+            <p:ph type="sldNum" idx="5"/>
+          </p:nvPr>
+        </p:nvSpPr>
+        <p:spPr>
+          <a:xfrm rot="0">
+            <a:off x="3884930" y="8685530"/>
+            <a:ext cx="2975610" cy="462280"/>
+          </a:xfrm>
+          <a:prstGeom prst="rect"/>
+        </p:spPr>
+        <p:txBody>
+          <a:bodyPr wrap="square" lIns="91440" tIns="45720" rIns="91440" bIns="45720" numCol="1" vert="horz" anchor="b">
+            <a:noAutofit/>
+          </a:bodyPr>
+          <a:lstStyle>
+            <a:lvl1pPr marL="0" indent="0" algn="r" latinLnBrk="0">
+              <a:buFontTx/>
+              <a:buNone/>
+              <a:defRPr lang="en-GB" altLang="en-US" sz="1200"/>
+            </a:lvl1pPr>
+          </a:lstStyle>
+          <a:p>
+            <a:pPr marL="0" indent="0" latinLnBrk="0">
+              <a:buFontTx/>
+              <a:buNone/>
+            </a:pPr>
+            <a:fld id="{B9320F77-B9A0-41C5-862A-B4B631284C64}" type="slidenum">
+              <a:rPr lang="ko-KR" altLang="en-US"/>
+              <a:t>‹#›</a:t>
+            </a:fld>
+          </a:p>
+        </p:txBody>
+      </p:sp>
+    </p:spTree>
+  </p:cSld>
+  <p:clrMapOvr>
+    <a:masterClrMapping/>
+  </p:clrMapOvr>
+  <mc:AlternateContent xmlns:mc="http://schemas.openxmlformats.org/markup-compatibility/2006">
+    <mc:Choice xmlns:p14="http://schemas.microsoft.com/office/powerpoint/2010/main" Requires="p14">
+      <p:transition spd="slow" p14:dur="0"/>
+    </mc:Choice>
+    <mc:Fallback>
+      <p:transition spd="slow"/>
+    </mc:Fallback>
+  </mc:AlternateContent>
+</p:notes>
+</file>
+
+<file path=ppt/notesSlides/notesSlide11.xml><?xml version="1.0" encoding="utf-8"?>
+<p:notes xmlns:a="http://schemas.openxmlformats.org/drawingml/2006/main" xmlns:r="http://schemas.openxmlformats.org/officeDocument/2006/relationships" xmlns:p="http://schemas.openxmlformats.org/presentationml/2006/main">
+  <p:cSld>
+    <p:spTree>
+      <p:nvGrpSpPr>
+        <p:cNvPr id="1" name=""/>
+        <p:cNvGrpSpPr/>
+        <p:nvPr/>
+      </p:nvGrpSpPr>
+      <p:grpSpPr>
+        <a:xfrm>
+          <a:off x="0" y="0"/>
+          <a:ext cx="0" cy="0"/>
+          <a:chOff x="0" y="0"/>
+          <a:chExt cx="0" cy="0"/>
+        </a:xfrm>
+      </p:grpSpPr>
+      <p:sp>
+        <p:nvSpPr>
+          <p:cNvPr id="2" name="슬라이드 이미지 개체 틀 3"/>
+          <p:cNvSpPr>
+            <a:spLocks noChangeAspect="1"/>
+          </p:cNvSpPr>
+          <p:nvPr>
+            <p:ph type="sldImg" idx="2"/>
+          </p:nvPr>
+        </p:nvSpPr>
+        <p:spPr>
+          <a:xfrm rot="0">
+            <a:off x="685800" y="1143000"/>
+            <a:ext cx="5490210" cy="3089910"/>
+          </a:xfrm>
+          <a:prstGeom prst="rect"/>
+          <a:noFill/>
+          <a:ln w="12700" cap="flat" cmpd="sng">
+            <a:solidFill>
+              <a:srgbClr val="000000">
+                <a:alpha val="100000"/>
+              </a:srgbClr>
+            </a:solidFill>
+            <a:prstDash val="solid"/>
+          </a:ln>
+        </p:spPr>
+        <p:txBody>
+          <a:bodyPr wrap="square" lIns="91440" tIns="45720" rIns="91440" bIns="45720" numCol="1" vert="horz" anchor="ctr">
+            <a:noAutofit/>
+          </a:bodyPr>
+          <a:lstStyle/>
+          <a:p>
+            <a:pPr marL="0" indent="0" latinLnBrk="0">
+              <a:buFontTx/>
+              <a:buNone/>
+            </a:pPr>
+          </a:p>
+        </p:txBody>
+      </p:sp>
+      <p:sp>
+        <p:nvSpPr>
+          <p:cNvPr id="3" name="슬라이드 노트 개체 틀 4"/>
+          <p:cNvSpPr txBox="1">
+            <a:spLocks/>
+          </p:cNvSpPr>
+          <p:nvPr>
+            <p:ph type="body" idx="3"/>
+          </p:nvPr>
+        </p:nvSpPr>
+        <p:spPr>
+          <a:xfrm rot="0">
+            <a:off x="685800" y="4400550"/>
+            <a:ext cx="5490210" cy="3604260"/>
+          </a:xfrm>
+          <a:prstGeom prst="rect"/>
+        </p:spPr>
+        <p:txBody>
+          <a:bodyPr wrap="square" lIns="91440" tIns="45720" rIns="91440" bIns="45720" numCol="1" vert="horz" anchor="t">
+            <a:noAutofit/>
+          </a:bodyPr>
+          <a:lstStyle/>
+          <a:p>
+            <a:pPr marL="0" indent="0" latinLnBrk="0">
+              <a:buFontTx/>
+              <a:buNone/>
+            </a:pPr>
+          </a:p>
+        </p:txBody>
+      </p:sp>
+      <p:sp>
+        <p:nvSpPr>
+          <p:cNvPr id="4" name="슬라이드 번호 개체 틀 6"/>
+          <p:cNvSpPr txBox="1">
+            <a:spLocks/>
+          </p:cNvSpPr>
+          <p:nvPr>
+            <p:ph type="sldNum" idx="5"/>
+          </p:nvPr>
+        </p:nvSpPr>
+        <p:spPr>
+          <a:xfrm rot="0">
+            <a:off x="3884930" y="8685530"/>
+            <a:ext cx="2975610" cy="462280"/>
+          </a:xfrm>
+          <a:prstGeom prst="rect"/>
+        </p:spPr>
+        <p:txBody>
+          <a:bodyPr wrap="square" lIns="91440" tIns="45720" rIns="91440" bIns="45720" numCol="1" vert="horz" anchor="b">
+            <a:noAutofit/>
+          </a:bodyPr>
+          <a:lstStyle>
+            <a:lvl1pPr marL="0" indent="0" algn="r" latinLnBrk="0">
+              <a:buFontTx/>
+              <a:buNone/>
+              <a:defRPr lang="en-GB" altLang="en-US" sz="1200"/>
+            </a:lvl1pPr>
+          </a:lstStyle>
+          <a:p>
+            <a:pPr marL="0" indent="0" latinLnBrk="0">
+              <a:buFontTx/>
+              <a:buNone/>
+            </a:pPr>
+            <a:fld id="{B9320F77-B9A0-41C5-862A-B4B631284C64}" type="slidenum">
+              <a:rPr lang="ko-KR" altLang="en-US"/>
+              <a:t>‹#›</a:t>
+            </a:fld>
+          </a:p>
+        </p:txBody>
+      </p:sp>
+    </p:spTree>
+  </p:cSld>
+  <p:clrMapOvr>
+    <a:masterClrMapping/>
+  </p:clrMapOvr>
+  <mc:AlternateContent xmlns:mc="http://schemas.openxmlformats.org/markup-compatibility/2006">
+    <mc:Choice xmlns:p14="http://schemas.microsoft.com/office/powerpoint/2010/main" Requires="p14">
+      <p:transition spd="slow" p14:dur="0"/>
+    </mc:Choice>
+    <mc:Fallback>
+      <p:transition spd="slow"/>
+    </mc:Fallback>
+  </mc:AlternateContent>
+</p:notes>
+</file>
+
 <file path=ppt/notesSlides/notesSlide2.xml><?xml version="1.0" encoding="utf-8"?>
 <p:notes xmlns:a="http://schemas.openxmlformats.org/drawingml/2006/main" xmlns:r="http://schemas.openxmlformats.org/officeDocument/2006/relationships" xmlns:p="http://schemas.openxmlformats.org/presentationml/2006/main">
   <p:cSld>
@@ -1569,6 +1856,148 @@
           <a:xfrm rot="0">
             <a:off x="3884930" y="8685530"/>
             <a:ext cx="2974975" cy="461645"/>
+          </a:xfrm>
+          <a:prstGeom prst="rect"/>
+        </p:spPr>
+        <p:txBody>
+          <a:bodyPr wrap="square" lIns="91440" tIns="45720" rIns="91440" bIns="45720" numCol="1" vert="horz" anchor="b">
+            <a:noAutofit/>
+          </a:bodyPr>
+          <a:lstStyle>
+            <a:lvl1pPr marL="0" indent="0" algn="r" latinLnBrk="0">
+              <a:buFontTx/>
+              <a:buNone/>
+              <a:defRPr lang="en-GB" altLang="en-US" sz="1200"/>
+            </a:lvl1pPr>
+          </a:lstStyle>
+          <a:p>
+            <a:pPr marL="0" indent="0" latinLnBrk="0">
+              <a:buFontTx/>
+              <a:buNone/>
+            </a:pPr>
+            <a:fld id="{B9320F77-B9A0-41C5-862A-B4B631284C64}" type="slidenum">
+              <a:rPr lang="ko-KR" altLang="en-US"/>
+              <a:t>‹#›</a:t>
+            </a:fld>
+          </a:p>
+        </p:txBody>
+      </p:sp>
+    </p:spTree>
+  </p:cSld>
+  <p:clrMapOvr>
+    <a:masterClrMapping/>
+  </p:clrMapOvr>
+  <mc:AlternateContent xmlns:mc="http://schemas.openxmlformats.org/markup-compatibility/2006">
+    <mc:Choice xmlns:p14="http://schemas.microsoft.com/office/powerpoint/2010/main" Requires="p14">
+      <p:transition spd="slow" p14:dur="0"/>
+    </mc:Choice>
+    <mc:Fallback>
+      <p:transition spd="slow"/>
+    </mc:Fallback>
+  </mc:AlternateContent>
+</p:notes>
+</file>
+
+<file path=ppt/notesSlides/notesSlide9.xml><?xml version="1.0" encoding="utf-8"?>
+<p:notes xmlns:a="http://schemas.openxmlformats.org/drawingml/2006/main" xmlns:r="http://schemas.openxmlformats.org/officeDocument/2006/relationships" xmlns:p="http://schemas.openxmlformats.org/presentationml/2006/main">
+  <p:cSld>
+    <p:spTree>
+      <p:nvGrpSpPr>
+        <p:cNvPr id="1" name=""/>
+        <p:cNvGrpSpPr/>
+        <p:nvPr/>
+      </p:nvGrpSpPr>
+      <p:grpSpPr>
+        <a:xfrm>
+          <a:off x="0" y="0"/>
+          <a:ext cx="0" cy="0"/>
+          <a:chOff x="0" y="0"/>
+          <a:chExt cx="0" cy="0"/>
+        </a:xfrm>
+      </p:grpSpPr>
+      <p:sp>
+        <p:nvSpPr>
+          <p:cNvPr id="2" name="슬라이드 이미지 개체 틀 3"/>
+          <p:cNvSpPr>
+            <a:spLocks noChangeAspect="1"/>
+          </p:cNvSpPr>
+          <p:nvPr>
+            <p:ph type="sldImg" idx="2"/>
+          </p:nvPr>
+        </p:nvSpPr>
+        <p:spPr>
+          <a:xfrm rot="0">
+            <a:off x="685800" y="1143000"/>
+            <a:ext cx="5490210" cy="3089910"/>
+          </a:xfrm>
+          <a:prstGeom prst="rect"/>
+          <a:noFill/>
+          <a:ln w="12700" cap="flat" cmpd="sng">
+            <a:solidFill>
+              <a:srgbClr val="000000">
+                <a:alpha val="100000"/>
+              </a:srgbClr>
+            </a:solidFill>
+            <a:prstDash val="solid"/>
+          </a:ln>
+        </p:spPr>
+        <p:txBody>
+          <a:bodyPr wrap="square" lIns="91440" tIns="45720" rIns="91440" bIns="45720" numCol="1" vert="horz" anchor="ctr">
+            <a:noAutofit/>
+          </a:bodyPr>
+          <a:lstStyle/>
+          <a:p>
+            <a:pPr marL="0" indent="0" latinLnBrk="0">
+              <a:buFontTx/>
+              <a:buNone/>
+            </a:pPr>
+          </a:p>
+        </p:txBody>
+      </p:sp>
+      <p:sp>
+        <p:nvSpPr>
+          <p:cNvPr id="3" name="슬라이드 노트 개체 틀 4"/>
+          <p:cNvSpPr txBox="1">
+            <a:spLocks/>
+          </p:cNvSpPr>
+          <p:nvPr>
+            <p:ph type="body" idx="3"/>
+          </p:nvPr>
+        </p:nvSpPr>
+        <p:spPr>
+          <a:xfrm rot="0">
+            <a:off x="685800" y="4400550"/>
+            <a:ext cx="5490210" cy="3604260"/>
+          </a:xfrm>
+          <a:prstGeom prst="rect"/>
+        </p:spPr>
+        <p:txBody>
+          <a:bodyPr wrap="square" lIns="91440" tIns="45720" rIns="91440" bIns="45720" numCol="1" vert="horz" anchor="t">
+            <a:noAutofit/>
+          </a:bodyPr>
+          <a:lstStyle/>
+          <a:p>
+            <a:pPr marL="0" indent="0" latinLnBrk="0">
+              <a:buFontTx/>
+              <a:buNone/>
+            </a:pPr>
+          </a:p>
+        </p:txBody>
+      </p:sp>
+      <p:sp>
+        <p:nvSpPr>
+          <p:cNvPr id="4" name="슬라이드 번호 개체 틀 6"/>
+          <p:cNvSpPr txBox="1">
+            <a:spLocks/>
+          </p:cNvSpPr>
+          <p:nvPr>
+            <p:ph type="sldNum" idx="5"/>
+          </p:nvPr>
+        </p:nvSpPr>
+        <p:spPr>
+          <a:xfrm rot="0">
+            <a:off x="3884930" y="8685530"/>
+            <a:ext cx="2975610" cy="462280"/>
           </a:xfrm>
           <a:prstGeom prst="rect"/>
         </p:spPr>
@@ -9550,7 +9979,7 @@
 </file>
 
 <file path=ppt/slides/slide1.xml><?xml version="1.0" encoding="utf-8"?>
-<p:sld xmlns:a="http://schemas.openxmlformats.org/drawingml/2006/main" xmlns:r="http://schemas.openxmlformats.org/officeDocument/2006/relationships" xmlns:p="http://schemas.openxmlformats.org/presentationml/2006/main">
+<p:sld xmlns:a="http://schemas.openxmlformats.org/drawingml/2006/main" xmlns:r="http://schemas.openxmlformats.org/officeDocument/2006/relationships" xmlns:p="http://schemas.openxmlformats.org/presentationml/2006/main" xmlns:p14="http://schemas.microsoft.com/office/powerpoint/2010/main">
   <p:cSld>
     <p:spTree>
       <p:nvGrpSpPr>
@@ -9720,7 +10149,7 @@
       </p:sp>
       <p:pic>
         <p:nvPicPr>
-          <p:cNvPr id="1033" name="그림 9" descr="C:/Users/Admin1/AppData/Roaming/PolarisOffice/ETemp/17076_14861856/fImage1597828341.png"/>
+          <p:cNvPr id="1033" name="그림 9"/>
           <p:cNvPicPr>
             <a:picLocks noChangeAspect="1"/>
           </p:cNvPicPr>
@@ -9751,7 +10180,7 @@
       </p:pic>
       <p:pic>
         <p:nvPicPr>
-          <p:cNvPr id="1034" name="그림 10" descr="C:/Users/Admin1/AppData/Roaming/PolarisOffice/ETemp/17076_14861856/fImage45612848467.png"/>
+          <p:cNvPr id="1034" name="그림 10"/>
           <p:cNvPicPr>
             <a:picLocks noChangeAspect="1"/>
           </p:cNvPicPr>
@@ -9782,7 +10211,7 @@
       </p:pic>
       <p:pic>
         <p:nvPicPr>
-          <p:cNvPr id="1035" name="그림 13" descr="C:/Users/Admin1/AppData/Roaming/PolarisOffice/ETemp/17076_14861856/fImage20282856334.png"/>
+          <p:cNvPr id="1035" name="그림 13"/>
           <p:cNvPicPr>
             <a:picLocks noChangeAspect="1"/>
           </p:cNvPicPr>
@@ -9913,7 +10342,7 @@
       </p:sp>
       <p:pic>
         <p:nvPicPr>
-          <p:cNvPr id="1038" name="그림 19" descr="C:/Users/Admin1/AppData/Roaming/PolarisOffice/ETemp/17076_14861856/fImage412592896500.png"/>
+          <p:cNvPr id="1038" name="그림 19"/>
           <p:cNvPicPr>
             <a:picLocks noChangeAspect="1"/>
           </p:cNvPicPr>
@@ -9944,7 +10373,7 @@
       </p:pic>
       <p:pic>
         <p:nvPicPr>
-          <p:cNvPr id="1039" name="그림 22" descr="C:/Users/Admin1/AppData/Roaming/PolarisOffice/ETemp/17076_14861856/fImage67922909169.png"/>
+          <p:cNvPr id="1039" name="그림 22"/>
           <p:cNvPicPr>
             <a:picLocks noChangeAspect="1"/>
           </p:cNvPicPr>
@@ -9996,7 +10425,7 @@
 </p:sld>
 </file>
 
-<file path=ppt/slides/slide2.xml><?xml version="1.0" encoding="utf-8"?>
+<file path=ppt/slides/slide10.xml><?xml version="1.0" encoding="utf-8"?>
 <p:sld xmlns:a="http://schemas.openxmlformats.org/drawingml/2006/main" xmlns:r="http://schemas.openxmlformats.org/officeDocument/2006/relationships" xmlns:p="http://schemas.openxmlformats.org/presentationml/2006/main">
   <p:cSld>
     <p:spTree>
@@ -10023,8 +10452,8 @@
         </p:nvSpPr>
         <p:spPr>
           <a:xfrm rot="0">
-            <a:off x="4521200" y="476250"/>
-            <a:ext cx="3150870" cy="554990"/>
+            <a:off x="4523740" y="467360"/>
+            <a:ext cx="3157220" cy="554990"/>
           </a:xfrm>
           <a:prstGeom prst="rect"/>
           <a:noFill/>
@@ -10051,7 +10480,17 @@
                 <a:latin typeface="맑은 고딕" charset="0"/>
                 <a:ea typeface="맑은 고딕" charset="0"/>
               </a:rPr>
-              <a:t>두 번째 튜토리얼</a:t>
+              <a:t>열</a:t>
+            </a:r>
+            <a:r>
+              <a:rPr lang="ko-KR" sz="3000" b="1">
+                <a:solidFill>
+                  <a:schemeClr val="tx1"/>
+                </a:solidFill>
+                <a:latin typeface="맑은 고딕" charset="0"/>
+                <a:ea typeface="맑은 고딕" charset="0"/>
+              </a:rPr>
+              <a:t> 번째 튜토리얼</a:t>
             </a:r>
             <a:endParaRPr lang="ko-KR" altLang="en-US" sz="3000" b="1">
               <a:solidFill>
@@ -10065,7 +10504,7 @@
       </p:sp>
       <p:sp>
         <p:nvSpPr>
-          <p:cNvPr id="1032" name="Rect 0"/>
+          <p:cNvPr id="1053" name="Rect 0"/>
           <p:cNvSpPr txBox="1">
             <a:spLocks/>
           </p:cNvSpPr>
@@ -10073,8 +10512,8 @@
         </p:nvSpPr>
         <p:spPr>
           <a:xfrm rot="0">
-            <a:off x="1366520" y="4399280"/>
-            <a:ext cx="4013835" cy="1784985"/>
+            <a:off x="1412240" y="4532630"/>
+            <a:ext cx="3987165" cy="1784985"/>
           </a:xfrm>
           <a:prstGeom prst="rect"/>
           <a:noFill/>
@@ -10084,7 +10523,7 @@
           </a:ln>
         </p:spPr>
         <p:txBody>
-          <a:bodyPr wrap="square" lIns="89535" tIns="46355" rIns="89535" bIns="46355" vert="horz" anchor="t">
+          <a:bodyPr wrap="square" lIns="89535" tIns="46355" rIns="89535" bIns="46355" numCol="1" vert="horz" anchor="t">
             <a:spAutoFit/>
           </a:bodyPr>
           <a:lstStyle/>
@@ -10093,6 +10532,26 @@
               <a:buFontTx/>
               <a:buNone/>
             </a:pPr>
+            <a:r>
+              <a:rPr lang="ko-KR" sz="2000" b="1">
+                <a:solidFill>
+                  <a:srgbClr val="0611F2"/>
+                </a:solidFill>
+                <a:latin typeface="맑은 고딕" charset="0"/>
+                <a:ea typeface="맑은 고딕" charset="0"/>
+              </a:rPr>
+              <a:t>1</a:t>
+            </a:r>
+            <a:r>
+              <a:rPr lang="ko-KR" sz="2000" b="1">
+                <a:solidFill>
+                  <a:srgbClr val="0611F2"/>
+                </a:solidFill>
+                <a:latin typeface="맑은 고딕" charset="0"/>
+                <a:ea typeface="맑은 고딕" charset="0"/>
+              </a:rPr>
+              <a:t>8</a:t>
+            </a:r>
             <a:r>
               <a:rPr sz="2000" b="1">
                 <a:solidFill>
@@ -10101,16 +10560,6 @@
                 <a:latin typeface="맑은 고딕" charset="0"/>
                 <a:ea typeface="맑은 고딕" charset="0"/>
               </a:rPr>
-              <a:t>3</a:t>
-            </a:r>
-            <a:r>
-              <a:rPr sz="2000" b="1">
-                <a:solidFill>
-                  <a:srgbClr val="0611F2"/>
-                </a:solidFill>
-                <a:latin typeface="맑은 고딕" charset="0"/>
-                <a:ea typeface="맑은 고딕" charset="0"/>
-              </a:rPr>
               <a:t>. </a:t>
             </a:r>
             <a:r>
@@ -10118,7 +10567,7 @@
                 <a:latin typeface="맑은 고딕" charset="0"/>
                 <a:ea typeface="맑은 고딕" charset="0"/>
               </a:rPr>
-              <a:t>그리고 Capsule 오브젝트를 선택한 다음 UI에서 Image를 생성합니다.</a:t>
+              <a:t>이제 Switching 스크립트를 선택합니다.</a:t>
             </a:r>
             <a:endParaRPr lang="ko-KR" altLang="en-US" sz="1800">
               <a:latin typeface="맑은 고딕" charset="0"/>
@@ -10145,7 +10594,7 @@
                 <a:latin typeface="맑은 고딕" charset="0"/>
                 <a:ea typeface="맑은 고딕" charset="0"/>
               </a:rPr>
-              <a:t>그다음 State라는 이름으로 정의합니다.</a:t>
+              <a:t>그리고 Image 변수와 Sprite 변수를 선언한 다음 boolean 변수를 선언합니다.</a:t>
             </a:r>
             <a:endParaRPr lang="ko-KR" altLang="en-US" sz="1800">
               <a:latin typeface="맑은 고딕" charset="0"/>
@@ -10156,7 +10605,7 @@
       </p:sp>
       <p:sp>
         <p:nvSpPr>
-          <p:cNvPr id="1037" name="Rect 0"/>
+          <p:cNvPr id="1061" name="Rect 0"/>
           <p:cNvSpPr txBox="1">
             <a:spLocks/>
           </p:cNvSpPr>
@@ -10164,8 +10613,8 @@
         </p:nvSpPr>
         <p:spPr>
           <a:xfrm rot="0">
-            <a:off x="6821805" y="4671695"/>
-            <a:ext cx="4094480" cy="1508125"/>
+            <a:off x="6809105" y="3698875"/>
+            <a:ext cx="4105910" cy="2615565"/>
           </a:xfrm>
           <a:prstGeom prst="rect"/>
           <a:noFill/>
@@ -10175,7 +10624,7 @@
           </a:ln>
         </p:spPr>
         <p:txBody>
-          <a:bodyPr wrap="square" lIns="89535" tIns="46355" rIns="89535" bIns="46355" vert="horz" anchor="t">
+          <a:bodyPr wrap="square" lIns="89535" tIns="46355" rIns="89535" bIns="46355" numCol="1" vert="horz" anchor="t">
             <a:spAutoFit/>
           </a:bodyPr>
           <a:lstStyle/>
@@ -10192,7 +10641,17 @@
                 <a:latin typeface="맑은 고딕" charset="0"/>
                 <a:ea typeface="맑은 고딕" charset="0"/>
               </a:rPr>
-              <a:t>4</a:t>
+              <a:t>1</a:t>
+            </a:r>
+            <a:r>
+              <a:rPr lang="ko-KR" sz="2000" b="1">
+                <a:solidFill>
+                  <a:srgbClr val="0611F2"/>
+                </a:solidFill>
+                <a:latin typeface="맑은 고딕" charset="0"/>
+                <a:ea typeface="맑은 고딕" charset="0"/>
+              </a:rPr>
+              <a:t>9</a:t>
             </a:r>
             <a:r>
               <a:rPr sz="2000" b="1">
@@ -10209,7 +10668,7 @@
                 <a:latin typeface="맑은 고딕" charset="0"/>
                 <a:ea typeface="맑은 고딕" charset="0"/>
               </a:rPr>
-              <a:t>이제 Canvas의 크기와 위치를 설정합니다.</a:t>
+              <a:t>그런 다음 Behaviour( ) 함수를 선언합니다.</a:t>
             </a:r>
             <a:endParaRPr lang="ko-KR" altLang="en-US" sz="1800">
               <a:latin typeface="맑은 고딕" charset="0"/>
@@ -10236,18 +10695,946 @@
                 <a:latin typeface="맑은 고딕" charset="0"/>
                 <a:ea typeface="맑은 고딕" charset="0"/>
               </a:rPr>
-              <a:t>그런 다음 Render Mode를 World Space로 변경합니다.</a:t>
+              <a:t>그다음 조건문으로 state 변수가 true이면 Time.timeScale을 0으로 설정합니다.</a:t>
             </a:r>
             <a:endParaRPr lang="ko-KR" altLang="en-US" sz="1800">
               <a:latin typeface="맑은 고딕" charset="0"/>
               <a:ea typeface="맑은 고딕" charset="0"/>
             </a:endParaRPr>
           </a:p>
+          <a:p>
+            <a:pPr marL="0" indent="0" rtl="0" algn="l" defTabSz="914400" eaLnBrk="1" latinLnBrk="0" hangingPunct="1">
+              <a:buFontTx/>
+              <a:buNone/>
+            </a:pPr>
+            <a:endParaRPr lang="ko-KR" altLang="en-US" sz="1800">
+              <a:latin typeface="맑은 고딕" charset="0"/>
+              <a:ea typeface="맑은 고딕" charset="0"/>
+            </a:endParaRPr>
+          </a:p>
+          <a:p>
+            <a:pPr marL="0" indent="0" rtl="0" algn="l" defTabSz="914400" eaLnBrk="1" latinLnBrk="0" hangingPunct="1">
+              <a:buFontTx/>
+              <a:buNone/>
+            </a:pPr>
+            <a:r>
+              <a:rPr lang="ko-KR" sz="1800">
+                <a:latin typeface="맑은 고딕" charset="0"/>
+                <a:ea typeface="맑은 고딕" charset="0"/>
+              </a:rPr>
+              <a:t>그리고 state 변수가 false이면 Time.timeScale을 1로 설정합니다.</a:t>
+            </a:r>
+            <a:endParaRPr lang="ko-KR" altLang="en-US" sz="1800">
+              <a:latin typeface="맑은 고딕" charset="0"/>
+              <a:ea typeface="맑은 고딕" charset="0"/>
+            </a:endParaRPr>
+          </a:p>
         </p:txBody>
       </p:sp>
       <p:pic>
         <p:nvPicPr>
-          <p:cNvPr id="1040" name="그림 26" descr="C:/Users/Admin1/AppData/Roaming/PolarisOffice/ETemp/17076_14861856/fImage185003055724.png"/>
+          <p:cNvPr id="1070" name="그림 21" descr="C:/Users/Admin1/AppData/Roaming/PolarisOffice/ETemp/18200_22907784/fImage75233095724.png"/>
+          <p:cNvPicPr>
+            <a:picLocks noChangeAspect="1"/>
+          </p:cNvPicPr>
+          <p:nvPr/>
+        </p:nvPicPr>
+        <p:blipFill rotWithShape="1">
+          <a:blip r:embed="rId2" cstate="print">
+            <a:extLst>
+              <a:ext uri="{28A0092B-C50C-407E-A947-70E740481C1C}">
+                <a14:useLocalDpi xmlns:a14="http://schemas.microsoft.com/office/drawing/2010/main" val="0"/>
+              </a:ext>
+            </a:extLst>
+          </a:blip>
+          <a:stretch>
+            <a:fillRect/>
+          </a:stretch>
+        </p:blipFill>
+        <p:spPr>
+          <a:xfrm rot="0">
+            <a:off x="1388745" y="1499870"/>
+            <a:ext cx="4001135" cy="2946400"/>
+          </a:xfrm>
+          <a:prstGeom prst="roundRect"/>
+          <a:solidFill>
+            <a:srgbClr val="EDEDED"/>
+          </a:solidFill>
+        </p:spPr>
+      </p:pic>
+      <p:pic>
+        <p:nvPicPr>
+          <p:cNvPr id="1071" name="그림 28" descr="C:/Users/Admin1/AppData/Roaming/PolarisOffice/ETemp/18200_22907784/fImage66683101478.png"/>
+          <p:cNvPicPr>
+            <a:picLocks noChangeAspect="1"/>
+          </p:cNvPicPr>
+          <p:nvPr/>
+        </p:nvPicPr>
+        <p:blipFill rotWithShape="1">
+          <a:blip r:embed="rId3" cstate="print">
+            <a:extLst>
+              <a:ext uri="{28A0092B-C50C-407E-A947-70E740481C1C}">
+                <a14:useLocalDpi xmlns:a14="http://schemas.microsoft.com/office/drawing/2010/main" val="0"/>
+              </a:ext>
+            </a:extLst>
+          </a:blip>
+          <a:stretch>
+            <a:fillRect/>
+          </a:stretch>
+        </p:blipFill>
+        <p:spPr>
+          <a:xfrm rot="0">
+            <a:off x="6814185" y="1490980"/>
+            <a:ext cx="4101465" cy="2133600"/>
+          </a:xfrm>
+          <a:prstGeom prst="rect"/>
+          <a:noFill/>
+        </p:spPr>
+      </p:pic>
+    </p:spTree>
+  </p:cSld>
+  <p:clrMapOvr>
+    <a:masterClrMapping/>
+  </p:clrMapOvr>
+  <mc:AlternateContent xmlns:mc="http://schemas.openxmlformats.org/markup-compatibility/2006">
+    <mc:Choice xmlns:p14="http://schemas.microsoft.com/office/powerpoint/2010/main" Requires="p14">
+      <p:transition spd="slow" p14:dur="2000"/>
+    </mc:Choice>
+    <mc:Fallback>
+      <p:transition spd="slow"/>
+    </mc:Fallback>
+  </mc:AlternateContent>
+  <p:timing>
+    <p:tnLst>
+      <p:par>
+        <p:cTn id="1" dur="indefinite" restart="never" nodeType="tmRoot"/>
+      </p:par>
+    </p:tnLst>
+  </p:timing>
+</p:sld>
+</file>
+
+<file path=ppt/slides/slide11.xml><?xml version="1.0" encoding="utf-8"?>
+<p:sld xmlns:a="http://schemas.openxmlformats.org/drawingml/2006/main" xmlns:r="http://schemas.openxmlformats.org/officeDocument/2006/relationships" xmlns:p="http://schemas.openxmlformats.org/presentationml/2006/main">
+  <p:cSld>
+    <p:spTree>
+      <p:nvGrpSpPr>
+        <p:cNvPr id="1" name=""/>
+        <p:cNvGrpSpPr/>
+        <p:nvPr/>
+      </p:nvGrpSpPr>
+      <p:grpSpPr>
+        <a:xfrm>
+          <a:off x="0" y="0"/>
+          <a:ext cx="0" cy="0"/>
+          <a:chOff x="0" y="0"/>
+          <a:chExt cx="0" cy="0"/>
+        </a:xfrm>
+      </p:grpSpPr>
+      <p:sp>
+        <p:nvSpPr>
+          <p:cNvPr id="1031" name="Rect 0"/>
+          <p:cNvSpPr txBox="1">
+            <a:spLocks/>
+          </p:cNvSpPr>
+          <p:nvPr/>
+        </p:nvSpPr>
+        <p:spPr>
+          <a:xfrm rot="0">
+            <a:off x="4354195" y="467360"/>
+            <a:ext cx="3498850" cy="554990"/>
+          </a:xfrm>
+          <a:prstGeom prst="rect"/>
+          <a:noFill/>
+          <a:ln w="0">
+            <a:noFill/>
+            <a:prstDash/>
+          </a:ln>
+        </p:spPr>
+        <p:txBody>
+          <a:bodyPr wrap="square" lIns="89535" tIns="46355" rIns="89535" bIns="46355" numCol="1" vert="horz" anchor="t">
+            <a:spAutoFit/>
+          </a:bodyPr>
+          <a:lstStyle/>
+          <a:p>
+            <a:pPr marL="0" indent="0" algn="l" latinLnBrk="0">
+              <a:buFontTx/>
+              <a:buNone/>
+            </a:pPr>
+            <a:r>
+              <a:rPr lang="ko-KR" sz="3000" b="1">
+                <a:solidFill>
+                  <a:schemeClr val="tx1"/>
+                </a:solidFill>
+                <a:latin typeface="맑은 고딕" charset="0"/>
+                <a:ea typeface="맑은 고딕" charset="0"/>
+              </a:rPr>
+              <a:t>열한</a:t>
+            </a:r>
+            <a:r>
+              <a:rPr lang="ko-KR" sz="3000" b="1">
+                <a:solidFill>
+                  <a:schemeClr val="tx1"/>
+                </a:solidFill>
+                <a:latin typeface="맑은 고딕" charset="0"/>
+                <a:ea typeface="맑은 고딕" charset="0"/>
+              </a:rPr>
+              <a:t> 번째 튜토리얼</a:t>
+            </a:r>
+            <a:endParaRPr lang="ko-KR" altLang="en-US" sz="3000" b="1">
+              <a:solidFill>
+                <a:schemeClr val="tx1"/>
+              </a:solidFill>
+              <a:latin typeface="맑은 고딕" charset="0"/>
+              <a:ea typeface="맑은 고딕" charset="0"/>
+            </a:endParaRPr>
+          </a:p>
+        </p:txBody>
+      </p:sp>
+      <p:sp>
+        <p:nvSpPr>
+          <p:cNvPr id="1053" name="Rect 0"/>
+          <p:cNvSpPr txBox="1">
+            <a:spLocks/>
+          </p:cNvSpPr>
+          <p:nvPr/>
+        </p:nvSpPr>
+        <p:spPr>
+          <a:xfrm rot="0">
+            <a:off x="1290955" y="4255770"/>
+            <a:ext cx="4117340" cy="2061845"/>
+          </a:xfrm>
+          <a:prstGeom prst="rect"/>
+          <a:noFill/>
+          <a:ln w="0">
+            <a:noFill/>
+            <a:prstDash/>
+          </a:ln>
+        </p:spPr>
+        <p:txBody>
+          <a:bodyPr wrap="square" lIns="89535" tIns="46355" rIns="89535" bIns="46355" numCol="1" vert="horz" anchor="t">
+            <a:spAutoFit/>
+          </a:bodyPr>
+          <a:lstStyle/>
+          <a:p>
+            <a:pPr marL="0" indent="0" rtl="0" algn="l" defTabSz="914400" eaLnBrk="1" latinLnBrk="0" hangingPunct="1">
+              <a:buFontTx/>
+              <a:buNone/>
+            </a:pPr>
+            <a:r>
+              <a:rPr lang="ko-KR" sz="2000" b="1">
+                <a:solidFill>
+                  <a:srgbClr val="0611F2"/>
+                </a:solidFill>
+                <a:latin typeface="맑은 고딕" charset="0"/>
+                <a:ea typeface="맑은 고딕" charset="0"/>
+              </a:rPr>
+              <a:t>20</a:t>
+            </a:r>
+            <a:r>
+              <a:rPr sz="2000" b="1">
+                <a:solidFill>
+                  <a:srgbClr val="0611F2"/>
+                </a:solidFill>
+                <a:latin typeface="맑은 고딕" charset="0"/>
+                <a:ea typeface="맑은 고딕" charset="0"/>
+              </a:rPr>
+              <a:t>. </a:t>
+            </a:r>
+            <a:r>
+              <a:rPr lang="ko-KR" sz="1800">
+                <a:latin typeface="맑은 고딕" charset="0"/>
+                <a:ea typeface="맑은 고딕" charset="0"/>
+              </a:rPr>
+              <a:t>이제 Switching 스크립트를 선택하고 Project 폴더에 있는 Texture 폴더에 Pause 텍스처와 Play 텍스처를 넣어줍니다.</a:t>
+            </a:r>
+            <a:endParaRPr lang="ko-KR" altLang="en-US" sz="1800">
+              <a:latin typeface="맑은 고딕" charset="0"/>
+              <a:ea typeface="맑은 고딕" charset="0"/>
+            </a:endParaRPr>
+          </a:p>
+          <a:p>
+            <a:pPr marL="0" indent="0" rtl="0" algn="l" defTabSz="914400" eaLnBrk="1" latinLnBrk="0" hangingPunct="1">
+              <a:buFontTx/>
+              <a:buNone/>
+            </a:pPr>
+            <a:endParaRPr lang="ko-KR" altLang="en-US" sz="1800">
+              <a:latin typeface="맑은 고딕" charset="0"/>
+              <a:ea typeface="맑은 고딕" charset="0"/>
+            </a:endParaRPr>
+          </a:p>
+          <a:p>
+            <a:pPr marL="0" indent="0" rtl="0" algn="l" defTabSz="914400" eaLnBrk="1" latinLnBrk="0" hangingPunct="1">
+              <a:buFontTx/>
+              <a:buNone/>
+            </a:pPr>
+            <a:r>
+              <a:rPr lang="ko-KR" sz="1800">
+                <a:latin typeface="맑은 고딕" charset="0"/>
+                <a:ea typeface="맑은 고딕" charset="0"/>
+              </a:rPr>
+              <a:t>그다음 Pause Button 오브젝트를 선택하고 Button Image에 넣어줍니다.</a:t>
+            </a:r>
+            <a:endParaRPr lang="ko-KR" altLang="en-US" sz="1800">
+              <a:latin typeface="맑은 고딕" charset="0"/>
+              <a:ea typeface="맑은 고딕" charset="0"/>
+            </a:endParaRPr>
+          </a:p>
+        </p:txBody>
+      </p:sp>
+      <p:pic>
+        <p:nvPicPr>
+          <p:cNvPr id="1072" name="그림 30" descr="C:/Users/Admin1/AppData/Roaming/PolarisOffice/ETemp/18200_22907784/fImage149833199358.png"/>
+          <p:cNvPicPr>
+            <a:picLocks noChangeAspect="1"/>
+          </p:cNvPicPr>
+          <p:nvPr/>
+        </p:nvPicPr>
+        <p:blipFill rotWithShape="1">
+          <a:blip r:embed="rId2" cstate="print">
+            <a:extLst>
+              <a:ext uri="{28A0092B-C50C-407E-A947-70E740481C1C}">
+                <a14:useLocalDpi xmlns:a14="http://schemas.microsoft.com/office/drawing/2010/main" val="0"/>
+              </a:ext>
+            </a:extLst>
+          </a:blip>
+          <a:stretch>
+            <a:fillRect/>
+          </a:stretch>
+        </p:blipFill>
+        <p:spPr>
+          <a:xfrm rot="0">
+            <a:off x="1282065" y="1481455"/>
+            <a:ext cx="4126865" cy="1535430"/>
+          </a:xfrm>
+          <a:prstGeom prst="roundRect"/>
+          <a:solidFill>
+            <a:srgbClr val="EDEDED"/>
+          </a:solidFill>
+        </p:spPr>
+      </p:pic>
+      <p:pic>
+        <p:nvPicPr>
+          <p:cNvPr id="1073" name="그림 33" descr="C:/Users/Admin1/AppData/Roaming/PolarisOffice/ETemp/18200_22907784/fImage331733206962.png"/>
+          <p:cNvPicPr>
+            <a:picLocks noChangeAspect="1"/>
+          </p:cNvPicPr>
+          <p:nvPr/>
+        </p:nvPicPr>
+        <p:blipFill rotWithShape="1">
+          <a:blip r:embed="rId3" cstate="print">
+            <a:extLst>
+              <a:ext uri="{28A0092B-C50C-407E-A947-70E740481C1C}">
+                <a14:useLocalDpi xmlns:a14="http://schemas.microsoft.com/office/drawing/2010/main" val="0"/>
+              </a:ext>
+            </a:extLst>
+          </a:blip>
+          <a:stretch>
+            <a:fillRect/>
+          </a:stretch>
+        </p:blipFill>
+        <p:spPr>
+          <a:xfrm rot="0">
+            <a:off x="2623820" y="3218180"/>
+            <a:ext cx="2772410" cy="930275"/>
+          </a:xfrm>
+          <a:prstGeom prst="roundRect"/>
+          <a:solidFill>
+            <a:srgbClr val="EDEDED"/>
+          </a:solidFill>
+        </p:spPr>
+      </p:pic>
+      <p:cxnSp>
+        <p:nvCxnSpPr>
+          <p:cNvPr id="1074" name="도형 36"/>
+          <p:cNvCxnSpPr/>
+          <p:nvPr/>
+        </p:nvCxnSpPr>
+        <p:spPr>
+          <a:xfrm rot="0" flipV="1">
+            <a:off x="3680460" y="2693035"/>
+            <a:ext cx="1654810" cy="736600"/>
+          </a:xfrm>
+          <a:prstGeom prst="straightConnector1"/>
+          <a:ln w="6350" cap="flat" cmpd="sng">
+            <a:prstDash/>
+            <a:headEnd type="none" w="med" len="med"/>
+            <a:tailEnd type="triangle" w="med" len="med"/>
+          </a:ln>
+        </p:spPr>
+        <p:style>
+          <a:lnRef idx="1">
+            <a:schemeClr val="accent1"/>
+          </a:lnRef>
+          <a:fillRef idx="0">
+            <a:schemeClr val="accent1"/>
+          </a:fillRef>
+          <a:effectRef idx="0">
+            <a:schemeClr val="accent1"/>
+          </a:effectRef>
+          <a:fontRef idx="minor">
+            <a:schemeClr val="tx1"/>
+          </a:fontRef>
+        </p:style>
+      </p:cxnSp>
+      <p:cxnSp>
+        <p:nvCxnSpPr>
+          <p:cNvPr id="1075" name="도형 37"/>
+          <p:cNvCxnSpPr/>
+          <p:nvPr/>
+        </p:nvCxnSpPr>
+        <p:spPr>
+          <a:xfrm rot="0" flipV="1">
+            <a:off x="4277995" y="2519680"/>
+            <a:ext cx="1039495" cy="918845"/>
+          </a:xfrm>
+          <a:prstGeom prst="straightConnector1"/>
+          <a:ln w="6350" cap="flat" cmpd="sng">
+            <a:prstDash/>
+            <a:headEnd type="none" w="med" len="med"/>
+            <a:tailEnd type="triangle" w="med" len="med"/>
+          </a:ln>
+        </p:spPr>
+        <p:style>
+          <a:lnRef idx="1">
+            <a:schemeClr val="accent1"/>
+          </a:lnRef>
+          <a:fillRef idx="0">
+            <a:schemeClr val="accent1"/>
+          </a:fillRef>
+          <a:effectRef idx="0">
+            <a:schemeClr val="accent1"/>
+          </a:effectRef>
+          <a:fontRef idx="minor">
+            <a:schemeClr val="tx1"/>
+          </a:fontRef>
+        </p:style>
+      </p:cxnSp>
+      <p:pic>
+        <p:nvPicPr>
+          <p:cNvPr id="1076" name="그림 38" descr="C:/Users/Admin1/AppData/Roaming/PolarisOffice/ETemp/18200_22907784/fImage64693234464.png"/>
+          <p:cNvPicPr>
+            <a:picLocks noChangeAspect="1"/>
+          </p:cNvPicPr>
+          <p:nvPr/>
+        </p:nvPicPr>
+        <p:blipFill rotWithShape="1">
+          <a:blip r:embed="rId4" cstate="print">
+            <a:extLst>
+              <a:ext uri="{28A0092B-C50C-407E-A947-70E740481C1C}">
+                <a14:useLocalDpi xmlns:a14="http://schemas.microsoft.com/office/drawing/2010/main" val="0"/>
+              </a:ext>
+            </a:extLst>
+          </a:blip>
+          <a:stretch>
+            <a:fillRect/>
+          </a:stretch>
+        </p:blipFill>
+        <p:spPr>
+          <a:xfrm rot="0">
+            <a:off x="1282065" y="3257550"/>
+            <a:ext cx="1238885" cy="884555"/>
+          </a:xfrm>
+          <a:prstGeom prst="roundRect"/>
+          <a:solidFill>
+            <a:srgbClr val="EDEDED"/>
+          </a:solidFill>
+        </p:spPr>
+      </p:pic>
+      <p:cxnSp>
+        <p:nvCxnSpPr>
+          <p:cNvPr id="1077" name="도형 41"/>
+          <p:cNvCxnSpPr/>
+          <p:nvPr/>
+        </p:nvCxnSpPr>
+        <p:spPr>
+          <a:xfrm rot="0" flipV="1">
+            <a:off x="2312035" y="1983105"/>
+            <a:ext cx="3014345" cy="1939925"/>
+          </a:xfrm>
+          <a:prstGeom prst="straightConnector1"/>
+          <a:ln w="6350" cap="flat" cmpd="sng">
+            <a:prstDash/>
+            <a:headEnd type="none" w="med" len="med"/>
+            <a:tailEnd type="triangle" w="med" len="med"/>
+          </a:ln>
+        </p:spPr>
+        <p:style>
+          <a:lnRef idx="1">
+            <a:schemeClr val="accent1"/>
+          </a:lnRef>
+          <a:fillRef idx="0">
+            <a:schemeClr val="accent1"/>
+          </a:fillRef>
+          <a:effectRef idx="0">
+            <a:schemeClr val="accent1"/>
+          </a:effectRef>
+          <a:fontRef idx="minor">
+            <a:schemeClr val="tx1"/>
+          </a:fontRef>
+        </p:style>
+      </p:cxnSp>
+      <p:pic>
+        <p:nvPicPr>
+          <p:cNvPr id="1078" name="그림 42" descr="C:/Users/Admin1/AppData/Roaming/PolarisOffice/ETemp/18200_22907784/fImage70263255705.png"/>
+          <p:cNvPicPr>
+            <a:picLocks noChangeAspect="1"/>
+          </p:cNvPicPr>
+          <p:nvPr/>
+        </p:nvPicPr>
+        <p:blipFill rotWithShape="1">
+          <a:blip r:embed="rId5" cstate="print">
+            <a:extLst>
+              <a:ext uri="{28A0092B-C50C-407E-A947-70E740481C1C}">
+                <a14:useLocalDpi xmlns:a14="http://schemas.microsoft.com/office/drawing/2010/main" val="0"/>
+              </a:ext>
+            </a:extLst>
+          </a:blip>
+          <a:stretch>
+            <a:fillRect/>
+          </a:stretch>
+        </p:blipFill>
+        <p:spPr>
+          <a:xfrm rot="0">
+            <a:off x="6838950" y="1476375"/>
+            <a:ext cx="4144010" cy="1019810"/>
+          </a:xfrm>
+          <a:prstGeom prst="roundRect"/>
+          <a:solidFill>
+            <a:srgbClr val="EDEDED"/>
+          </a:solidFill>
+        </p:spPr>
+      </p:pic>
+      <p:pic>
+        <p:nvPicPr>
+          <p:cNvPr id="1079" name="그림 45" descr="C:/Users/Admin1/AppData/Roaming/PolarisOffice/ETemp/18200_22907784/fImage64693268145.png"/>
+          <p:cNvPicPr>
+            <a:picLocks noChangeAspect="1"/>
+          </p:cNvPicPr>
+          <p:nvPr/>
+        </p:nvPicPr>
+        <p:blipFill rotWithShape="1">
+          <a:blip r:embed="rId6" cstate="print">
+            <a:extLst>
+              <a:ext uri="{28A0092B-C50C-407E-A947-70E740481C1C}">
+                <a14:useLocalDpi xmlns:a14="http://schemas.microsoft.com/office/drawing/2010/main" val="0"/>
+              </a:ext>
+            </a:extLst>
+          </a:blip>
+          <a:stretch>
+            <a:fillRect/>
+          </a:stretch>
+        </p:blipFill>
+        <p:spPr>
+          <a:xfrm rot="0">
+            <a:off x="6840220" y="2643505"/>
+            <a:ext cx="4133215" cy="1786255"/>
+          </a:xfrm>
+          <a:prstGeom prst="roundRect"/>
+          <a:solidFill>
+            <a:srgbClr val="EDEDED"/>
+          </a:solidFill>
+        </p:spPr>
+      </p:pic>
+      <p:sp>
+        <p:nvSpPr>
+          <p:cNvPr id="1080" name="텍스트 상자 48"/>
+          <p:cNvSpPr txBox="1">
+            <a:spLocks/>
+          </p:cNvSpPr>
+          <p:nvPr/>
+        </p:nvSpPr>
+        <p:spPr>
+          <a:xfrm rot="0">
+            <a:off x="6849110" y="4527550"/>
+            <a:ext cx="4117340" cy="1784985"/>
+          </a:xfrm>
+          <a:prstGeom prst="rect"/>
+          <a:noFill/>
+          <a:ln w="0">
+            <a:noFill/>
+            <a:prstDash/>
+          </a:ln>
+        </p:spPr>
+        <p:txBody>
+          <a:bodyPr wrap="square" lIns="89535" tIns="46355" rIns="89535" bIns="46355" numCol="1" vert="horz" anchor="t">
+            <a:spAutoFit/>
+          </a:bodyPr>
+          <a:lstStyle/>
+          <a:p>
+            <a:pPr marL="0" indent="0" rtl="0" algn="l" defTabSz="914400" eaLnBrk="1" latinLnBrk="0" hangingPunct="1">
+              <a:buFontTx/>
+              <a:buNone/>
+            </a:pPr>
+            <a:r>
+              <a:rPr lang="ko-KR" sz="2000" b="1">
+                <a:solidFill>
+                  <a:srgbClr val="0611F2"/>
+                </a:solidFill>
+                <a:latin typeface="맑은 고딕" charset="0"/>
+                <a:ea typeface="맑은 고딕" charset="0"/>
+              </a:rPr>
+              <a:t>21</a:t>
+            </a:r>
+            <a:r>
+              <a:rPr sz="2000" b="1">
+                <a:solidFill>
+                  <a:srgbClr val="0611F2"/>
+                </a:solidFill>
+                <a:latin typeface="맑은 고딕" charset="0"/>
+                <a:ea typeface="맑은 고딕" charset="0"/>
+              </a:rPr>
+              <a:t>. </a:t>
+            </a:r>
+            <a:r>
+              <a:rPr lang="ko-KR" sz="1800">
+                <a:latin typeface="맑은 고딕" charset="0"/>
+                <a:ea typeface="맑은 고딕" charset="0"/>
+              </a:rPr>
+              <a:t>그런 다음 Pause Button에 On Click( ) 함수를 추가합니다.</a:t>
+            </a:r>
+            <a:endParaRPr lang="ko-KR" altLang="en-US" sz="1800">
+              <a:latin typeface="맑은 고딕" charset="0"/>
+              <a:ea typeface="맑은 고딕" charset="0"/>
+            </a:endParaRPr>
+          </a:p>
+          <a:p>
+            <a:pPr marL="0" indent="0" rtl="0" algn="l" defTabSz="914400" eaLnBrk="1" latinLnBrk="0" hangingPunct="1">
+              <a:buFontTx/>
+              <a:buNone/>
+            </a:pPr>
+            <a:endParaRPr lang="ko-KR" altLang="en-US" sz="1800">
+              <a:latin typeface="맑은 고딕" charset="0"/>
+              <a:ea typeface="맑은 고딕" charset="0"/>
+            </a:endParaRPr>
+          </a:p>
+          <a:p>
+            <a:pPr marL="0" indent="0" rtl="0" algn="l" defTabSz="914400" eaLnBrk="1" latinLnBrk="0" hangingPunct="1">
+              <a:buFontTx/>
+              <a:buNone/>
+            </a:pPr>
+            <a:r>
+              <a:rPr lang="ko-KR" sz="1800">
+                <a:latin typeface="맑은 고딕" charset="0"/>
+                <a:ea typeface="맑은 고딕" charset="0"/>
+              </a:rPr>
+              <a:t>그리고 On Click( ) 함수에 자신의 오브젝트를 넣어주고 Behaviour( ) 함수를 설정합니다.</a:t>
+            </a:r>
+            <a:endParaRPr lang="ko-KR" altLang="en-US" sz="1800">
+              <a:latin typeface="맑은 고딕" charset="0"/>
+              <a:ea typeface="맑은 고딕" charset="0"/>
+            </a:endParaRPr>
+          </a:p>
+        </p:txBody>
+      </p:sp>
+      <p:cxnSp>
+        <p:nvCxnSpPr>
+          <p:cNvPr id="1081" name="도형 49"/>
+          <p:cNvCxnSpPr/>
+          <p:nvPr/>
+        </p:nvCxnSpPr>
+        <p:spPr>
+          <a:xfrm rot="0" flipH="1" flipV="1">
+            <a:off x="8067675" y="2095500"/>
+            <a:ext cx="1181735" cy="1772285"/>
+          </a:xfrm>
+          <a:prstGeom prst="straightConnector1"/>
+          <a:ln w="6350" cap="flat" cmpd="sng">
+            <a:prstDash/>
+            <a:headEnd type="none" w="med" len="med"/>
+            <a:tailEnd type="triangle" w="med" len="med"/>
+          </a:ln>
+        </p:spPr>
+        <p:style>
+          <a:lnRef idx="1">
+            <a:schemeClr val="accent1"/>
+          </a:lnRef>
+          <a:fillRef idx="0">
+            <a:schemeClr val="accent1"/>
+          </a:fillRef>
+          <a:effectRef idx="0">
+            <a:schemeClr val="accent1"/>
+          </a:effectRef>
+          <a:fontRef idx="minor">
+            <a:schemeClr val="tx1"/>
+          </a:fontRef>
+        </p:style>
+      </p:cxnSp>
+    </p:spTree>
+  </p:cSld>
+  <p:clrMapOvr>
+    <a:masterClrMapping/>
+  </p:clrMapOvr>
+  <mc:AlternateContent xmlns:mc="http://schemas.openxmlformats.org/markup-compatibility/2006">
+    <mc:Choice xmlns:p14="http://schemas.microsoft.com/office/powerpoint/2010/main" Requires="p14">
+      <p:transition spd="slow" p14:dur="2000"/>
+    </mc:Choice>
+    <mc:Fallback>
+      <p:transition spd="slow"/>
+    </mc:Fallback>
+  </mc:AlternateContent>
+  <p:timing>
+    <p:tnLst>
+      <p:par>
+        <p:cTn id="1" dur="indefinite" restart="never" nodeType="tmRoot"/>
+      </p:par>
+    </p:tnLst>
+  </p:timing>
+</p:sld>
+</file>
+
+<file path=ppt/slides/slide2.xml><?xml version="1.0" encoding="utf-8"?>
+<p:sld xmlns:a="http://schemas.openxmlformats.org/drawingml/2006/main" xmlns:r="http://schemas.openxmlformats.org/officeDocument/2006/relationships" xmlns:p="http://schemas.openxmlformats.org/presentationml/2006/main" xmlns:p14="http://schemas.microsoft.com/office/powerpoint/2010/main">
+  <p:cSld>
+    <p:spTree>
+      <p:nvGrpSpPr>
+        <p:cNvPr id="1" name=""/>
+        <p:cNvGrpSpPr/>
+        <p:nvPr/>
+      </p:nvGrpSpPr>
+      <p:grpSpPr>
+        <a:xfrm>
+          <a:off x="0" y="0"/>
+          <a:ext cx="0" cy="0"/>
+          <a:chOff x="0" y="0"/>
+          <a:chExt cx="0" cy="0"/>
+        </a:xfrm>
+      </p:grpSpPr>
+      <p:sp>
+        <p:nvSpPr>
+          <p:cNvPr id="1031" name="Rect 0"/>
+          <p:cNvSpPr txBox="1">
+            <a:spLocks/>
+          </p:cNvSpPr>
+          <p:nvPr/>
+        </p:nvSpPr>
+        <p:spPr>
+          <a:xfrm rot="0">
+            <a:off x="4521200" y="476250"/>
+            <a:ext cx="3150870" cy="554990"/>
+          </a:xfrm>
+          <a:prstGeom prst="rect"/>
+          <a:noFill/>
+          <a:ln w="0">
+            <a:noFill/>
+            <a:prstDash/>
+          </a:ln>
+        </p:spPr>
+        <p:txBody>
+          <a:bodyPr wrap="square" lIns="89535" tIns="46355" rIns="89535" bIns="46355" numCol="1" vert="horz" anchor="t">
+            <a:spAutoFit/>
+          </a:bodyPr>
+          <a:lstStyle/>
+          <a:p>
+            <a:pPr marL="0" indent="0" algn="l" latinLnBrk="0">
+              <a:buFontTx/>
+              <a:buNone/>
+            </a:pPr>
+            <a:r>
+              <a:rPr lang="ko-KR" sz="3000" b="1">
+                <a:solidFill>
+                  <a:schemeClr val="tx1"/>
+                </a:solidFill>
+                <a:latin typeface="맑은 고딕" charset="0"/>
+                <a:ea typeface="맑은 고딕" charset="0"/>
+              </a:rPr>
+              <a:t>두 번째 튜토리얼</a:t>
+            </a:r>
+            <a:endParaRPr lang="ko-KR" altLang="en-US" sz="3000" b="1">
+              <a:solidFill>
+                <a:schemeClr val="tx1"/>
+              </a:solidFill>
+              <a:latin typeface="맑은 고딕" charset="0"/>
+              <a:ea typeface="맑은 고딕" charset="0"/>
+            </a:endParaRPr>
+          </a:p>
+        </p:txBody>
+      </p:sp>
+      <p:sp>
+        <p:nvSpPr>
+          <p:cNvPr id="1032" name="Rect 0"/>
+          <p:cNvSpPr txBox="1">
+            <a:spLocks/>
+          </p:cNvSpPr>
+          <p:nvPr/>
+        </p:nvSpPr>
+        <p:spPr>
+          <a:xfrm rot="0">
+            <a:off x="1366520" y="4399280"/>
+            <a:ext cx="4013835" cy="1784985"/>
+          </a:xfrm>
+          <a:prstGeom prst="rect"/>
+          <a:noFill/>
+          <a:ln w="0">
+            <a:noFill/>
+            <a:prstDash/>
+          </a:ln>
+        </p:spPr>
+        <p:txBody>
+          <a:bodyPr wrap="square" lIns="89535" tIns="46355" rIns="89535" bIns="46355" vert="horz" anchor="t">
+            <a:spAutoFit/>
+          </a:bodyPr>
+          <a:lstStyle/>
+          <a:p>
+            <a:pPr marL="0" indent="0" rtl="0" algn="l" defTabSz="914400" eaLnBrk="1" latinLnBrk="0" hangingPunct="1">
+              <a:buFontTx/>
+              <a:buNone/>
+            </a:pPr>
+            <a:r>
+              <a:rPr sz="2000" b="1">
+                <a:solidFill>
+                  <a:srgbClr val="0611F2"/>
+                </a:solidFill>
+                <a:latin typeface="맑은 고딕" charset="0"/>
+                <a:ea typeface="맑은 고딕" charset="0"/>
+              </a:rPr>
+              <a:t>3</a:t>
+            </a:r>
+            <a:r>
+              <a:rPr sz="2000" b="1">
+                <a:solidFill>
+                  <a:srgbClr val="0611F2"/>
+                </a:solidFill>
+                <a:latin typeface="맑은 고딕" charset="0"/>
+                <a:ea typeface="맑은 고딕" charset="0"/>
+              </a:rPr>
+              <a:t>. </a:t>
+            </a:r>
+            <a:r>
+              <a:rPr lang="ko-KR" sz="1800">
+                <a:latin typeface="맑은 고딕" charset="0"/>
+                <a:ea typeface="맑은 고딕" charset="0"/>
+              </a:rPr>
+              <a:t>그리고 Capsule 오브젝트를 선택한 다음 UI에서 Image를 생성합니다.</a:t>
+            </a:r>
+            <a:endParaRPr lang="ko-KR" altLang="en-US" sz="1800">
+              <a:latin typeface="맑은 고딕" charset="0"/>
+              <a:ea typeface="맑은 고딕" charset="0"/>
+            </a:endParaRPr>
+          </a:p>
+          <a:p>
+            <a:pPr marL="0" indent="0" rtl="0" algn="l" defTabSz="914400" eaLnBrk="1" latinLnBrk="0" hangingPunct="1">
+              <a:buFontTx/>
+              <a:buNone/>
+            </a:pPr>
+            <a:endParaRPr lang="ko-KR" altLang="en-US" sz="1800">
+              <a:latin typeface="맑은 고딕" charset="0"/>
+              <a:ea typeface="맑은 고딕" charset="0"/>
+            </a:endParaRPr>
+          </a:p>
+          <a:p>
+            <a:pPr marL="0" indent="0" rtl="0" algn="l" defTabSz="914400" eaLnBrk="1" latinLnBrk="0" hangingPunct="1">
+              <a:buFontTx/>
+              <a:buNone/>
+            </a:pPr>
+            <a:r>
+              <a:rPr lang="ko-KR" sz="1800">
+                <a:latin typeface="맑은 고딕" charset="0"/>
+                <a:ea typeface="맑은 고딕" charset="0"/>
+              </a:rPr>
+              <a:t>그다음 State라는 이름으로 정의합니다.</a:t>
+            </a:r>
+            <a:endParaRPr lang="ko-KR" altLang="en-US" sz="1800">
+              <a:latin typeface="맑은 고딕" charset="0"/>
+              <a:ea typeface="맑은 고딕" charset="0"/>
+            </a:endParaRPr>
+          </a:p>
+        </p:txBody>
+      </p:sp>
+      <p:sp>
+        <p:nvSpPr>
+          <p:cNvPr id="1037" name="Rect 0"/>
+          <p:cNvSpPr txBox="1">
+            <a:spLocks/>
+          </p:cNvSpPr>
+          <p:nvPr/>
+        </p:nvSpPr>
+        <p:spPr>
+          <a:xfrm rot="0">
+            <a:off x="6821805" y="4671695"/>
+            <a:ext cx="4094480" cy="1508125"/>
+          </a:xfrm>
+          <a:prstGeom prst="rect"/>
+          <a:noFill/>
+          <a:ln w="0">
+            <a:noFill/>
+            <a:prstDash/>
+          </a:ln>
+        </p:spPr>
+        <p:txBody>
+          <a:bodyPr wrap="square" lIns="89535" tIns="46355" rIns="89535" bIns="46355" vert="horz" anchor="t">
+            <a:spAutoFit/>
+          </a:bodyPr>
+          <a:lstStyle/>
+          <a:p>
+            <a:pPr marL="0" indent="0" rtl="0" algn="l" defTabSz="914400" eaLnBrk="1" latinLnBrk="0" hangingPunct="1">
+              <a:buFontTx/>
+              <a:buNone/>
+            </a:pPr>
+            <a:r>
+              <a:rPr lang="ko-KR" sz="2000" b="1">
+                <a:solidFill>
+                  <a:srgbClr val="0611F2"/>
+                </a:solidFill>
+                <a:latin typeface="맑은 고딕" charset="0"/>
+                <a:ea typeface="맑은 고딕" charset="0"/>
+              </a:rPr>
+              <a:t>4</a:t>
+            </a:r>
+            <a:r>
+              <a:rPr sz="2000" b="1">
+                <a:solidFill>
+                  <a:srgbClr val="0611F2"/>
+                </a:solidFill>
+                <a:latin typeface="맑은 고딕" charset="0"/>
+                <a:ea typeface="맑은 고딕" charset="0"/>
+              </a:rPr>
+              <a:t>. </a:t>
+            </a:r>
+            <a:r>
+              <a:rPr lang="ko-KR" sz="1800">
+                <a:latin typeface="맑은 고딕" charset="0"/>
+                <a:ea typeface="맑은 고딕" charset="0"/>
+              </a:rPr>
+              <a:t>이제 Canvas의 크기와 위치를 설정합니다.</a:t>
+            </a:r>
+            <a:endParaRPr lang="ko-KR" altLang="en-US" sz="1800">
+              <a:latin typeface="맑은 고딕" charset="0"/>
+              <a:ea typeface="맑은 고딕" charset="0"/>
+            </a:endParaRPr>
+          </a:p>
+          <a:p>
+            <a:pPr marL="0" indent="0" rtl="0" algn="l" defTabSz="914400" eaLnBrk="1" latinLnBrk="0" hangingPunct="1">
+              <a:buFontTx/>
+              <a:buNone/>
+            </a:pPr>
+            <a:endParaRPr lang="ko-KR" altLang="en-US" sz="1800">
+              <a:latin typeface="맑은 고딕" charset="0"/>
+              <a:ea typeface="맑은 고딕" charset="0"/>
+            </a:endParaRPr>
+          </a:p>
+          <a:p>
+            <a:pPr marL="0" indent="0" rtl="0" algn="l" defTabSz="914400" eaLnBrk="1" latinLnBrk="0" hangingPunct="1">
+              <a:buFontTx/>
+              <a:buNone/>
+            </a:pPr>
+            <a:r>
+              <a:rPr lang="ko-KR" sz="1800">
+                <a:latin typeface="맑은 고딕" charset="0"/>
+                <a:ea typeface="맑은 고딕" charset="0"/>
+              </a:rPr>
+              <a:t>그런 다음 Render Mode를 World Space로 변경합니다.</a:t>
+            </a:r>
+            <a:endParaRPr lang="ko-KR" altLang="en-US" sz="1800">
+              <a:latin typeface="맑은 고딕" charset="0"/>
+              <a:ea typeface="맑은 고딕" charset="0"/>
+            </a:endParaRPr>
+          </a:p>
+        </p:txBody>
+      </p:sp>
+      <p:pic>
+        <p:nvPicPr>
+          <p:cNvPr id="1040" name="그림 26"/>
           <p:cNvPicPr>
             <a:picLocks noChangeAspect="1"/>
           </p:cNvPicPr>
@@ -10278,7 +11665,7 @@
       </p:pic>
       <p:pic>
         <p:nvPicPr>
-          <p:cNvPr id="1041" name="그림 27" descr="C:/Users/Admin1/AppData/Roaming/PolarisOffice/ETemp/17076_14861856/fImage53103061478.png"/>
+          <p:cNvPr id="1041" name="그림 27"/>
           <p:cNvPicPr>
             <a:picLocks noChangeAspect="1"/>
           </p:cNvPicPr>
@@ -10309,7 +11696,7 @@
       </p:pic>
       <p:pic>
         <p:nvPicPr>
-          <p:cNvPr id="1042" name="그림 30" descr="C:/Users/Admin1/AppData/Roaming/PolarisOffice/ETemp/17076_14861856/fImage340933079358.png"/>
+          <p:cNvPr id="1042" name="그림 30"/>
           <p:cNvPicPr>
             <a:picLocks noChangeAspect="1"/>
           </p:cNvPicPr>
@@ -10360,7 +11747,7 @@
 </file>
 
 <file path=ppt/slides/slide3.xml><?xml version="1.0" encoding="utf-8"?>
-<p:sld xmlns:a="http://schemas.openxmlformats.org/drawingml/2006/main" xmlns:r="http://schemas.openxmlformats.org/officeDocument/2006/relationships" xmlns:p="http://schemas.openxmlformats.org/presentationml/2006/main">
+<p:sld xmlns:a="http://schemas.openxmlformats.org/drawingml/2006/main" xmlns:r="http://schemas.openxmlformats.org/officeDocument/2006/relationships" xmlns:p="http://schemas.openxmlformats.org/presentationml/2006/main" xmlns:p14="http://schemas.microsoft.com/office/powerpoint/2010/main">
   <p:cSld>
     <p:spTree>
       <p:nvGrpSpPr>
@@ -10556,7 +11943,7 @@
       </p:sp>
       <p:pic>
         <p:nvPicPr>
-          <p:cNvPr id="1043" name="그림 35" descr="C:/Users/Admin1/AppData/Roaming/PolarisOffice/ETemp/17076_14861856/fImage181873176962.png"/>
+          <p:cNvPr id="1043" name="그림 35"/>
           <p:cNvPicPr>
             <a:picLocks noChangeAspect="1"/>
           </p:cNvPicPr>
@@ -10587,7 +11974,7 @@
       </p:pic>
       <p:pic>
         <p:nvPicPr>
-          <p:cNvPr id="1044" name="그림 38" descr="C:/Users/Admin1/AppData/Roaming/PolarisOffice/ETemp/17076_14861856/fImage67923184464.png"/>
+          <p:cNvPr id="1044" name="그림 38"/>
           <p:cNvPicPr>
             <a:picLocks noChangeAspect="1"/>
           </p:cNvPicPr>
@@ -10618,7 +12005,7 @@
       </p:pic>
       <p:pic>
         <p:nvPicPr>
-          <p:cNvPr id="1045" name="그림 39" descr="C:/Users/Admin1/AppData/Roaming/PolarisOffice/ETemp/17076_14861856/fImage54943195705.png"/>
+          <p:cNvPr id="1045" name="그림 39"/>
           <p:cNvPicPr>
             <a:picLocks noChangeAspect="1"/>
           </p:cNvPicPr>
@@ -10746,7 +12133,7 @@
       </p:sp>
       <p:pic>
         <p:nvPicPr>
-          <p:cNvPr id="1048" name="그림 45" descr="C:/Users/Admin1/AppData/Roaming/PolarisOffice/ETemp/17076_14861856/fImage191383248145.png"/>
+          <p:cNvPr id="1048" name="그림 45"/>
           <p:cNvPicPr>
             <a:picLocks noChangeAspect="1"/>
           </p:cNvPicPr>
@@ -10777,7 +12164,7 @@
       </p:pic>
       <p:pic>
         <p:nvPicPr>
-          <p:cNvPr id="1049" name="그림 46" descr="C:/Users/Admin1/AppData/Roaming/PolarisOffice/ETemp/17076_14861856/fImage73883253281.png"/>
+          <p:cNvPr id="1049" name="그림 46"/>
           <p:cNvPicPr>
             <a:picLocks noChangeAspect="1"/>
           </p:cNvPicPr>
@@ -10830,7 +12217,7 @@
 </file>
 
 <file path=ppt/slides/slide4.xml><?xml version="1.0" encoding="utf-8"?>
-<p:sld xmlns:a="http://schemas.openxmlformats.org/drawingml/2006/main" xmlns:r="http://schemas.openxmlformats.org/officeDocument/2006/relationships" xmlns:p="http://schemas.openxmlformats.org/presentationml/2006/main">
+<p:sld xmlns:a="http://schemas.openxmlformats.org/drawingml/2006/main" xmlns:r="http://schemas.openxmlformats.org/officeDocument/2006/relationships" xmlns:p="http://schemas.openxmlformats.org/presentationml/2006/main" xmlns:p14="http://schemas.microsoft.com/office/powerpoint/2010/main">
   <p:cSld>
     <p:spTree>
       <p:nvGrpSpPr>
@@ -11026,7 +12413,7 @@
       </p:sp>
       <p:pic>
         <p:nvPicPr>
-          <p:cNvPr id="1050" name="그림 49" descr="C:/Users/Admin1/AppData/Roaming/PolarisOffice/ETemp/17076_14861856/fImage123893396827.png"/>
+          <p:cNvPr id="1050" name="그림 49"/>
           <p:cNvPicPr>
             <a:picLocks noChangeAspect="1"/>
           </p:cNvPicPr>
@@ -11057,7 +12444,7 @@
       </p:pic>
       <p:pic>
         <p:nvPicPr>
-          <p:cNvPr id="1051" name="그림 52" descr="C:/Users/Admin1/AppData/Roaming/PolarisOffice/ETemp/17076_14861856/fImage22403409961.png"/>
+          <p:cNvPr id="1051" name="그림 52"/>
           <p:cNvPicPr>
             <a:picLocks noChangeAspect="1"/>
           </p:cNvPicPr>
@@ -11088,7 +12475,7 @@
       </p:pic>
       <p:pic>
         <p:nvPicPr>
-          <p:cNvPr id="1052" name="그림 55" descr="C:/Users/Admin1/AppData/Roaming/PolarisOffice/ETemp/17076_14861856/fImage7388341491.png"/>
+          <p:cNvPr id="1052" name="그림 55"/>
           <p:cNvPicPr>
             <a:picLocks noChangeAspect="1"/>
           </p:cNvPicPr>
@@ -11218,7 +12605,7 @@
       </p:cxnSp>
       <p:pic>
         <p:nvPicPr>
-          <p:cNvPr id="1055" name="그림 58" descr="C:/Users/Admin1/AppData/Roaming/PolarisOffice/ETemp/17076_14861856/fImage81203442995.png"/>
+          <p:cNvPr id="1055" name="그림 58"/>
           <p:cNvPicPr>
             <a:picLocks noChangeAspect="1"/>
           </p:cNvPicPr>
@@ -11349,7 +12736,7 @@
       </p:sp>
       <p:pic>
         <p:nvPicPr>
-          <p:cNvPr id="1046" name="그림 61" descr="C:/Users/Admin1/AppData/Roaming/PolarisOffice/ETemp/17076_14861856/fImage75183451942.png"/>
+          <p:cNvPr id="1046" name="그림 61"/>
           <p:cNvPicPr>
             <a:picLocks noChangeAspect="1"/>
           </p:cNvPicPr>
@@ -11496,7 +12883,7 @@
       </p:sp>
       <p:pic>
         <p:nvPicPr>
-          <p:cNvPr id="1048" name="그림 103" descr="C:/Users/Admin1/AppData/Roaming/PolarisOffice/ETemp/17076_14861856/fImage163173934827.png"/>
+          <p:cNvPr id="1048" name="그림 103"/>
           <p:cNvPicPr>
             <a:picLocks noChangeAspect="1"/>
           </p:cNvPicPr>
@@ -11527,7 +12914,7 @@
       </p:pic>
       <p:pic>
         <p:nvPicPr>
-          <p:cNvPr id="1049" name="그림 106" descr="C:/Users/Admin1/AppData/Roaming/PolarisOffice/ETemp/17076_14861856/fImage333103945436.png"/>
+          <p:cNvPr id="1049" name="그림 106"/>
           <p:cNvPicPr>
             <a:picLocks noChangeAspect="1"/>
           </p:cNvPicPr>
@@ -11677,7 +13064,7 @@
 </file>
 
 <file path=ppt/slides/slide6.xml><?xml version="1.0" encoding="utf-8"?>
-<p:sld xmlns:a="http://schemas.openxmlformats.org/drawingml/2006/main" xmlns:r="http://schemas.openxmlformats.org/officeDocument/2006/relationships" xmlns:p="http://schemas.openxmlformats.org/presentationml/2006/main">
+<p:sld xmlns:a="http://schemas.openxmlformats.org/drawingml/2006/main" xmlns:r="http://schemas.openxmlformats.org/officeDocument/2006/relationships" xmlns:p="http://schemas.openxmlformats.org/presentationml/2006/main" xmlns:p14="http://schemas.microsoft.com/office/powerpoint/2010/main">
   <p:cSld>
     <p:spTree>
       <p:nvGrpSpPr>
@@ -11937,7 +13324,7 @@
       </p:sp>
       <p:pic>
         <p:nvPicPr>
-          <p:cNvPr id="1048" name="그림 68" descr="C:/Users/Admin1/AppData/Roaming/PolarisOffice/ETemp/17076_14861856/fImage45123572391.png"/>
+          <p:cNvPr id="1048" name="그림 68"/>
           <p:cNvPicPr>
             <a:picLocks noChangeAspect="1"/>
           </p:cNvPicPr>
@@ -11968,7 +13355,7 @@
       </p:pic>
       <p:pic>
         <p:nvPicPr>
-          <p:cNvPr id="1049" name="그림 72" descr="C:/Users/Admin1/AppData/Roaming/PolarisOffice/ETemp/17076_14861856/fImage56073604604.png"/>
+          <p:cNvPr id="1049" name="그림 72"/>
           <p:cNvPicPr>
             <a:picLocks noChangeAspect="1"/>
           </p:cNvPicPr>
@@ -12021,7 +13408,7 @@
 </file>
 
 <file path=ppt/slides/slide7.xml><?xml version="1.0" encoding="utf-8"?>
-<p:sld xmlns:a="http://schemas.openxmlformats.org/drawingml/2006/main" xmlns:r="http://schemas.openxmlformats.org/officeDocument/2006/relationships" xmlns:p="http://schemas.openxmlformats.org/presentationml/2006/main">
+<p:sld xmlns:a="http://schemas.openxmlformats.org/drawingml/2006/main" xmlns:r="http://schemas.openxmlformats.org/officeDocument/2006/relationships" xmlns:p="http://schemas.openxmlformats.org/presentationml/2006/main" xmlns:p14="http://schemas.microsoft.com/office/powerpoint/2010/main">
   <p:cSld>
     <p:spTree>
       <p:nvGrpSpPr>
@@ -12278,7 +13665,7 @@
       </p:sp>
       <p:pic>
         <p:nvPicPr>
-          <p:cNvPr id="1054" name="그림 86" descr="C:/Users/Admin1/AppData/Roaming/PolarisOffice/ETemp/17076_14861856/fImage87813833902.png"/>
+          <p:cNvPr id="1054" name="그림 86"/>
           <p:cNvPicPr>
             <a:picLocks noChangeAspect="1"/>
           </p:cNvPicPr>
@@ -12307,7 +13694,7 @@
       </p:pic>
       <p:pic>
         <p:nvPicPr>
-          <p:cNvPr id="1055" name="그림 88" descr="C:/Users/Admin1/AppData/Roaming/PolarisOffice/ETemp/17076_14861856/fImage258719385153.png"/>
+          <p:cNvPr id="1055" name="그림 88"/>
           <p:cNvPicPr>
             <a:picLocks noChangeAspect="1"/>
           </p:cNvPicPr>
@@ -12336,7 +13723,7 @@
       </p:pic>
       <p:pic>
         <p:nvPicPr>
-          <p:cNvPr id="1056" name="그림 89" descr="C:/Users/Admin1/AppData/Roaming/PolarisOffice/ETemp/17076_14861856/fImage409818386292.png"/>
+          <p:cNvPr id="1056" name="그림 89"/>
           <p:cNvPicPr>
             <a:picLocks noChangeAspect="1"/>
           </p:cNvPicPr>
@@ -12387,6 +13774,481 @@
 </file>
 
 <file path=ppt/slides/slide8.xml><?xml version="1.0" encoding="utf-8"?>
+<p:sld xmlns:a="http://schemas.openxmlformats.org/drawingml/2006/main" xmlns:r="http://schemas.openxmlformats.org/officeDocument/2006/relationships" xmlns:p="http://schemas.openxmlformats.org/presentationml/2006/main" xmlns:p14="http://schemas.microsoft.com/office/powerpoint/2010/main">
+  <p:cSld>
+    <p:spTree>
+      <p:nvGrpSpPr>
+        <p:cNvPr id="1" name=""/>
+        <p:cNvGrpSpPr/>
+        <p:nvPr/>
+      </p:nvGrpSpPr>
+      <p:grpSpPr>
+        <a:xfrm>
+          <a:off x="0" y="0"/>
+          <a:ext cx="0" cy="0"/>
+          <a:chOff x="0" y="0"/>
+          <a:chExt cx="0" cy="0"/>
+        </a:xfrm>
+      </p:grpSpPr>
+      <p:sp>
+        <p:nvSpPr>
+          <p:cNvPr id="1031" name="Rect 0"/>
+          <p:cNvSpPr txBox="1">
+            <a:spLocks/>
+          </p:cNvSpPr>
+          <p:nvPr/>
+        </p:nvSpPr>
+        <p:spPr>
+          <a:xfrm rot="0">
+            <a:off x="4333240" y="476250"/>
+            <a:ext cx="3541395" cy="554990"/>
+          </a:xfrm>
+          <a:prstGeom prst="rect"/>
+          <a:noFill/>
+          <a:ln w="0">
+            <a:noFill/>
+            <a:prstDash/>
+          </a:ln>
+        </p:spPr>
+        <p:txBody>
+          <a:bodyPr wrap="square" lIns="89535" tIns="46355" rIns="89535" bIns="46355" numCol="1" vert="horz" anchor="t">
+            <a:spAutoFit/>
+          </a:bodyPr>
+          <a:lstStyle/>
+          <a:p>
+            <a:pPr marL="0" indent="0" algn="l" latinLnBrk="0">
+              <a:buFontTx/>
+              <a:buNone/>
+            </a:pPr>
+            <a:r>
+              <a:rPr lang="ko-KR" sz="3000" b="1">
+                <a:solidFill>
+                  <a:schemeClr val="tx1"/>
+                </a:solidFill>
+                <a:latin typeface="맑은 고딕" charset="0"/>
+                <a:ea typeface="맑은 고딕" charset="0"/>
+              </a:rPr>
+              <a:t>여덟 번째 튜토리얼</a:t>
+            </a:r>
+            <a:endParaRPr lang="ko-KR" altLang="en-US" sz="3000" b="1">
+              <a:solidFill>
+                <a:schemeClr val="tx1"/>
+              </a:solidFill>
+              <a:latin typeface="맑은 고딕" charset="0"/>
+              <a:ea typeface="맑은 고딕" charset="0"/>
+            </a:endParaRPr>
+          </a:p>
+        </p:txBody>
+      </p:sp>
+      <p:sp>
+        <p:nvSpPr>
+          <p:cNvPr id="1053" name="텍스트 상자 81"/>
+          <p:cNvSpPr txBox="1">
+            <a:spLocks/>
+          </p:cNvSpPr>
+          <p:nvPr/>
+        </p:nvSpPr>
+        <p:spPr>
+          <a:xfrm rot="0">
+            <a:off x="1404620" y="4150995"/>
+            <a:ext cx="3928110" cy="2031365"/>
+          </a:xfrm>
+          <a:prstGeom prst="rect"/>
+          <a:noFill/>
+          <a:ln w="0">
+            <a:noFill/>
+            <a:prstDash/>
+          </a:ln>
+        </p:spPr>
+        <p:txBody>
+          <a:bodyPr wrap="square" lIns="89535" tIns="46355" rIns="89535" bIns="46355" numCol="1" vert="horz" anchor="t">
+            <a:spAutoFit/>
+          </a:bodyPr>
+          <a:lstStyle/>
+          <a:p>
+            <a:pPr marL="0" indent="0" rtl="0" algn="l" defTabSz="914400" eaLnBrk="1" latinLnBrk="0" hangingPunct="1">
+              <a:buFontTx/>
+              <a:buNone/>
+            </a:pPr>
+            <a:r>
+              <a:rPr sz="1800">
+                <a:latin typeface="맑은 고딕" charset="0"/>
+                <a:ea typeface="맑은 고딕" charset="0"/>
+              </a:rPr>
+              <a:t>GetComponent&lt;Type&gt;(</a:t>
+            </a:r>
+            <a:r>
+              <a:rPr sz="1800">
+                <a:latin typeface="맑은 고딕" charset="0"/>
+                <a:ea typeface="맑은 고딕" charset="0"/>
+              </a:rPr>
+              <a:t> </a:t>
+            </a:r>
+            <a:r>
+              <a:rPr sz="1800">
+                <a:latin typeface="맑은 고딕" charset="0"/>
+                <a:ea typeface="맑은 고딕" charset="0"/>
+              </a:rPr>
+              <a:t>)는 게임 오브젝트의 컴포넌트를 가져오는 함수입니다.</a:t>
+            </a:r>
+            <a:endParaRPr lang="ko-KR" altLang="en-US" sz="1800">
+              <a:latin typeface="맑은 고딕" charset="0"/>
+              <a:ea typeface="맑은 고딕" charset="0"/>
+            </a:endParaRPr>
+          </a:p>
+          <a:p>
+            <a:pPr marL="0" indent="0" rtl="0" algn="l" defTabSz="914400" eaLnBrk="1" latinLnBrk="0" hangingPunct="1">
+              <a:buFontTx/>
+              <a:buNone/>
+            </a:pPr>
+            <a:endParaRPr lang="ko-KR" altLang="en-US" sz="1800">
+              <a:latin typeface="맑은 고딕" charset="0"/>
+              <a:ea typeface="맑은 고딕" charset="0"/>
+            </a:endParaRPr>
+          </a:p>
+          <a:p>
+            <a:pPr marL="0" indent="0" algn="l" latinLnBrk="0" hangingPunct="1">
+              <a:buFontTx/>
+              <a:buNone/>
+            </a:pPr>
+            <a:r>
+              <a:rPr lang="ko-KR" sz="1800">
+                <a:latin typeface="맑은 고딕" charset="0"/>
+                <a:ea typeface="맑은 고딕" charset="0"/>
+              </a:rPr>
+              <a:t>원하는 컴포넌트</a:t>
+            </a:r>
+            <a:r>
+              <a:rPr lang="ko-KR" sz="1800">
+                <a:latin typeface="맑은 고딕" charset="0"/>
+                <a:ea typeface="맑은 고딕" charset="0"/>
+              </a:rPr>
+              <a:t>에 있는 속성을 사용하려면</a:t>
+            </a:r>
+            <a:r>
+              <a:rPr lang="ko-KR" sz="1800">
+                <a:latin typeface="맑은 고딕" charset="0"/>
+                <a:ea typeface="맑은 고딕" charset="0"/>
+              </a:rPr>
+              <a:t> </a:t>
+            </a:r>
+            <a:r>
+              <a:rPr lang="ko-KR" sz="1800">
+                <a:latin typeface="맑은 고딕" charset="0"/>
+                <a:ea typeface="맑은 고딕" charset="0"/>
+              </a:rPr>
+              <a:t>게임 오브젝트에 컴포넌트가 들어가 있어야 합니다.</a:t>
+            </a:r>
+            <a:endParaRPr lang="ko-KR" altLang="en-US" sz="1800">
+              <a:latin typeface="맑은 고딕" charset="0"/>
+              <a:ea typeface="맑은 고딕" charset="0"/>
+            </a:endParaRPr>
+          </a:p>
+        </p:txBody>
+      </p:sp>
+      <p:pic>
+        <p:nvPicPr>
+          <p:cNvPr id="1055" name="그림 93" descr="C:/Users/Admin1/AppData/Roaming/PolarisOffice/ETemp/18200_22907784/fImage41813882382.png"/>
+          <p:cNvPicPr>
+            <a:picLocks noChangeAspect="1"/>
+          </p:cNvPicPr>
+          <p:nvPr/>
+        </p:nvPicPr>
+        <p:blipFill rotWithShape="1">
+          <a:blip r:embed="rId2" cstate="hqprint">
+            <a:extLst>
+              <a:ext uri="{28A0092B-C50C-407E-A947-70E740481C1C}">
+                <a14:useLocalDpi xmlns:a14="http://schemas.microsoft.com/office/drawing/2010/main"/>
+              </a:ext>
+            </a:extLst>
+          </a:blip>
+          <a:stretch>
+            <a:fillRect/>
+          </a:stretch>
+        </p:blipFill>
+        <p:spPr>
+          <a:xfrm rot="0">
+            <a:off x="6826250" y="1479550"/>
+            <a:ext cx="4106545" cy="2525395"/>
+          </a:xfrm>
+          <a:prstGeom prst="roundRect"/>
+          <a:solidFill>
+            <a:srgbClr val="EDEDED"/>
+          </a:solidFill>
+        </p:spPr>
+      </p:pic>
+      <p:pic>
+        <p:nvPicPr>
+          <p:cNvPr id="1056" name="그림 97"/>
+          <p:cNvPicPr>
+            <a:picLocks noChangeAspect="1"/>
+          </p:cNvPicPr>
+          <p:nvPr/>
+        </p:nvPicPr>
+        <p:blipFill rotWithShape="1">
+          <a:blip r:embed="rId3" cstate="print">
+            <a:extLst>
+              <a:ext uri="{28A0092B-C50C-407E-A947-70E740481C1C}">
+                <a14:useLocalDpi xmlns:a14="http://schemas.microsoft.com/office/drawing/2010/main" val="0"/>
+              </a:ext>
+            </a:extLst>
+          </a:blip>
+          <a:stretch>
+            <a:fillRect/>
+          </a:stretch>
+        </p:blipFill>
+        <p:spPr>
+          <a:xfrm rot="0">
+            <a:off x="1409700" y="1470660"/>
+            <a:ext cx="1977390" cy="2413635"/>
+          </a:xfrm>
+          <a:prstGeom prst="roundRect"/>
+          <a:solidFill>
+            <a:srgbClr val="EDEDED"/>
+          </a:solidFill>
+        </p:spPr>
+      </p:pic>
+      <p:pic>
+        <p:nvPicPr>
+          <p:cNvPr id="1057" name="그림 100" descr="C:/Users/Admin1/AppData/Roaming/PolarisOffice/ETemp/18200_22907784/fImage4088163908716.png"/>
+          <p:cNvPicPr>
+            <a:picLocks noChangeAspect="1"/>
+          </p:cNvPicPr>
+          <p:nvPr/>
+        </p:nvPicPr>
+        <p:blipFill rotWithShape="1">
+          <a:blip r:embed="rId4" cstate="hqprint">
+            <a:extLst>
+              <a:ext uri="{28A0092B-C50C-407E-A947-70E740481C1C}">
+                <a14:useLocalDpi xmlns:a14="http://schemas.microsoft.com/office/drawing/2010/main"/>
+              </a:ext>
+            </a:extLst>
+          </a:blip>
+          <a:stretch>
+            <a:fillRect/>
+          </a:stretch>
+        </p:blipFill>
+        <p:spPr>
+          <a:xfrm rot="0">
+            <a:off x="4040505" y="2033905"/>
+            <a:ext cx="1287780" cy="752475"/>
+          </a:xfrm>
+          <a:prstGeom prst="rect"/>
+          <a:noFill/>
+        </p:spPr>
+      </p:pic>
+      <p:pic>
+        <p:nvPicPr>
+          <p:cNvPr id="1058" name="그림 101"/>
+          <p:cNvPicPr>
+            <a:picLocks noChangeAspect="1"/>
+          </p:cNvPicPr>
+          <p:nvPr/>
+        </p:nvPicPr>
+        <p:blipFill rotWithShape="1">
+          <a:blip r:embed="rId5" cstate="print">
+            <a:extLst>
+              <a:ext uri="{28A0092B-C50C-407E-A947-70E740481C1C}">
+                <a14:useLocalDpi xmlns:a14="http://schemas.microsoft.com/office/drawing/2010/main" val="0"/>
+              </a:ext>
+            </a:extLst>
+          </a:blip>
+          <a:stretch>
+            <a:fillRect/>
+          </a:stretch>
+        </p:blipFill>
+        <p:spPr>
+          <a:xfrm rot="0">
+            <a:off x="3164205" y="2317750"/>
+            <a:ext cx="688975" cy="392430"/>
+          </a:xfrm>
+          <a:prstGeom prst="rect"/>
+          <a:noFill/>
+        </p:spPr>
+      </p:pic>
+      <p:pic>
+        <p:nvPicPr>
+          <p:cNvPr id="1059" name="그림 1" descr="C:/Users/Admin1/AppData/Roaming/PolarisOffice/ETemp/18200_22907784/fImage1437533919718.png"/>
+          <p:cNvPicPr>
+            <a:picLocks noChangeAspect="1"/>
+          </p:cNvPicPr>
+          <p:nvPr/>
+        </p:nvPicPr>
+        <p:blipFill rotWithShape="1">
+          <a:blip r:embed="rId5" cstate="hqprint">
+            <a:extLst>
+              <a:ext uri="{28A0092B-C50C-407E-A947-70E740481C1C}">
+                <a14:useLocalDpi xmlns:a14="http://schemas.microsoft.com/office/drawing/2010/main"/>
+              </a:ext>
+            </a:extLst>
+          </a:blip>
+          <a:stretch>
+            <a:fillRect/>
+          </a:stretch>
+        </p:blipFill>
+        <p:spPr>
+          <a:xfrm rot="0">
+            <a:off x="3166745" y="3124835"/>
+            <a:ext cx="689610" cy="393065"/>
+          </a:xfrm>
+          <a:prstGeom prst="rect"/>
+          <a:noFill/>
+        </p:spPr>
+      </p:pic>
+      <p:pic>
+        <p:nvPicPr>
+          <p:cNvPr id="1060" name="그림 2" descr="C:/Users/Admin1/AppData/Roaming/PolarisOffice/ETemp/18200_22907784/fImage73851412541.png"/>
+          <p:cNvPicPr>
+            <a:picLocks noChangeAspect="1"/>
+          </p:cNvPicPr>
+          <p:nvPr/>
+        </p:nvPicPr>
+        <p:blipFill rotWithShape="1">
+          <a:blip r:embed="rId7" cstate="print">
+            <a:extLst>
+              <a:ext uri="{28A0092B-C50C-407E-A947-70E740481C1C}">
+                <a14:useLocalDpi xmlns:a14="http://schemas.microsoft.com/office/drawing/2010/main" val="0"/>
+              </a:ext>
+            </a:extLst>
+          </a:blip>
+          <a:stretch>
+            <a:fillRect/>
+          </a:stretch>
+        </p:blipFill>
+        <p:spPr>
+          <a:xfrm rot="0">
+            <a:off x="4057650" y="3009900"/>
+            <a:ext cx="1278890" cy="631825"/>
+          </a:xfrm>
+          <a:prstGeom prst="rect"/>
+          <a:noFill/>
+        </p:spPr>
+      </p:pic>
+      <p:sp>
+        <p:nvSpPr>
+          <p:cNvPr id="1061" name="텍스트 상자 3"/>
+          <p:cNvSpPr txBox="1">
+            <a:spLocks/>
+          </p:cNvSpPr>
+          <p:nvPr/>
+        </p:nvSpPr>
+        <p:spPr>
+          <a:xfrm rot="0">
+            <a:off x="6826885" y="4123055"/>
+            <a:ext cx="4114800" cy="2061845"/>
+          </a:xfrm>
+          <a:prstGeom prst="rect"/>
+          <a:noFill/>
+          <a:ln w="0">
+            <a:noFill/>
+            <a:prstDash/>
+          </a:ln>
+        </p:spPr>
+        <p:txBody>
+          <a:bodyPr wrap="square" lIns="89535" tIns="46355" rIns="89535" bIns="46355" numCol="1" vert="horz" anchor="t">
+            <a:spAutoFit/>
+          </a:bodyPr>
+          <a:lstStyle/>
+          <a:p>
+            <a:pPr marL="0" indent="0" rtl="0" algn="l" defTabSz="914400" eaLnBrk="1" latinLnBrk="0" hangingPunct="1">
+              <a:buFontTx/>
+              <a:buNone/>
+            </a:pPr>
+            <a:r>
+              <a:rPr lang="ko-KR" sz="2000" b="1">
+                <a:solidFill>
+                  <a:srgbClr val="0611F2"/>
+                </a:solidFill>
+                <a:latin typeface="맑은 고딕" charset="0"/>
+                <a:ea typeface="맑은 고딕" charset="0"/>
+              </a:rPr>
+              <a:t>1</a:t>
+            </a:r>
+            <a:r>
+              <a:rPr lang="ko-KR" sz="2000" b="1">
+                <a:solidFill>
+                  <a:srgbClr val="0611F2"/>
+                </a:solidFill>
+                <a:latin typeface="맑은 고딕" charset="0"/>
+                <a:ea typeface="맑은 고딕" charset="0"/>
+              </a:rPr>
+              <a:t>6</a:t>
+            </a:r>
+            <a:r>
+              <a:rPr sz="2000" b="1">
+                <a:solidFill>
+                  <a:srgbClr val="0611F2"/>
+                </a:solidFill>
+                <a:latin typeface="맑은 고딕" charset="0"/>
+                <a:ea typeface="맑은 고딕" charset="0"/>
+              </a:rPr>
+              <a:t>. </a:t>
+            </a:r>
+            <a:r>
+              <a:rPr lang="ko-KR" sz="1800">
+                <a:latin typeface="맑은 고딕" charset="0"/>
+                <a:ea typeface="맑은 고딕" charset="0"/>
+              </a:rPr>
+              <a:t>이제 Start( ) 함수에서 Position 함수를 지정한 시간 후에 지정된 시간마다 반복적으로 호출하도록 설정합니다.</a:t>
+            </a:r>
+            <a:endParaRPr lang="ko-KR" altLang="en-US" sz="1800">
+              <a:latin typeface="맑은 고딕" charset="0"/>
+              <a:ea typeface="맑은 고딕" charset="0"/>
+            </a:endParaRPr>
+          </a:p>
+          <a:p>
+            <a:pPr marL="0" indent="0" rtl="0" algn="l" defTabSz="914400" eaLnBrk="1" latinLnBrk="0" hangingPunct="1">
+              <a:buFontTx/>
+              <a:buNone/>
+            </a:pPr>
+            <a:endParaRPr lang="ko-KR" altLang="en-US" sz="1800">
+              <a:latin typeface="맑은 고딕" charset="0"/>
+              <a:ea typeface="맑은 고딕" charset="0"/>
+            </a:endParaRPr>
+          </a:p>
+          <a:p>
+            <a:pPr marL="0" indent="0" rtl="0" algn="l" defTabSz="914400" eaLnBrk="1" latinLnBrk="0" hangingPunct="1">
+              <a:buFontTx/>
+              <a:buNone/>
+            </a:pPr>
+            <a:r>
+              <a:rPr lang="ko-KR" sz="1800">
+                <a:latin typeface="맑은 고딕" charset="0"/>
+                <a:ea typeface="맑은 고딕" charset="0"/>
+              </a:rPr>
+              <a:t>그런 다음 Paint( ) 코루틴 함수를 호출합니다.</a:t>
+            </a:r>
+            <a:endParaRPr lang="ko-KR" altLang="en-US" sz="1800">
+              <a:latin typeface="맑은 고딕" charset="0"/>
+              <a:ea typeface="맑은 고딕" charset="0"/>
+            </a:endParaRPr>
+          </a:p>
+        </p:txBody>
+      </p:sp>
+    </p:spTree>
+  </p:cSld>
+  <p:clrMapOvr>
+    <a:masterClrMapping/>
+  </p:clrMapOvr>
+  <mc:AlternateContent xmlns:mc="http://schemas.openxmlformats.org/markup-compatibility/2006">
+    <mc:Choice xmlns:p14="http://schemas.microsoft.com/office/powerpoint/2010/main" Requires="p14">
+      <p:transition spd="slow" p14:dur="2000"/>
+    </mc:Choice>
+    <mc:Fallback>
+      <p:transition spd="slow"/>
+    </mc:Fallback>
+  </mc:AlternateContent>
+  <p:timing>
+    <p:tnLst>
+      <p:par>
+        <p:cTn id="1" dur="indefinite" restart="never" nodeType="tmRoot"/>
+      </p:par>
+    </p:tnLst>
+  </p:timing>
+</p:sld>
+</file>
+
+<file path=ppt/slides/slide9.xml><?xml version="1.0" encoding="utf-8"?>
 <p:sld xmlns:a="http://schemas.openxmlformats.org/drawingml/2006/main" xmlns:r="http://schemas.openxmlformats.org/officeDocument/2006/relationships" xmlns:p="http://schemas.openxmlformats.org/presentationml/2006/main">
   <p:cSld>
     <p:spTree>
@@ -12414,7 +14276,7 @@
         <p:spPr>
           <a:xfrm rot="0">
             <a:off x="4333240" y="476250"/>
-            <a:ext cx="3541395" cy="554990"/>
+            <a:ext cx="3542030" cy="554990"/>
           </a:xfrm>
           <a:prstGeom prst="rect"/>
           <a:noFill/>
@@ -12441,7 +14303,17 @@
                 <a:latin typeface="맑은 고딕" charset="0"/>
                 <a:ea typeface="맑은 고딕" charset="0"/>
               </a:rPr>
-              <a:t>여덟 번째 튜토리얼</a:t>
+              <a:t>아홉</a:t>
+            </a:r>
+            <a:r>
+              <a:rPr lang="ko-KR" sz="3000" b="1">
+                <a:solidFill>
+                  <a:schemeClr val="tx1"/>
+                </a:solidFill>
+                <a:latin typeface="맑은 고딕" charset="0"/>
+                <a:ea typeface="맑은 고딕" charset="0"/>
+              </a:rPr>
+              <a:t> 번째 튜토리얼</a:t>
             </a:r>
             <a:endParaRPr lang="ko-KR" altLang="en-US" sz="3000" b="1">
               <a:solidFill>
@@ -12455,7 +14327,7 @@
       </p:sp>
       <p:sp>
         <p:nvSpPr>
-          <p:cNvPr id="1053" name="텍스트 상자 81"/>
+          <p:cNvPr id="1053" name="Rect 0"/>
           <p:cNvSpPr txBox="1">
             <a:spLocks/>
           </p:cNvSpPr>
@@ -12463,8 +14335,8 @@
         </p:nvSpPr>
         <p:spPr>
           <a:xfrm rot="0">
-            <a:off x="1404620" y="4150995"/>
-            <a:ext cx="3928110" cy="2031365"/>
+            <a:off x="1395095" y="3875405"/>
+            <a:ext cx="3987165" cy="2308225"/>
           </a:xfrm>
           <a:prstGeom prst="rect"/>
           <a:noFill/>
@@ -12484,25 +14356,11 @@
               <a:buNone/>
             </a:pPr>
             <a:r>
-              <a:rPr sz="1800">
-                <a:latin typeface="맑은 고딕" charset="0"/>
-                <a:ea typeface="맑은 고딕" charset="0"/>
-              </a:rPr>
-              <a:t>GetComponent&lt;Type&gt;(</a:t>
-            </a:r>
-            <a:r>
-              <a:rPr sz="1800">
-                <a:latin typeface="맑은 고딕" charset="0"/>
-                <a:ea typeface="맑은 고딕" charset="0"/>
-              </a:rPr>
-              <a:t> </a:t>
-            </a:r>
-            <a:r>
-              <a:rPr sz="1800">
-                <a:latin typeface="맑은 고딕" charset="0"/>
-                <a:ea typeface="맑은 고딕" charset="0"/>
-              </a:rPr>
-              <a:t>)는 게임 오브젝트의 컴포넌트를 가져오는 함수입니다.</a:t>
+              <a:rPr lang="ko-KR" sz="1800">
+                <a:latin typeface="맑은 고딕" charset="0"/>
+                <a:ea typeface="맑은 고딕" charset="0"/>
+              </a:rPr>
+              <a:t>코루틴 함수란?</a:t>
             </a:r>
             <a:endParaRPr lang="ko-KR" altLang="en-US" sz="1800">
               <a:latin typeface="맑은 고딕" charset="0"/>
@@ -12514,54 +14372,151 @@
               <a:buFontTx/>
               <a:buNone/>
             </a:pPr>
+            <a:r>
+              <a:rPr lang="ko-KR" sz="1800">
+                <a:latin typeface="맑은 고딕" charset="0"/>
+                <a:ea typeface="맑은 고딕" charset="0"/>
+              </a:rPr>
+              <a:t>특정한 위치에서 실행을 정지하고 Unity에 제어권을 돌려줍니다.</a:t>
+            </a:r>
             <a:endParaRPr lang="ko-KR" altLang="en-US" sz="1800">
               <a:latin typeface="맑은 고딕" charset="0"/>
               <a:ea typeface="맑은 고딕" charset="0"/>
             </a:endParaRPr>
           </a:p>
           <a:p>
-            <a:pPr marL="0" indent="0" algn="l" latinLnBrk="0" hangingPunct="1">
-              <a:buFontTx/>
-              <a:buNone/>
-            </a:pPr>
-            <a:r>
-              <a:rPr lang="ko-KR" sz="1800">
-                <a:latin typeface="맑은 고딕" charset="0"/>
-                <a:ea typeface="맑은 고딕" charset="0"/>
-              </a:rPr>
-              <a:t>원하는 컴포넌트</a:t>
-            </a:r>
-            <a:r>
-              <a:rPr lang="ko-KR" sz="1800">
-                <a:latin typeface="맑은 고딕" charset="0"/>
-                <a:ea typeface="맑은 고딕" charset="0"/>
-              </a:rPr>
-              <a:t>에 있는 속성을 사용하려면</a:t>
-            </a:r>
-            <a:r>
-              <a:rPr lang="ko-KR" sz="1800">
-                <a:latin typeface="맑은 고딕" charset="0"/>
-                <a:ea typeface="맑은 고딕" charset="0"/>
-              </a:rPr>
-              <a:t> </a:t>
-            </a:r>
-            <a:r>
-              <a:rPr lang="ko-KR" sz="1800">
-                <a:latin typeface="맑은 고딕" charset="0"/>
-                <a:ea typeface="맑은 고딕" charset="0"/>
-              </a:rPr>
-              <a:t>게임 오브젝트에 컴포넌트가 들어가 있어야 합니다.</a:t>
-            </a:r>
+            <a:pPr marL="0" indent="0" rtl="0" algn="l" defTabSz="914400" eaLnBrk="1" latinLnBrk="0" hangingPunct="1">
+              <a:buFontTx/>
+              <a:buNone/>
+            </a:pPr>
             <a:endParaRPr lang="ko-KR" altLang="en-US" sz="1800">
               <a:latin typeface="맑은 고딕" charset="0"/>
               <a:ea typeface="맑은 고딕" charset="0"/>
             </a:endParaRPr>
           </a:p>
+          <a:p>
+            <a:pPr marL="0" indent="0" rtl="0" algn="l" defTabSz="914400" eaLnBrk="1" latinLnBrk="0" hangingPunct="1">
+              <a:buFontTx/>
+              <a:buNone/>
+            </a:pPr>
+            <a:r>
+              <a:rPr lang="ko-KR" sz="1800">
+                <a:latin typeface="맑은 고딕" charset="0"/>
+                <a:ea typeface="맑은 고딕" charset="0"/>
+              </a:rPr>
+              <a:t>그다음 계속 실행할 때는 다음 프레임에서 실행을 멈춘 위치부터 실행을 계속할 수 있도록 진행해주는 함수입니다.</a:t>
+            </a:r>
+            <a:endParaRPr lang="ko-KR" altLang="en-US" sz="1800">
+              <a:latin typeface="맑은 고딕" charset="0"/>
+              <a:ea typeface="맑은 고딕" charset="0"/>
+            </a:endParaRPr>
+          </a:p>
+        </p:txBody>
+      </p:sp>
+      <p:sp>
+        <p:nvSpPr>
+          <p:cNvPr id="1061" name="Rect 0"/>
+          <p:cNvSpPr txBox="1">
+            <a:spLocks/>
+          </p:cNvSpPr>
+          <p:nvPr/>
+        </p:nvSpPr>
+        <p:spPr>
+          <a:xfrm rot="0">
+            <a:off x="6817995" y="4123055"/>
+            <a:ext cx="4105910" cy="2061845"/>
+          </a:xfrm>
+          <a:prstGeom prst="rect"/>
+          <a:noFill/>
+          <a:ln w="0">
+            <a:noFill/>
+            <a:prstDash/>
+          </a:ln>
+        </p:spPr>
+        <p:txBody>
+          <a:bodyPr wrap="square" lIns="89535" tIns="46355" rIns="89535" bIns="46355" numCol="1" vert="horz" anchor="t">
+            <a:spAutoFit/>
+          </a:bodyPr>
+          <a:lstStyle/>
+          <a:p>
+            <a:pPr marL="0" indent="0" rtl="0" algn="l" defTabSz="914400" eaLnBrk="1" latinLnBrk="0" hangingPunct="1">
+              <a:buFontTx/>
+              <a:buNone/>
+            </a:pPr>
+            <a:r>
+              <a:rPr lang="ko-KR" sz="2000" b="1">
+                <a:solidFill>
+                  <a:srgbClr val="0611F2"/>
+                </a:solidFill>
+                <a:latin typeface="맑은 고딕" charset="0"/>
+                <a:ea typeface="맑은 고딕" charset="0"/>
+              </a:rPr>
+              <a:t>1</a:t>
+            </a:r>
+            <a:r>
+              <a:rPr lang="ko-KR" sz="2000" b="1">
+                <a:solidFill>
+                  <a:srgbClr val="0611F2"/>
+                </a:solidFill>
+                <a:latin typeface="맑은 고딕" charset="0"/>
+                <a:ea typeface="맑은 고딕" charset="0"/>
+              </a:rPr>
+              <a:t>7</a:t>
+            </a:r>
+            <a:r>
+              <a:rPr sz="2000" b="1">
+                <a:solidFill>
+                  <a:srgbClr val="0611F2"/>
+                </a:solidFill>
+                <a:latin typeface="맑은 고딕" charset="0"/>
+                <a:ea typeface="맑은 고딕" charset="0"/>
+              </a:rPr>
+              <a:t>. </a:t>
+            </a:r>
+            <a:r>
+              <a:rPr lang="ko-KR" sz="1800">
+                <a:latin typeface="맑은 고딕" charset="0"/>
+                <a:ea typeface="맑은 고딕" charset="0"/>
+              </a:rPr>
+              <a:t>그다음 Various 스크립트에 Project 폴더에 있는 Texture에 Berries와 Pumkin 그리고 Tangerines 텍스처를 넣어줍니다.</a:t>
+            </a:r>
+            <a:endParaRPr lang="ko-KR" altLang="en-US" sz="1800">
+              <a:latin typeface="맑은 고딕" charset="0"/>
+              <a:ea typeface="맑은 고딕" charset="0"/>
+            </a:endParaRPr>
+          </a:p>
+          <a:p>
+            <a:pPr marL="0" indent="0" rtl="0" algn="l" defTabSz="914400" eaLnBrk="1" latinLnBrk="0" hangingPunct="1">
+              <a:buFontTx/>
+              <a:buNone/>
+            </a:pPr>
+            <a:endParaRPr lang="ko-KR" altLang="en-US" sz="1800">
+              <a:latin typeface="맑은 고딕" charset="0"/>
+              <a:ea typeface="맑은 고딕" charset="0"/>
+            </a:endParaRPr>
+          </a:p>
+          <a:p>
+            <a:pPr marL="0" indent="0" rtl="0" algn="l" defTabSz="914400" eaLnBrk="1" latinLnBrk="0" hangingPunct="1">
+              <a:buFontTx/>
+              <a:buNone/>
+            </a:pPr>
+            <a:r>
+              <a:rPr lang="ko-KR" sz="1800">
+                <a:latin typeface="맑은 고딕" charset="0"/>
+                <a:ea typeface="맑은 고딕" charset="0"/>
+              </a:rPr>
+              <a:t>그런 다음 이미지에는 State 오브젝트를 넣어줍니다. </a:t>
+            </a:r>
+            <a:endParaRPr lang="ko-KR" altLang="en-US" sz="1800">
+              <a:latin typeface="맑은 고딕" charset="0"/>
+              <a:ea typeface="맑은 고딕" charset="0"/>
+            </a:endParaRPr>
+          </a:p>
         </p:txBody>
       </p:sp>
       <p:pic>
         <p:nvPicPr>
-          <p:cNvPr id="1055" name="그림 93" descr="C:/Users/Admin1/AppData/Roaming/PolarisOffice/ETemp/17076_14861856/fImage41813882382.png"/>
+          <p:cNvPr id="1062" name="그림 5" descr="C:/Users/Admin1/AppData/Roaming/PolarisOffice/ETemp/18200_22907784/fImage121272878467.png"/>
           <p:cNvPicPr>
             <a:picLocks noChangeAspect="1"/>
           </p:cNvPicPr>
@@ -12581,8 +14536,8 @@
         </p:blipFill>
         <p:spPr>
           <a:xfrm rot="0">
-            <a:off x="6826250" y="1479550"/>
-            <a:ext cx="4032885" cy="1230630"/>
+            <a:off x="1392555" y="1475105"/>
+            <a:ext cx="3996055" cy="2209800"/>
           </a:xfrm>
           <a:prstGeom prst="roundRect"/>
           <a:solidFill>
@@ -12592,7 +14547,7 @@
       </p:pic>
       <p:pic>
         <p:nvPicPr>
-          <p:cNvPr id="1056" name="그림 97" descr="C:/Users/Admin1/AppData/Roaming/PolarisOffice/ETemp/17076_14861856/fImage521513897421.png"/>
+          <p:cNvPr id="1063" name="그림 8" descr="C:/Users/Admin1/AppData/Roaming/PolarisOffice/ETemp/18200_22907784/fImage155412886334.png"/>
           <p:cNvPicPr>
             <a:picLocks noChangeAspect="1"/>
           </p:cNvPicPr>
@@ -12612,8 +14567,8 @@
         </p:blipFill>
         <p:spPr>
           <a:xfrm rot="0">
-            <a:off x="1409700" y="1470660"/>
-            <a:ext cx="1977390" cy="2413635"/>
+            <a:off x="6815455" y="1487805"/>
+            <a:ext cx="4117340" cy="1245870"/>
           </a:xfrm>
           <a:prstGeom prst="roundRect"/>
           <a:solidFill>
@@ -12623,7 +14578,7 @@
       </p:pic>
       <p:pic>
         <p:nvPicPr>
-          <p:cNvPr id="1057" name="그림 100" descr="C:/Users/Admin1/AppData/Roaming/PolarisOffice/ETemp/17076_14861856/fImage4088163908716.png"/>
+          <p:cNvPr id="1064" name="그림 11" descr="C:/Users/Admin1/AppData/Roaming/PolarisOffice/ETemp/18200_22907784/fImage335502896500.png"/>
           <p:cNvPicPr>
             <a:picLocks noChangeAspect="1"/>
           </p:cNvPicPr>
@@ -12643,16 +14598,18 @@
         </p:blipFill>
         <p:spPr>
           <a:xfrm rot="0">
-            <a:off x="3937000" y="2042795"/>
-            <a:ext cx="1397635" cy="751840"/>
-          </a:xfrm>
-          <a:prstGeom prst="rect"/>
-          <a:noFill/>
+            <a:off x="8173085" y="2905760"/>
+            <a:ext cx="2764790" cy="1108075"/>
+          </a:xfrm>
+          <a:prstGeom prst="roundRect"/>
+          <a:solidFill>
+            <a:srgbClr val="EDEDED"/>
+          </a:solidFill>
         </p:spPr>
       </p:pic>
       <p:pic>
         <p:nvPicPr>
-          <p:cNvPr id="1058" name="그림 101" descr="C:/Users/Admin1/AppData/Roaming/PolarisOffice/ETemp/17076_14861856/fImage1437533919718.png"/>
+          <p:cNvPr id="1065" name="그림 14" descr="C:/Users/Admin1/AppData/Roaming/PolarisOffice/ETemp/18200_22907784/fImage65252909169.png"/>
           <p:cNvPicPr>
             <a:picLocks noChangeAspect="1"/>
           </p:cNvPicPr>
@@ -12672,13 +14629,147 @@
         </p:blipFill>
         <p:spPr>
           <a:xfrm rot="0">
-            <a:off x="3164205" y="2317750"/>
-            <a:ext cx="688975" cy="392430"/>
-          </a:xfrm>
-          <a:prstGeom prst="rect"/>
-          <a:noFill/>
+            <a:off x="6815455" y="2895600"/>
+            <a:ext cx="1193800" cy="1109345"/>
+          </a:xfrm>
+          <a:prstGeom prst="roundRect"/>
+          <a:solidFill>
+            <a:srgbClr val="EDEDED"/>
+          </a:solidFill>
         </p:spPr>
       </p:pic>
+      <p:cxnSp>
+        <p:nvCxnSpPr>
+          <p:cNvPr id="1066" name="도형 17"/>
+          <p:cNvCxnSpPr/>
+          <p:nvPr/>
+        </p:nvCxnSpPr>
+        <p:spPr>
+          <a:xfrm rot="0" flipV="1">
+            <a:off x="8769985" y="2334895"/>
+            <a:ext cx="2059305" cy="805180"/>
+          </a:xfrm>
+          <a:prstGeom prst="straightConnector1"/>
+          <a:ln w="6350" cap="flat" cmpd="sng">
+            <a:prstDash/>
+            <a:headEnd type="none" w="med" len="med"/>
+            <a:tailEnd type="triangle" w="med" len="med"/>
+          </a:ln>
+        </p:spPr>
+        <p:style>
+          <a:lnRef idx="1">
+            <a:schemeClr val="accent1"/>
+          </a:lnRef>
+          <a:fillRef idx="0">
+            <a:schemeClr val="accent1"/>
+          </a:fillRef>
+          <a:effectRef idx="0">
+            <a:schemeClr val="accent1"/>
+          </a:effectRef>
+          <a:fontRef idx="minor">
+            <a:schemeClr val="tx1"/>
+          </a:fontRef>
+        </p:style>
+      </p:cxnSp>
+      <p:cxnSp>
+        <p:nvCxnSpPr>
+          <p:cNvPr id="1067" name="도형 18"/>
+          <p:cNvCxnSpPr/>
+          <p:nvPr/>
+        </p:nvCxnSpPr>
+        <p:spPr>
+          <a:xfrm rot="0" flipV="1">
+            <a:off x="10283190" y="2482215"/>
+            <a:ext cx="554355" cy="666750"/>
+          </a:xfrm>
+          <a:prstGeom prst="straightConnector1"/>
+          <a:ln w="6350" cap="flat" cmpd="sng">
+            <a:prstDash/>
+            <a:headEnd type="none" w="med" len="med"/>
+            <a:tailEnd type="triangle" w="med" len="med"/>
+          </a:ln>
+        </p:spPr>
+        <p:style>
+          <a:lnRef idx="1">
+            <a:schemeClr val="accent1"/>
+          </a:lnRef>
+          <a:fillRef idx="0">
+            <a:schemeClr val="accent1"/>
+          </a:fillRef>
+          <a:effectRef idx="0">
+            <a:schemeClr val="accent1"/>
+          </a:effectRef>
+          <a:fontRef idx="minor">
+            <a:schemeClr val="tx1"/>
+          </a:fontRef>
+        </p:style>
+      </p:cxnSp>
+      <p:cxnSp>
+        <p:nvCxnSpPr>
+          <p:cNvPr id="1068" name="도형 19"/>
+          <p:cNvCxnSpPr/>
+          <p:nvPr/>
+        </p:nvCxnSpPr>
+        <p:spPr>
+          <a:xfrm rot="0" flipV="1">
+            <a:off x="10681335" y="2637790"/>
+            <a:ext cx="156210" cy="511175"/>
+          </a:xfrm>
+          <a:prstGeom prst="straightConnector1"/>
+          <a:ln w="6350" cap="flat" cmpd="sng">
+            <a:prstDash/>
+            <a:headEnd type="none" w="med" len="med"/>
+            <a:tailEnd type="triangle" w="med" len="med"/>
+          </a:ln>
+        </p:spPr>
+        <p:style>
+          <a:lnRef idx="1">
+            <a:schemeClr val="accent1"/>
+          </a:lnRef>
+          <a:fillRef idx="0">
+            <a:schemeClr val="accent1"/>
+          </a:fillRef>
+          <a:effectRef idx="0">
+            <a:schemeClr val="accent1"/>
+          </a:effectRef>
+          <a:fontRef idx="minor">
+            <a:schemeClr val="tx1"/>
+          </a:fontRef>
+        </p:style>
+      </p:cxnSp>
+      <p:cxnSp>
+        <p:nvCxnSpPr>
+          <p:cNvPr id="1069" name="도형 20"/>
+          <p:cNvCxnSpPr/>
+          <p:nvPr/>
+        </p:nvCxnSpPr>
+        <p:spPr>
+          <a:xfrm rot="0" flipV="1">
+            <a:off x="7619365" y="1885315"/>
+            <a:ext cx="3235325" cy="1678940"/>
+          </a:xfrm>
+          <a:prstGeom prst="straightConnector1"/>
+          <a:ln w="6350" cap="flat" cmpd="sng">
+            <a:prstDash/>
+            <a:headEnd type="none" w="med" len="med"/>
+            <a:tailEnd type="triangle" w="med" len="med"/>
+          </a:ln>
+        </p:spPr>
+        <p:style>
+          <a:lnRef idx="1">
+            <a:schemeClr val="accent1"/>
+          </a:lnRef>
+          <a:fillRef idx="0">
+            <a:schemeClr val="accent1"/>
+          </a:fillRef>
+          <a:effectRef idx="0">
+            <a:schemeClr val="accent1"/>
+          </a:effectRef>
+          <a:fontRef idx="minor">
+            <a:schemeClr val="tx1"/>
+          </a:fontRef>
+        </p:style>
+      </p:cxnSp>
     </p:spTree>
   </p:cSld>
   <p:clrMapOvr>
